--- a/summary.pptx
+++ b/summary.pptx
@@ -7,29 +7,34 @@
   <p:sldIdLst>
     <p:sldId id="256" r:id="rId2"/>
     <p:sldId id="259" r:id="rId3"/>
-    <p:sldId id="265" r:id="rId4"/>
-    <p:sldId id="266" r:id="rId5"/>
-    <p:sldId id="260" r:id="rId6"/>
-    <p:sldId id="258" r:id="rId7"/>
-    <p:sldId id="264" r:id="rId8"/>
-    <p:sldId id="261" r:id="rId9"/>
-    <p:sldId id="262" r:id="rId10"/>
-    <p:sldId id="263" r:id="rId11"/>
-    <p:sldId id="268" r:id="rId12"/>
-    <p:sldId id="269" r:id="rId13"/>
-    <p:sldId id="271" r:id="rId14"/>
-    <p:sldId id="267" r:id="rId15"/>
-    <p:sldId id="270" r:id="rId16"/>
-    <p:sldId id="272" r:id="rId17"/>
-    <p:sldId id="273" r:id="rId18"/>
-    <p:sldId id="274" r:id="rId19"/>
-    <p:sldId id="275" r:id="rId20"/>
-    <p:sldId id="276" r:id="rId21"/>
-    <p:sldId id="278" r:id="rId22"/>
-    <p:sldId id="282" r:id="rId23"/>
-    <p:sldId id="279" r:id="rId24"/>
-    <p:sldId id="281" r:id="rId25"/>
-    <p:sldId id="280" r:id="rId26"/>
+    <p:sldId id="283" r:id="rId4"/>
+    <p:sldId id="284" r:id="rId5"/>
+    <p:sldId id="288" r:id="rId6"/>
+    <p:sldId id="265" r:id="rId7"/>
+    <p:sldId id="266" r:id="rId8"/>
+    <p:sldId id="262" r:id="rId9"/>
+    <p:sldId id="286" r:id="rId10"/>
+    <p:sldId id="285" r:id="rId11"/>
+    <p:sldId id="290" r:id="rId12"/>
+    <p:sldId id="260" r:id="rId13"/>
+    <p:sldId id="258" r:id="rId14"/>
+    <p:sldId id="264" r:id="rId15"/>
+    <p:sldId id="263" r:id="rId16"/>
+    <p:sldId id="268" r:id="rId17"/>
+    <p:sldId id="269" r:id="rId18"/>
+    <p:sldId id="271" r:id="rId19"/>
+    <p:sldId id="267" r:id="rId20"/>
+    <p:sldId id="270" r:id="rId21"/>
+    <p:sldId id="272" r:id="rId22"/>
+    <p:sldId id="273" r:id="rId23"/>
+    <p:sldId id="274" r:id="rId24"/>
+    <p:sldId id="275" r:id="rId25"/>
+    <p:sldId id="276" r:id="rId26"/>
+    <p:sldId id="278" r:id="rId27"/>
+    <p:sldId id="282" r:id="rId28"/>
+    <p:sldId id="279" r:id="rId29"/>
+    <p:sldId id="281" r:id="rId30"/>
+    <p:sldId id="280" r:id="rId31"/>
   </p:sldIdLst>
   <p:sldSz cx="9144000" cy="6858000" type="screen4x3"/>
   <p:notesSz cx="6858000" cy="9144000"/>
@@ -135,21 +140,30 @@
           <p14:sldIdLst>
             <p14:sldId id="256"/>
             <p14:sldId id="259"/>
+            <p14:sldId id="283"/>
+            <p14:sldId id="284"/>
+            <p14:sldId id="288"/>
+            <p14:sldId id="265"/>
+            <p14:sldId id="266"/>
+            <p14:sldId id="262"/>
+            <p14:sldId id="286"/>
+            <p14:sldId id="285"/>
+          </p14:sldIdLst>
+        </p14:section>
+        <p14:section name="Legendary" id="{7074C61C-D98C-493F-AD3C-98206694383F}">
+          <p14:sldIdLst>
+            <p14:sldId id="290"/>
           </p14:sldIdLst>
         </p14:section>
         <p14:section name="Type" id="{550A0DC1-DAD6-4441-8D37-1486FD7B4B44}">
           <p14:sldIdLst>
-            <p14:sldId id="265"/>
-            <p14:sldId id="266"/>
             <p14:sldId id="260"/>
             <p14:sldId id="258"/>
             <p14:sldId id="264"/>
-            <p14:sldId id="261"/>
           </p14:sldIdLst>
         </p14:section>
         <p14:section name="Stats" id="{D5E4B12D-65C6-4A3B-B556-566767357E65}">
           <p14:sldIdLst>
-            <p14:sldId id="262"/>
             <p14:sldId id="263"/>
           </p14:sldIdLst>
         </p14:section>
@@ -181,6 +195,9 @@
           </p14:sldIdLst>
         </p14:section>
       </p14:sectionLst>
+    </p:ext>
+    <p:ext uri="{EFAFB233-063F-42B5-8137-9DF3F51BA10A}">
+      <p15:sldGuideLst xmlns:p15="http://schemas.microsoft.com/office/powerpoint/2012/main"/>
     </p:ext>
   </p:extLst>
 </p:presentation>
@@ -317,7 +334,7 @@
           <a:p>
             <a:fld id="{6436B6A3-909F-45D1-A46A-B7CB4C62FD03}" type="datetimeFigureOut">
               <a:rPr lang="en-US" smtClean="0"/>
-              <a:t>10/17/2018</a:t>
+              <a:t>10/22/2018</a:t>
             </a:fld>
             <a:endParaRPr lang="en-US"/>
           </a:p>
@@ -487,7 +504,7 @@
           <a:p>
             <a:fld id="{6436B6A3-909F-45D1-A46A-B7CB4C62FD03}" type="datetimeFigureOut">
               <a:rPr lang="en-US" smtClean="0"/>
-              <a:t>10/17/2018</a:t>
+              <a:t>10/22/2018</a:t>
             </a:fld>
             <a:endParaRPr lang="en-US"/>
           </a:p>
@@ -667,7 +684,7 @@
           <a:p>
             <a:fld id="{6436B6A3-909F-45D1-A46A-B7CB4C62FD03}" type="datetimeFigureOut">
               <a:rPr lang="en-US" smtClean="0"/>
-              <a:t>10/17/2018</a:t>
+              <a:t>10/22/2018</a:t>
             </a:fld>
             <a:endParaRPr lang="en-US"/>
           </a:p>
@@ -837,7 +854,7 @@
           <a:p>
             <a:fld id="{6436B6A3-909F-45D1-A46A-B7CB4C62FD03}" type="datetimeFigureOut">
               <a:rPr lang="en-US" smtClean="0"/>
-              <a:t>10/17/2018</a:t>
+              <a:t>10/22/2018</a:t>
             </a:fld>
             <a:endParaRPr lang="en-US"/>
           </a:p>
@@ -1081,7 +1098,7 @@
           <a:p>
             <a:fld id="{6436B6A3-909F-45D1-A46A-B7CB4C62FD03}" type="datetimeFigureOut">
               <a:rPr lang="en-US" smtClean="0"/>
-              <a:t>10/17/2018</a:t>
+              <a:t>10/22/2018</a:t>
             </a:fld>
             <a:endParaRPr lang="en-US"/>
           </a:p>
@@ -1313,7 +1330,7 @@
           <a:p>
             <a:fld id="{6436B6A3-909F-45D1-A46A-B7CB4C62FD03}" type="datetimeFigureOut">
               <a:rPr lang="en-US" smtClean="0"/>
-              <a:t>10/17/2018</a:t>
+              <a:t>10/22/2018</a:t>
             </a:fld>
             <a:endParaRPr lang="en-US"/>
           </a:p>
@@ -1680,7 +1697,7 @@
           <a:p>
             <a:fld id="{6436B6A3-909F-45D1-A46A-B7CB4C62FD03}" type="datetimeFigureOut">
               <a:rPr lang="en-US" smtClean="0"/>
-              <a:t>10/17/2018</a:t>
+              <a:t>10/22/2018</a:t>
             </a:fld>
             <a:endParaRPr lang="en-US"/>
           </a:p>
@@ -1798,7 +1815,7 @@
           <a:p>
             <a:fld id="{6436B6A3-909F-45D1-A46A-B7CB4C62FD03}" type="datetimeFigureOut">
               <a:rPr lang="en-US" smtClean="0"/>
-              <a:t>10/17/2018</a:t>
+              <a:t>10/22/2018</a:t>
             </a:fld>
             <a:endParaRPr lang="en-US"/>
           </a:p>
@@ -1893,7 +1910,7 @@
           <a:p>
             <a:fld id="{6436B6A3-909F-45D1-A46A-B7CB4C62FD03}" type="datetimeFigureOut">
               <a:rPr lang="en-US" smtClean="0"/>
-              <a:t>10/17/2018</a:t>
+              <a:t>10/22/2018</a:t>
             </a:fld>
             <a:endParaRPr lang="en-US"/>
           </a:p>
@@ -2170,7 +2187,7 @@
           <a:p>
             <a:fld id="{6436B6A3-909F-45D1-A46A-B7CB4C62FD03}" type="datetimeFigureOut">
               <a:rPr lang="en-US" smtClean="0"/>
-              <a:t>10/17/2018</a:t>
+              <a:t>10/22/2018</a:t>
             </a:fld>
             <a:endParaRPr lang="en-US"/>
           </a:p>
@@ -2427,7 +2444,7 @@
           <a:p>
             <a:fld id="{6436B6A3-909F-45D1-A46A-B7CB4C62FD03}" type="datetimeFigureOut">
               <a:rPr lang="en-US" smtClean="0"/>
-              <a:t>10/17/2018</a:t>
+              <a:t>10/22/2018</a:t>
             </a:fld>
             <a:endParaRPr lang="en-US"/>
           </a:p>
@@ -2640,7 +2657,7 @@
           <a:p>
             <a:fld id="{6436B6A3-909F-45D1-A46A-B7CB4C62FD03}" type="datetimeFigureOut">
               <a:rPr lang="en-US" smtClean="0"/>
-              <a:t>10/17/2018</a:t>
+              <a:t>10/22/2018</a:t>
             </a:fld>
             <a:endParaRPr lang="en-US"/>
           </a:p>
@@ -3060,7 +3077,15 @@
           <a:bodyPr/>
           <a:lstStyle/>
           <a:p>
-            <a:endParaRPr lang="en-US"/>
+            <a:r>
+              <a:rPr lang="en-US" dirty="0" err="1" smtClean="0"/>
+              <a:t>Pokemon</a:t>
+            </a:r>
+            <a:r>
+              <a:rPr lang="en-US" dirty="0" smtClean="0"/>
+              <a:t> Battle Analysis</a:t>
+            </a:r>
+            <a:endParaRPr lang="en-US" dirty="0"/>
           </a:p>
         </p:txBody>
       </p:sp>
@@ -3076,10 +3101,27 @@
         </p:nvSpPr>
         <p:spPr/>
         <p:txBody>
-          <a:bodyPr/>
-          <a:lstStyle/>
-          <a:p>
-            <a:endParaRPr lang="en-US"/>
+          <a:bodyPr>
+            <a:normAutofit/>
+          </a:bodyPr>
+          <a:lstStyle/>
+          <a:p>
+            <a:r>
+              <a:rPr lang="en-US" sz="2000" dirty="0"/>
+              <a:t>Original dataset from: </a:t>
+            </a:r>
+            <a:endParaRPr lang="en-US" sz="2000" dirty="0" smtClean="0"/>
+          </a:p>
+          <a:p>
+            <a:r>
+              <a:rPr lang="en-US" sz="2000" dirty="0" smtClean="0"/>
+              <a:t>ttps</a:t>
+            </a:r>
+            <a:r>
+              <a:rPr lang="en-US" sz="2000" dirty="0"/>
+              <a:t>://www.kaggle.com/terminus7/pokemon-challenge</a:t>
+            </a:r>
+            <a:endParaRPr lang="en-US" sz="2000" dirty="0"/>
           </a:p>
         </p:txBody>
       </p:sp>
@@ -3130,7 +3172,2642 @@
           <a:p>
             <a:r>
               <a:rPr lang="en-US" dirty="0" smtClean="0"/>
-              <a:t>Stat information</a:t>
+              <a:t>The Dataset</a:t>
+            </a:r>
+            <a:endParaRPr lang="en-US" dirty="0"/>
+          </a:p>
+        </p:txBody>
+      </p:sp>
+      <p:sp>
+        <p:nvSpPr>
+          <p:cNvPr id="5" name="Content Placeholder 4"/>
+          <p:cNvSpPr>
+            <a:spLocks noGrp="1"/>
+          </p:cNvSpPr>
+          <p:nvPr>
+            <p:ph idx="1"/>
+          </p:nvPr>
+        </p:nvSpPr>
+        <p:spPr/>
+        <p:txBody>
+          <a:bodyPr>
+            <a:normAutofit fontScale="92500" lnSpcReduction="20000"/>
+          </a:bodyPr>
+          <a:lstStyle/>
+          <a:p>
+            <a:r>
+              <a:rPr lang="en-US" dirty="0" smtClean="0"/>
+              <a:t>Two files</a:t>
+            </a:r>
+          </a:p>
+          <a:p>
+            <a:pPr lvl="1"/>
+            <a:r>
+              <a:rPr lang="en-US" dirty="0" smtClean="0"/>
+              <a:t>A table of </a:t>
+            </a:r>
+            <a:r>
+              <a:rPr lang="en-US" dirty="0" err="1" smtClean="0"/>
+              <a:t>pokemon</a:t>
+            </a:r>
+            <a:r>
+              <a:rPr lang="en-US" dirty="0" smtClean="0"/>
+              <a:t>, including unique ID, name, whether the </a:t>
+            </a:r>
+            <a:r>
+              <a:rPr lang="en-US" dirty="0" err="1" smtClean="0"/>
+              <a:t>pokemon</a:t>
+            </a:r>
+            <a:r>
+              <a:rPr lang="en-US" dirty="0" smtClean="0"/>
+              <a:t> is legendary, their two types (null for type 2 if </a:t>
+            </a:r>
+            <a:r>
+              <a:rPr lang="en-US" dirty="0" err="1" smtClean="0"/>
+              <a:t>pokemon</a:t>
+            </a:r>
+            <a:r>
+              <a:rPr lang="en-US" dirty="0" smtClean="0"/>
+              <a:t> has one type) and 6 base stats</a:t>
+            </a:r>
+          </a:p>
+          <a:p>
+            <a:pPr lvl="1"/>
+            <a:r>
+              <a:rPr lang="en-US" dirty="0" smtClean="0"/>
+              <a:t>800 </a:t>
+            </a:r>
+            <a:r>
+              <a:rPr lang="en-US" dirty="0" err="1" smtClean="0"/>
+              <a:t>pokemon</a:t>
+            </a:r>
+            <a:r>
+              <a:rPr lang="en-US" dirty="0" smtClean="0"/>
+              <a:t> table records</a:t>
+            </a:r>
+          </a:p>
+          <a:p>
+            <a:pPr lvl="1"/>
+            <a:r>
+              <a:rPr lang="en-US" dirty="0" smtClean="0"/>
+              <a:t>A list of battles by unique ID of the two </a:t>
+            </a:r>
+            <a:r>
+              <a:rPr lang="en-US" dirty="0" err="1" smtClean="0"/>
+              <a:t>pokemon</a:t>
+            </a:r>
+            <a:r>
+              <a:rPr lang="en-US" dirty="0" smtClean="0"/>
+              <a:t> involved, and the ID of the winner</a:t>
+            </a:r>
+          </a:p>
+          <a:p>
+            <a:pPr lvl="1"/>
+            <a:r>
+              <a:rPr lang="en-US" dirty="0" smtClean="0"/>
+              <a:t>50000 battle table records</a:t>
+            </a:r>
+          </a:p>
+          <a:p>
+            <a:r>
+              <a:rPr lang="en-US" dirty="0" smtClean="0"/>
+              <a:t>To fully explore the dataset, the tables will have to be joined on ID</a:t>
+            </a:r>
+          </a:p>
+          <a:p>
+            <a:r>
+              <a:rPr lang="en-US" dirty="0" smtClean="0"/>
+              <a:t>The battle data was generated using a secret simulation algorithm which has not been released by the originator of the dataset</a:t>
+            </a:r>
+            <a:endParaRPr lang="en-US" dirty="0"/>
+          </a:p>
+        </p:txBody>
+      </p:sp>
+    </p:spTree>
+    <p:extLst>
+      <p:ext uri="{BB962C8B-B14F-4D97-AF65-F5344CB8AC3E}">
+        <p14:creationId xmlns:p14="http://schemas.microsoft.com/office/powerpoint/2010/main" val="762962314"/>
+      </p:ext>
+    </p:extLst>
+  </p:cSld>
+  <p:clrMapOvr>
+    <a:masterClrMapping/>
+  </p:clrMapOvr>
+</p:sld>
+</file>
+
+<file path=ppt/slides/slide11.xml><?xml version="1.0" encoding="utf-8"?>
+<p:sld xmlns:a="http://schemas.openxmlformats.org/drawingml/2006/main" xmlns:r="http://schemas.openxmlformats.org/officeDocument/2006/relationships" xmlns:p="http://schemas.openxmlformats.org/presentationml/2006/main">
+  <p:cSld>
+    <p:spTree>
+      <p:nvGrpSpPr>
+        <p:cNvPr id="1" name=""/>
+        <p:cNvGrpSpPr/>
+        <p:nvPr/>
+      </p:nvGrpSpPr>
+      <p:grpSpPr>
+        <a:xfrm>
+          <a:off x="0" y="0"/>
+          <a:ext cx="0" cy="0"/>
+          <a:chOff x="0" y="0"/>
+          <a:chExt cx="0" cy="0"/>
+        </a:xfrm>
+      </p:grpSpPr>
+      <p:sp>
+        <p:nvSpPr>
+          <p:cNvPr id="2" name="Title 1"/>
+          <p:cNvSpPr>
+            <a:spLocks noGrp="1"/>
+          </p:cNvSpPr>
+          <p:nvPr>
+            <p:ph type="title"/>
+          </p:nvPr>
+        </p:nvSpPr>
+        <p:spPr/>
+        <p:txBody>
+          <a:bodyPr/>
+          <a:lstStyle/>
+          <a:p>
+            <a:r>
+              <a:rPr lang="en-US" dirty="0" smtClean="0"/>
+              <a:t>Legendary-ness</a:t>
+            </a:r>
+            <a:endParaRPr lang="en-US" dirty="0"/>
+          </a:p>
+        </p:txBody>
+      </p:sp>
+      <p:sp>
+        <p:nvSpPr>
+          <p:cNvPr id="5" name="Content Placeholder 4"/>
+          <p:cNvSpPr>
+            <a:spLocks noGrp="1"/>
+          </p:cNvSpPr>
+          <p:nvPr>
+            <p:ph sz="half" idx="1"/>
+          </p:nvPr>
+        </p:nvSpPr>
+        <p:spPr/>
+        <p:txBody>
+          <a:bodyPr>
+            <a:normAutofit fontScale="77500" lnSpcReduction="20000"/>
+          </a:bodyPr>
+          <a:lstStyle/>
+          <a:p>
+            <a:r>
+              <a:rPr lang="en-US" dirty="0" smtClean="0"/>
+              <a:t>In the game, legendary-ness only indicates the following:</a:t>
+            </a:r>
+          </a:p>
+          <a:p>
+            <a:pPr lvl="1"/>
+            <a:r>
+              <a:rPr lang="en-US" dirty="0" err="1" smtClean="0"/>
+              <a:t>pokemon</a:t>
+            </a:r>
+            <a:r>
+              <a:rPr lang="en-US" dirty="0" smtClean="0"/>
+              <a:t> is unique (per game instance)</a:t>
+            </a:r>
+          </a:p>
+          <a:p>
+            <a:pPr lvl="1"/>
+            <a:r>
+              <a:rPr lang="en-US" dirty="0" smtClean="0"/>
+              <a:t>challenging to obtain</a:t>
+            </a:r>
+          </a:p>
+          <a:p>
+            <a:pPr lvl="1"/>
+            <a:r>
+              <a:rPr lang="en-US" dirty="0" smtClean="0"/>
+              <a:t>has high base stats</a:t>
+            </a:r>
+          </a:p>
+          <a:p>
+            <a:pPr lvl="1"/>
+            <a:r>
+              <a:rPr lang="en-US" dirty="0" smtClean="0"/>
+              <a:t>has access to stronger fight moves</a:t>
+            </a:r>
+          </a:p>
+          <a:p>
+            <a:r>
+              <a:rPr lang="en-US" dirty="0" smtClean="0"/>
+              <a:t>Legendary-ness does not explicitly mean the </a:t>
+            </a:r>
+            <a:r>
+              <a:rPr lang="en-US" dirty="0" err="1" smtClean="0"/>
+              <a:t>pokemon</a:t>
+            </a:r>
+            <a:r>
+              <a:rPr lang="en-US" dirty="0" smtClean="0"/>
+              <a:t> is stronger than others</a:t>
+            </a:r>
+          </a:p>
+          <a:p>
+            <a:r>
+              <a:rPr lang="en-US" dirty="0" smtClean="0"/>
+              <a:t>No direct relationship with combat ability</a:t>
+            </a:r>
+          </a:p>
+          <a:p>
+            <a:r>
+              <a:rPr lang="en-US" dirty="0" smtClean="0"/>
+              <a:t>Of 800 </a:t>
+            </a:r>
+            <a:r>
+              <a:rPr lang="en-US" dirty="0" err="1" smtClean="0"/>
+              <a:t>pokemon</a:t>
+            </a:r>
+            <a:r>
+              <a:rPr lang="en-US" dirty="0" smtClean="0"/>
+              <a:t>, 8.1% are legendary</a:t>
+            </a:r>
+          </a:p>
+        </p:txBody>
+      </p:sp>
+      <p:pic>
+        <p:nvPicPr>
+          <p:cNvPr id="6" name="Content Placeholder 4"/>
+          <p:cNvPicPr>
+            <a:picLocks noGrp="1" noChangeAspect="1"/>
+          </p:cNvPicPr>
+          <p:nvPr>
+            <p:ph sz="half" idx="2"/>
+          </p:nvPr>
+        </p:nvPicPr>
+        <p:blipFill>
+          <a:blip r:embed="rId2" cstate="print">
+            <a:extLst>
+              <a:ext uri="{28A0092B-C50C-407E-A947-70E740481C1C}">
+                <a14:useLocalDpi xmlns:a14="http://schemas.microsoft.com/office/drawing/2010/main" val="0"/>
+              </a:ext>
+            </a:extLst>
+          </a:blip>
+          <a:stretch>
+            <a:fillRect/>
+          </a:stretch>
+        </p:blipFill>
+        <p:spPr>
+          <a:xfrm>
+            <a:off x="4629150" y="2561606"/>
+            <a:ext cx="3886200" cy="2879376"/>
+          </a:xfrm>
+        </p:spPr>
+      </p:pic>
+    </p:spTree>
+    <p:extLst>
+      <p:ext uri="{BB962C8B-B14F-4D97-AF65-F5344CB8AC3E}">
+        <p14:creationId xmlns:p14="http://schemas.microsoft.com/office/powerpoint/2010/main" val="1065394946"/>
+      </p:ext>
+    </p:extLst>
+  </p:cSld>
+  <p:clrMapOvr>
+    <a:masterClrMapping/>
+  </p:clrMapOvr>
+</p:sld>
+</file>
+
+<file path=ppt/slides/slide12.xml><?xml version="1.0" encoding="utf-8"?>
+<p:sld xmlns:a="http://schemas.openxmlformats.org/drawingml/2006/main" xmlns:r="http://schemas.openxmlformats.org/officeDocument/2006/relationships" xmlns:p="http://schemas.openxmlformats.org/presentationml/2006/main">
+  <p:cSld>
+    <p:spTree>
+      <p:nvGrpSpPr>
+        <p:cNvPr id="1" name=""/>
+        <p:cNvGrpSpPr/>
+        <p:nvPr/>
+      </p:nvGrpSpPr>
+      <p:grpSpPr>
+        <a:xfrm>
+          <a:off x="0" y="0"/>
+          <a:ext cx="0" cy="0"/>
+          <a:chOff x="0" y="0"/>
+          <a:chExt cx="0" cy="0"/>
+        </a:xfrm>
+      </p:grpSpPr>
+      <p:sp>
+        <p:nvSpPr>
+          <p:cNvPr id="2" name="Title 1"/>
+          <p:cNvSpPr>
+            <a:spLocks noGrp="1"/>
+          </p:cNvSpPr>
+          <p:nvPr>
+            <p:ph type="title"/>
+          </p:nvPr>
+        </p:nvSpPr>
+        <p:spPr/>
+        <p:txBody>
+          <a:bodyPr/>
+          <a:lstStyle/>
+          <a:p>
+            <a:r>
+              <a:rPr lang="en-US" dirty="0" smtClean="0"/>
+              <a:t>Distribution of first type</a:t>
+            </a:r>
+            <a:endParaRPr lang="en-US" dirty="0"/>
+          </a:p>
+        </p:txBody>
+      </p:sp>
+      <p:graphicFrame>
+        <p:nvGraphicFramePr>
+          <p:cNvPr id="14" name="Content Placeholder 13"/>
+          <p:cNvGraphicFramePr>
+            <a:graphicFrameLocks noGrp="1"/>
+          </p:cNvGraphicFramePr>
+          <p:nvPr>
+            <p:ph sz="half" idx="1"/>
+            <p:extLst>
+              <p:ext uri="{D42A27DB-BD31-4B8C-83A1-F6EECF244321}">
+                <p14:modId xmlns:p14="http://schemas.microsoft.com/office/powerpoint/2010/main" val="2091421536"/>
+              </p:ext>
+            </p:extLst>
+          </p:nvPr>
+        </p:nvGraphicFramePr>
+        <p:xfrm>
+          <a:off x="628650" y="1690689"/>
+          <a:ext cx="2194560" cy="4234815"/>
+        </p:xfrm>
+        <a:graphic>
+          <a:graphicData uri="http://schemas.openxmlformats.org/drawingml/2006/table">
+            <a:tbl>
+              <a:tblPr firstRow="1" bandRow="1">
+                <a:tableStyleId>{5C22544A-7EE6-4342-B048-85BDC9FD1C3A}</a:tableStyleId>
+              </a:tblPr>
+              <a:tblGrid>
+                <a:gridCol w="1097280">
+                  <a:extLst>
+                    <a:ext uri="{9D8B030D-6E8A-4147-A177-3AD203B41FA5}">
+                      <a16:colId xmlns:a16="http://schemas.microsoft.com/office/drawing/2014/main" xmlns="" val="803408358"/>
+                    </a:ext>
+                  </a:extLst>
+                </a:gridCol>
+                <a:gridCol w="1097280">
+                  <a:extLst>
+                    <a:ext uri="{9D8B030D-6E8A-4147-A177-3AD203B41FA5}">
+                      <a16:colId xmlns:a16="http://schemas.microsoft.com/office/drawing/2014/main" xmlns="" val="3273575326"/>
+                    </a:ext>
+                  </a:extLst>
+                </a:gridCol>
+              </a:tblGrid>
+              <a:tr h="182880">
+                <a:tc>
+                  <a:txBody>
+                    <a:bodyPr/>
+                    <a:lstStyle/>
+                    <a:p>
+                      <a:pPr algn="ctr" fontAlgn="b"/>
+                      <a:r>
+                        <a:rPr lang="en-US" sz="1400" b="0" i="0" u="none" strike="noStrike" dirty="0" smtClean="0">
+                          <a:solidFill>
+                            <a:srgbClr val="000000"/>
+                          </a:solidFill>
+                          <a:effectLst/>
+                          <a:latin typeface="Calibri" panose="020F0502020204030204" pitchFamily="34" charset="0"/>
+                        </a:rPr>
+                        <a:t>type.1</a:t>
+                      </a:r>
+                      <a:endParaRPr lang="en-US" sz="1400" b="0" i="0" u="none" strike="noStrike" dirty="0">
+                        <a:solidFill>
+                          <a:srgbClr val="000000"/>
+                        </a:solidFill>
+                        <a:effectLst/>
+                        <a:latin typeface="Calibri" panose="020F0502020204030204" pitchFamily="34" charset="0"/>
+                      </a:endParaRPr>
+                    </a:p>
+                  </a:txBody>
+                  <a:tcPr marL="9525" marR="9525" marT="9525" marB="0" anchor="ctr"/>
+                </a:tc>
+                <a:tc>
+                  <a:txBody>
+                    <a:bodyPr/>
+                    <a:lstStyle/>
+                    <a:p>
+                      <a:pPr algn="ctr" fontAlgn="b"/>
+                      <a:r>
+                        <a:rPr lang="en-US" sz="1400" b="0" i="0" u="none" strike="noStrike" dirty="0">
+                          <a:solidFill>
+                            <a:srgbClr val="000000"/>
+                          </a:solidFill>
+                          <a:effectLst/>
+                          <a:latin typeface="Calibri" panose="020F0502020204030204" pitchFamily="34" charset="0"/>
+                        </a:rPr>
+                        <a:t>count</a:t>
+                      </a:r>
+                    </a:p>
+                  </a:txBody>
+                  <a:tcPr marL="9525" marR="9525" marT="9525" marB="0" anchor="ctr"/>
+                </a:tc>
+                <a:extLst>
+                  <a:ext uri="{0D108BD9-81ED-4DB2-BD59-A6C34878D82A}">
+                    <a16:rowId xmlns:a16="http://schemas.microsoft.com/office/drawing/2014/main" xmlns="" val="1031262285"/>
+                  </a:ext>
+                </a:extLst>
+              </a:tr>
+              <a:tr h="182880">
+                <a:tc>
+                  <a:txBody>
+                    <a:bodyPr/>
+                    <a:lstStyle/>
+                    <a:p>
+                      <a:pPr algn="ctr" fontAlgn="b"/>
+                      <a:r>
+                        <a:rPr lang="en-US" sz="1400" b="0" i="0" u="none" strike="noStrike" dirty="0">
+                          <a:solidFill>
+                            <a:srgbClr val="000000"/>
+                          </a:solidFill>
+                          <a:effectLst/>
+                          <a:latin typeface="Calibri" panose="020F0502020204030204" pitchFamily="34" charset="0"/>
+                        </a:rPr>
+                        <a:t>Bug</a:t>
+                      </a:r>
+                    </a:p>
+                  </a:txBody>
+                  <a:tcPr marL="9525" marR="9525" marT="9525" marB="0" anchor="ctr"/>
+                </a:tc>
+                <a:tc>
+                  <a:txBody>
+                    <a:bodyPr/>
+                    <a:lstStyle/>
+                    <a:p>
+                      <a:pPr algn="ctr" fontAlgn="b"/>
+                      <a:r>
+                        <a:rPr lang="en-US" sz="1400" b="0" i="0" u="none" strike="noStrike" dirty="0">
+                          <a:solidFill>
+                            <a:srgbClr val="000000"/>
+                          </a:solidFill>
+                          <a:effectLst/>
+                          <a:latin typeface="Calibri" panose="020F0502020204030204" pitchFamily="34" charset="0"/>
+                        </a:rPr>
+                        <a:t>69</a:t>
+                      </a:r>
+                    </a:p>
+                  </a:txBody>
+                  <a:tcPr marL="9525" marR="9525" marT="9525" marB="0" anchor="ctr"/>
+                </a:tc>
+                <a:extLst>
+                  <a:ext uri="{0D108BD9-81ED-4DB2-BD59-A6C34878D82A}">
+                    <a16:rowId xmlns:a16="http://schemas.microsoft.com/office/drawing/2014/main" xmlns="" val="1837629789"/>
+                  </a:ext>
+                </a:extLst>
+              </a:tr>
+              <a:tr h="182880">
+                <a:tc>
+                  <a:txBody>
+                    <a:bodyPr/>
+                    <a:lstStyle/>
+                    <a:p>
+                      <a:pPr algn="ctr" fontAlgn="b"/>
+                      <a:r>
+                        <a:rPr lang="en-US" sz="1400" b="0" i="0" u="none" strike="noStrike" dirty="0">
+                          <a:solidFill>
+                            <a:srgbClr val="000000"/>
+                          </a:solidFill>
+                          <a:effectLst/>
+                          <a:latin typeface="Calibri" panose="020F0502020204030204" pitchFamily="34" charset="0"/>
+                        </a:rPr>
+                        <a:t>Dark</a:t>
+                      </a:r>
+                    </a:p>
+                  </a:txBody>
+                  <a:tcPr marL="9525" marR="9525" marT="9525" marB="0" anchor="ctr"/>
+                </a:tc>
+                <a:tc>
+                  <a:txBody>
+                    <a:bodyPr/>
+                    <a:lstStyle/>
+                    <a:p>
+                      <a:pPr algn="ctr" fontAlgn="b"/>
+                      <a:r>
+                        <a:rPr lang="en-US" sz="1400" b="0" i="0" u="none" strike="noStrike">
+                          <a:solidFill>
+                            <a:srgbClr val="000000"/>
+                          </a:solidFill>
+                          <a:effectLst/>
+                          <a:latin typeface="Calibri" panose="020F0502020204030204" pitchFamily="34" charset="0"/>
+                        </a:rPr>
+                        <a:t>31</a:t>
+                      </a:r>
+                    </a:p>
+                  </a:txBody>
+                  <a:tcPr marL="9525" marR="9525" marT="9525" marB="0" anchor="ctr"/>
+                </a:tc>
+                <a:extLst>
+                  <a:ext uri="{0D108BD9-81ED-4DB2-BD59-A6C34878D82A}">
+                    <a16:rowId xmlns:a16="http://schemas.microsoft.com/office/drawing/2014/main" xmlns="" val="2815517078"/>
+                  </a:ext>
+                </a:extLst>
+              </a:tr>
+              <a:tr h="182880">
+                <a:tc>
+                  <a:txBody>
+                    <a:bodyPr/>
+                    <a:lstStyle/>
+                    <a:p>
+                      <a:pPr algn="ctr" fontAlgn="b"/>
+                      <a:r>
+                        <a:rPr lang="en-US" sz="1400" b="0" i="0" u="none" strike="noStrike" dirty="0">
+                          <a:solidFill>
+                            <a:srgbClr val="000000"/>
+                          </a:solidFill>
+                          <a:effectLst/>
+                          <a:latin typeface="Calibri" panose="020F0502020204030204" pitchFamily="34" charset="0"/>
+                        </a:rPr>
+                        <a:t>Dragon</a:t>
+                      </a:r>
+                    </a:p>
+                  </a:txBody>
+                  <a:tcPr marL="9525" marR="9525" marT="9525" marB="0" anchor="ctr"/>
+                </a:tc>
+                <a:tc>
+                  <a:txBody>
+                    <a:bodyPr/>
+                    <a:lstStyle/>
+                    <a:p>
+                      <a:pPr algn="ctr" fontAlgn="b"/>
+                      <a:r>
+                        <a:rPr lang="en-US" sz="1400" b="0" i="0" u="none" strike="noStrike">
+                          <a:solidFill>
+                            <a:srgbClr val="000000"/>
+                          </a:solidFill>
+                          <a:effectLst/>
+                          <a:latin typeface="Calibri" panose="020F0502020204030204" pitchFamily="34" charset="0"/>
+                        </a:rPr>
+                        <a:t>32</a:t>
+                      </a:r>
+                    </a:p>
+                  </a:txBody>
+                  <a:tcPr marL="9525" marR="9525" marT="9525" marB="0" anchor="ctr"/>
+                </a:tc>
+                <a:extLst>
+                  <a:ext uri="{0D108BD9-81ED-4DB2-BD59-A6C34878D82A}">
+                    <a16:rowId xmlns:a16="http://schemas.microsoft.com/office/drawing/2014/main" xmlns="" val="3611934528"/>
+                  </a:ext>
+                </a:extLst>
+              </a:tr>
+              <a:tr h="182880">
+                <a:tc>
+                  <a:txBody>
+                    <a:bodyPr/>
+                    <a:lstStyle/>
+                    <a:p>
+                      <a:pPr algn="ctr" fontAlgn="b"/>
+                      <a:r>
+                        <a:rPr lang="en-US" sz="1400" b="0" i="0" u="none" strike="noStrike" dirty="0">
+                          <a:solidFill>
+                            <a:srgbClr val="000000"/>
+                          </a:solidFill>
+                          <a:effectLst/>
+                          <a:latin typeface="Calibri" panose="020F0502020204030204" pitchFamily="34" charset="0"/>
+                        </a:rPr>
+                        <a:t>Electric</a:t>
+                      </a:r>
+                    </a:p>
+                  </a:txBody>
+                  <a:tcPr marL="9525" marR="9525" marT="9525" marB="0" anchor="ctr"/>
+                </a:tc>
+                <a:tc>
+                  <a:txBody>
+                    <a:bodyPr/>
+                    <a:lstStyle/>
+                    <a:p>
+                      <a:pPr algn="ctr" fontAlgn="b"/>
+                      <a:r>
+                        <a:rPr lang="en-US" sz="1400" b="0" i="0" u="none" strike="noStrike">
+                          <a:solidFill>
+                            <a:srgbClr val="000000"/>
+                          </a:solidFill>
+                          <a:effectLst/>
+                          <a:latin typeface="Calibri" panose="020F0502020204030204" pitchFamily="34" charset="0"/>
+                        </a:rPr>
+                        <a:t>44</a:t>
+                      </a:r>
+                    </a:p>
+                  </a:txBody>
+                  <a:tcPr marL="9525" marR="9525" marT="9525" marB="0" anchor="ctr"/>
+                </a:tc>
+                <a:extLst>
+                  <a:ext uri="{0D108BD9-81ED-4DB2-BD59-A6C34878D82A}">
+                    <a16:rowId xmlns:a16="http://schemas.microsoft.com/office/drawing/2014/main" xmlns="" val="2266220768"/>
+                  </a:ext>
+                </a:extLst>
+              </a:tr>
+              <a:tr h="182880">
+                <a:tc>
+                  <a:txBody>
+                    <a:bodyPr/>
+                    <a:lstStyle/>
+                    <a:p>
+                      <a:pPr algn="ctr" fontAlgn="b"/>
+                      <a:r>
+                        <a:rPr lang="en-US" sz="1400" b="0" i="0" u="none" strike="noStrike" dirty="0">
+                          <a:solidFill>
+                            <a:srgbClr val="000000"/>
+                          </a:solidFill>
+                          <a:effectLst/>
+                          <a:latin typeface="Calibri" panose="020F0502020204030204" pitchFamily="34" charset="0"/>
+                        </a:rPr>
+                        <a:t>Fairy</a:t>
+                      </a:r>
+                    </a:p>
+                  </a:txBody>
+                  <a:tcPr marL="9525" marR="9525" marT="9525" marB="0" anchor="ctr"/>
+                </a:tc>
+                <a:tc>
+                  <a:txBody>
+                    <a:bodyPr/>
+                    <a:lstStyle/>
+                    <a:p>
+                      <a:pPr algn="ctr" fontAlgn="b"/>
+                      <a:r>
+                        <a:rPr lang="en-US" sz="1400" b="0" i="0" u="none" strike="noStrike">
+                          <a:solidFill>
+                            <a:srgbClr val="000000"/>
+                          </a:solidFill>
+                          <a:effectLst/>
+                          <a:latin typeface="Calibri" panose="020F0502020204030204" pitchFamily="34" charset="0"/>
+                        </a:rPr>
+                        <a:t>17</a:t>
+                      </a:r>
+                    </a:p>
+                  </a:txBody>
+                  <a:tcPr marL="9525" marR="9525" marT="9525" marB="0" anchor="ctr"/>
+                </a:tc>
+                <a:extLst>
+                  <a:ext uri="{0D108BD9-81ED-4DB2-BD59-A6C34878D82A}">
+                    <a16:rowId xmlns:a16="http://schemas.microsoft.com/office/drawing/2014/main" xmlns="" val="1305622023"/>
+                  </a:ext>
+                </a:extLst>
+              </a:tr>
+              <a:tr h="182880">
+                <a:tc>
+                  <a:txBody>
+                    <a:bodyPr/>
+                    <a:lstStyle/>
+                    <a:p>
+                      <a:pPr algn="ctr" fontAlgn="b"/>
+                      <a:r>
+                        <a:rPr lang="en-US" sz="1400" b="0" i="0" u="none" strike="noStrike" dirty="0">
+                          <a:solidFill>
+                            <a:srgbClr val="000000"/>
+                          </a:solidFill>
+                          <a:effectLst/>
+                          <a:latin typeface="Calibri" panose="020F0502020204030204" pitchFamily="34" charset="0"/>
+                        </a:rPr>
+                        <a:t>Fighting</a:t>
+                      </a:r>
+                    </a:p>
+                  </a:txBody>
+                  <a:tcPr marL="9525" marR="9525" marT="9525" marB="0" anchor="ctr"/>
+                </a:tc>
+                <a:tc>
+                  <a:txBody>
+                    <a:bodyPr/>
+                    <a:lstStyle/>
+                    <a:p>
+                      <a:pPr algn="ctr" fontAlgn="b"/>
+                      <a:r>
+                        <a:rPr lang="en-US" sz="1400" b="0" i="0" u="none" strike="noStrike">
+                          <a:solidFill>
+                            <a:srgbClr val="000000"/>
+                          </a:solidFill>
+                          <a:effectLst/>
+                          <a:latin typeface="Calibri" panose="020F0502020204030204" pitchFamily="34" charset="0"/>
+                        </a:rPr>
+                        <a:t>27</a:t>
+                      </a:r>
+                    </a:p>
+                  </a:txBody>
+                  <a:tcPr marL="9525" marR="9525" marT="9525" marB="0" anchor="ctr"/>
+                </a:tc>
+                <a:extLst>
+                  <a:ext uri="{0D108BD9-81ED-4DB2-BD59-A6C34878D82A}">
+                    <a16:rowId xmlns:a16="http://schemas.microsoft.com/office/drawing/2014/main" xmlns="" val="1549384170"/>
+                  </a:ext>
+                </a:extLst>
+              </a:tr>
+              <a:tr h="182880">
+                <a:tc>
+                  <a:txBody>
+                    <a:bodyPr/>
+                    <a:lstStyle/>
+                    <a:p>
+                      <a:pPr algn="ctr" fontAlgn="b"/>
+                      <a:r>
+                        <a:rPr lang="en-US" sz="1400" b="0" i="0" u="none" strike="noStrike" dirty="0">
+                          <a:solidFill>
+                            <a:srgbClr val="000000"/>
+                          </a:solidFill>
+                          <a:effectLst/>
+                          <a:latin typeface="Calibri" panose="020F0502020204030204" pitchFamily="34" charset="0"/>
+                        </a:rPr>
+                        <a:t>Fire</a:t>
+                      </a:r>
+                    </a:p>
+                  </a:txBody>
+                  <a:tcPr marL="9525" marR="9525" marT="9525" marB="0" anchor="ctr"/>
+                </a:tc>
+                <a:tc>
+                  <a:txBody>
+                    <a:bodyPr/>
+                    <a:lstStyle/>
+                    <a:p>
+                      <a:pPr algn="ctr" fontAlgn="b"/>
+                      <a:r>
+                        <a:rPr lang="en-US" sz="1400" b="0" i="0" u="none" strike="noStrike">
+                          <a:solidFill>
+                            <a:srgbClr val="000000"/>
+                          </a:solidFill>
+                          <a:effectLst/>
+                          <a:latin typeface="Calibri" panose="020F0502020204030204" pitchFamily="34" charset="0"/>
+                        </a:rPr>
+                        <a:t>52</a:t>
+                      </a:r>
+                    </a:p>
+                  </a:txBody>
+                  <a:tcPr marL="9525" marR="9525" marT="9525" marB="0" anchor="ctr"/>
+                </a:tc>
+                <a:extLst>
+                  <a:ext uri="{0D108BD9-81ED-4DB2-BD59-A6C34878D82A}">
+                    <a16:rowId xmlns:a16="http://schemas.microsoft.com/office/drawing/2014/main" xmlns="" val="1029309394"/>
+                  </a:ext>
+                </a:extLst>
+              </a:tr>
+              <a:tr h="182880">
+                <a:tc>
+                  <a:txBody>
+                    <a:bodyPr/>
+                    <a:lstStyle/>
+                    <a:p>
+                      <a:pPr algn="ctr" fontAlgn="b"/>
+                      <a:r>
+                        <a:rPr lang="en-US" sz="1400" b="0" i="0" u="none" strike="noStrike" dirty="0">
+                          <a:solidFill>
+                            <a:srgbClr val="000000"/>
+                          </a:solidFill>
+                          <a:effectLst/>
+                          <a:latin typeface="Calibri" panose="020F0502020204030204" pitchFamily="34" charset="0"/>
+                        </a:rPr>
+                        <a:t>Flying</a:t>
+                      </a:r>
+                    </a:p>
+                  </a:txBody>
+                  <a:tcPr marL="9525" marR="9525" marT="9525" marB="0" anchor="ctr"/>
+                </a:tc>
+                <a:tc>
+                  <a:txBody>
+                    <a:bodyPr/>
+                    <a:lstStyle/>
+                    <a:p>
+                      <a:pPr algn="ctr" fontAlgn="b"/>
+                      <a:r>
+                        <a:rPr lang="en-US" sz="1400" b="0" i="0" u="none" strike="noStrike">
+                          <a:solidFill>
+                            <a:srgbClr val="000000"/>
+                          </a:solidFill>
+                          <a:effectLst/>
+                          <a:latin typeface="Calibri" panose="020F0502020204030204" pitchFamily="34" charset="0"/>
+                        </a:rPr>
+                        <a:t>4</a:t>
+                      </a:r>
+                    </a:p>
+                  </a:txBody>
+                  <a:tcPr marL="9525" marR="9525" marT="9525" marB="0" anchor="ctr"/>
+                </a:tc>
+                <a:extLst>
+                  <a:ext uri="{0D108BD9-81ED-4DB2-BD59-A6C34878D82A}">
+                    <a16:rowId xmlns:a16="http://schemas.microsoft.com/office/drawing/2014/main" xmlns="" val="1542993848"/>
+                  </a:ext>
+                </a:extLst>
+              </a:tr>
+              <a:tr h="182880">
+                <a:tc>
+                  <a:txBody>
+                    <a:bodyPr/>
+                    <a:lstStyle/>
+                    <a:p>
+                      <a:pPr algn="ctr" fontAlgn="b"/>
+                      <a:r>
+                        <a:rPr lang="en-US" sz="1400" b="0" i="0" u="none" strike="noStrike" dirty="0">
+                          <a:solidFill>
+                            <a:srgbClr val="000000"/>
+                          </a:solidFill>
+                          <a:effectLst/>
+                          <a:latin typeface="Calibri" panose="020F0502020204030204" pitchFamily="34" charset="0"/>
+                        </a:rPr>
+                        <a:t>Ghost</a:t>
+                      </a:r>
+                    </a:p>
+                  </a:txBody>
+                  <a:tcPr marL="9525" marR="9525" marT="9525" marB="0" anchor="ctr"/>
+                </a:tc>
+                <a:tc>
+                  <a:txBody>
+                    <a:bodyPr/>
+                    <a:lstStyle/>
+                    <a:p>
+                      <a:pPr algn="ctr" fontAlgn="b"/>
+                      <a:r>
+                        <a:rPr lang="en-US" sz="1400" b="0" i="0" u="none" strike="noStrike">
+                          <a:solidFill>
+                            <a:srgbClr val="000000"/>
+                          </a:solidFill>
+                          <a:effectLst/>
+                          <a:latin typeface="Calibri" panose="020F0502020204030204" pitchFamily="34" charset="0"/>
+                        </a:rPr>
+                        <a:t>32</a:t>
+                      </a:r>
+                    </a:p>
+                  </a:txBody>
+                  <a:tcPr marL="9525" marR="9525" marT="9525" marB="0" anchor="ctr"/>
+                </a:tc>
+                <a:extLst>
+                  <a:ext uri="{0D108BD9-81ED-4DB2-BD59-A6C34878D82A}">
+                    <a16:rowId xmlns:a16="http://schemas.microsoft.com/office/drawing/2014/main" xmlns="" val="1425281418"/>
+                  </a:ext>
+                </a:extLst>
+              </a:tr>
+              <a:tr h="182880">
+                <a:tc>
+                  <a:txBody>
+                    <a:bodyPr/>
+                    <a:lstStyle/>
+                    <a:p>
+                      <a:pPr algn="ctr" fontAlgn="b"/>
+                      <a:r>
+                        <a:rPr lang="en-US" sz="1400" b="0" i="0" u="none" strike="noStrike" dirty="0">
+                          <a:solidFill>
+                            <a:srgbClr val="000000"/>
+                          </a:solidFill>
+                          <a:effectLst/>
+                          <a:latin typeface="Calibri" panose="020F0502020204030204" pitchFamily="34" charset="0"/>
+                        </a:rPr>
+                        <a:t>Grass</a:t>
+                      </a:r>
+                    </a:p>
+                  </a:txBody>
+                  <a:tcPr marL="9525" marR="9525" marT="9525" marB="0" anchor="ctr"/>
+                </a:tc>
+                <a:tc>
+                  <a:txBody>
+                    <a:bodyPr/>
+                    <a:lstStyle/>
+                    <a:p>
+                      <a:pPr algn="ctr" fontAlgn="b"/>
+                      <a:r>
+                        <a:rPr lang="en-US" sz="1400" b="0" i="0" u="none" strike="noStrike">
+                          <a:solidFill>
+                            <a:srgbClr val="000000"/>
+                          </a:solidFill>
+                          <a:effectLst/>
+                          <a:latin typeface="Calibri" panose="020F0502020204030204" pitchFamily="34" charset="0"/>
+                        </a:rPr>
+                        <a:t>70</a:t>
+                      </a:r>
+                    </a:p>
+                  </a:txBody>
+                  <a:tcPr marL="9525" marR="9525" marT="9525" marB="0" anchor="ctr"/>
+                </a:tc>
+                <a:extLst>
+                  <a:ext uri="{0D108BD9-81ED-4DB2-BD59-A6C34878D82A}">
+                    <a16:rowId xmlns:a16="http://schemas.microsoft.com/office/drawing/2014/main" xmlns="" val="134762643"/>
+                  </a:ext>
+                </a:extLst>
+              </a:tr>
+              <a:tr h="182880">
+                <a:tc>
+                  <a:txBody>
+                    <a:bodyPr/>
+                    <a:lstStyle/>
+                    <a:p>
+                      <a:pPr algn="ctr" fontAlgn="b"/>
+                      <a:r>
+                        <a:rPr lang="en-US" sz="1400" b="0" i="0" u="none" strike="noStrike" dirty="0">
+                          <a:solidFill>
+                            <a:srgbClr val="000000"/>
+                          </a:solidFill>
+                          <a:effectLst/>
+                          <a:latin typeface="Calibri" panose="020F0502020204030204" pitchFamily="34" charset="0"/>
+                        </a:rPr>
+                        <a:t>Ground</a:t>
+                      </a:r>
+                    </a:p>
+                  </a:txBody>
+                  <a:tcPr marL="9525" marR="9525" marT="9525" marB="0" anchor="ctr"/>
+                </a:tc>
+                <a:tc>
+                  <a:txBody>
+                    <a:bodyPr/>
+                    <a:lstStyle/>
+                    <a:p>
+                      <a:pPr algn="ctr" fontAlgn="b"/>
+                      <a:r>
+                        <a:rPr lang="en-US" sz="1400" b="0" i="0" u="none" strike="noStrike">
+                          <a:solidFill>
+                            <a:srgbClr val="000000"/>
+                          </a:solidFill>
+                          <a:effectLst/>
+                          <a:latin typeface="Calibri" panose="020F0502020204030204" pitchFamily="34" charset="0"/>
+                        </a:rPr>
+                        <a:t>32</a:t>
+                      </a:r>
+                    </a:p>
+                  </a:txBody>
+                  <a:tcPr marL="9525" marR="9525" marT="9525" marB="0" anchor="ctr"/>
+                </a:tc>
+                <a:extLst>
+                  <a:ext uri="{0D108BD9-81ED-4DB2-BD59-A6C34878D82A}">
+                    <a16:rowId xmlns:a16="http://schemas.microsoft.com/office/drawing/2014/main" xmlns="" val="1611391232"/>
+                  </a:ext>
+                </a:extLst>
+              </a:tr>
+              <a:tr h="182880">
+                <a:tc>
+                  <a:txBody>
+                    <a:bodyPr/>
+                    <a:lstStyle/>
+                    <a:p>
+                      <a:pPr algn="ctr" fontAlgn="b"/>
+                      <a:r>
+                        <a:rPr lang="en-US" sz="1400" b="0" i="0" u="none" strike="noStrike" dirty="0">
+                          <a:solidFill>
+                            <a:srgbClr val="000000"/>
+                          </a:solidFill>
+                          <a:effectLst/>
+                          <a:latin typeface="Calibri" panose="020F0502020204030204" pitchFamily="34" charset="0"/>
+                        </a:rPr>
+                        <a:t>Ice</a:t>
+                      </a:r>
+                    </a:p>
+                  </a:txBody>
+                  <a:tcPr marL="9525" marR="9525" marT="9525" marB="0" anchor="ctr"/>
+                </a:tc>
+                <a:tc>
+                  <a:txBody>
+                    <a:bodyPr/>
+                    <a:lstStyle/>
+                    <a:p>
+                      <a:pPr algn="ctr" fontAlgn="b"/>
+                      <a:r>
+                        <a:rPr lang="en-US" sz="1400" b="0" i="0" u="none" strike="noStrike">
+                          <a:solidFill>
+                            <a:srgbClr val="000000"/>
+                          </a:solidFill>
+                          <a:effectLst/>
+                          <a:latin typeface="Calibri" panose="020F0502020204030204" pitchFamily="34" charset="0"/>
+                        </a:rPr>
+                        <a:t>24</a:t>
+                      </a:r>
+                    </a:p>
+                  </a:txBody>
+                  <a:tcPr marL="9525" marR="9525" marT="9525" marB="0" anchor="ctr"/>
+                </a:tc>
+                <a:extLst>
+                  <a:ext uri="{0D108BD9-81ED-4DB2-BD59-A6C34878D82A}">
+                    <a16:rowId xmlns:a16="http://schemas.microsoft.com/office/drawing/2014/main" xmlns="" val="2650669794"/>
+                  </a:ext>
+                </a:extLst>
+              </a:tr>
+              <a:tr h="182880">
+                <a:tc>
+                  <a:txBody>
+                    <a:bodyPr/>
+                    <a:lstStyle/>
+                    <a:p>
+                      <a:pPr algn="ctr" fontAlgn="b"/>
+                      <a:r>
+                        <a:rPr lang="en-US" sz="1400" b="0" i="0" u="none" strike="noStrike" dirty="0">
+                          <a:solidFill>
+                            <a:srgbClr val="000000"/>
+                          </a:solidFill>
+                          <a:effectLst/>
+                          <a:latin typeface="Calibri" panose="020F0502020204030204" pitchFamily="34" charset="0"/>
+                        </a:rPr>
+                        <a:t>Normal</a:t>
+                      </a:r>
+                    </a:p>
+                  </a:txBody>
+                  <a:tcPr marL="9525" marR="9525" marT="9525" marB="0" anchor="ctr"/>
+                </a:tc>
+                <a:tc>
+                  <a:txBody>
+                    <a:bodyPr/>
+                    <a:lstStyle/>
+                    <a:p>
+                      <a:pPr algn="ctr" fontAlgn="b"/>
+                      <a:r>
+                        <a:rPr lang="en-US" sz="1400" b="0" i="0" u="none" strike="noStrike">
+                          <a:solidFill>
+                            <a:srgbClr val="000000"/>
+                          </a:solidFill>
+                          <a:effectLst/>
+                          <a:latin typeface="Calibri" panose="020F0502020204030204" pitchFamily="34" charset="0"/>
+                        </a:rPr>
+                        <a:t>98</a:t>
+                      </a:r>
+                    </a:p>
+                  </a:txBody>
+                  <a:tcPr marL="9525" marR="9525" marT="9525" marB="0" anchor="ctr"/>
+                </a:tc>
+                <a:extLst>
+                  <a:ext uri="{0D108BD9-81ED-4DB2-BD59-A6C34878D82A}">
+                    <a16:rowId xmlns:a16="http://schemas.microsoft.com/office/drawing/2014/main" xmlns="" val="2085404576"/>
+                  </a:ext>
+                </a:extLst>
+              </a:tr>
+              <a:tr h="182880">
+                <a:tc>
+                  <a:txBody>
+                    <a:bodyPr/>
+                    <a:lstStyle/>
+                    <a:p>
+                      <a:pPr algn="ctr" fontAlgn="b"/>
+                      <a:r>
+                        <a:rPr lang="en-US" sz="1400" b="0" i="0" u="none" strike="noStrike" dirty="0">
+                          <a:solidFill>
+                            <a:srgbClr val="000000"/>
+                          </a:solidFill>
+                          <a:effectLst/>
+                          <a:latin typeface="Calibri" panose="020F0502020204030204" pitchFamily="34" charset="0"/>
+                        </a:rPr>
+                        <a:t>Poison</a:t>
+                      </a:r>
+                    </a:p>
+                  </a:txBody>
+                  <a:tcPr marL="9525" marR="9525" marT="9525" marB="0" anchor="ctr"/>
+                </a:tc>
+                <a:tc>
+                  <a:txBody>
+                    <a:bodyPr/>
+                    <a:lstStyle/>
+                    <a:p>
+                      <a:pPr algn="ctr" fontAlgn="b"/>
+                      <a:r>
+                        <a:rPr lang="en-US" sz="1400" b="0" i="0" u="none" strike="noStrike">
+                          <a:solidFill>
+                            <a:srgbClr val="000000"/>
+                          </a:solidFill>
+                          <a:effectLst/>
+                          <a:latin typeface="Calibri" panose="020F0502020204030204" pitchFamily="34" charset="0"/>
+                        </a:rPr>
+                        <a:t>28</a:t>
+                      </a:r>
+                    </a:p>
+                  </a:txBody>
+                  <a:tcPr marL="9525" marR="9525" marT="9525" marB="0" anchor="ctr"/>
+                </a:tc>
+                <a:extLst>
+                  <a:ext uri="{0D108BD9-81ED-4DB2-BD59-A6C34878D82A}">
+                    <a16:rowId xmlns:a16="http://schemas.microsoft.com/office/drawing/2014/main" xmlns="" val="1352126703"/>
+                  </a:ext>
+                </a:extLst>
+              </a:tr>
+              <a:tr h="182880">
+                <a:tc>
+                  <a:txBody>
+                    <a:bodyPr/>
+                    <a:lstStyle/>
+                    <a:p>
+                      <a:pPr algn="ctr" fontAlgn="b"/>
+                      <a:r>
+                        <a:rPr lang="en-US" sz="1400" b="0" i="0" u="none" strike="noStrike" dirty="0">
+                          <a:solidFill>
+                            <a:srgbClr val="000000"/>
+                          </a:solidFill>
+                          <a:effectLst/>
+                          <a:latin typeface="Calibri" panose="020F0502020204030204" pitchFamily="34" charset="0"/>
+                        </a:rPr>
+                        <a:t>Psychic</a:t>
+                      </a:r>
+                    </a:p>
+                  </a:txBody>
+                  <a:tcPr marL="9525" marR="9525" marT="9525" marB="0" anchor="ctr"/>
+                </a:tc>
+                <a:tc>
+                  <a:txBody>
+                    <a:bodyPr/>
+                    <a:lstStyle/>
+                    <a:p>
+                      <a:pPr algn="ctr" fontAlgn="b"/>
+                      <a:r>
+                        <a:rPr lang="en-US" sz="1400" b="0" i="0" u="none" strike="noStrike">
+                          <a:solidFill>
+                            <a:srgbClr val="000000"/>
+                          </a:solidFill>
+                          <a:effectLst/>
+                          <a:latin typeface="Calibri" panose="020F0502020204030204" pitchFamily="34" charset="0"/>
+                        </a:rPr>
+                        <a:t>57</a:t>
+                      </a:r>
+                    </a:p>
+                  </a:txBody>
+                  <a:tcPr marL="9525" marR="9525" marT="9525" marB="0" anchor="ctr"/>
+                </a:tc>
+                <a:extLst>
+                  <a:ext uri="{0D108BD9-81ED-4DB2-BD59-A6C34878D82A}">
+                    <a16:rowId xmlns:a16="http://schemas.microsoft.com/office/drawing/2014/main" xmlns="" val="967716806"/>
+                  </a:ext>
+                </a:extLst>
+              </a:tr>
+              <a:tr h="182880">
+                <a:tc>
+                  <a:txBody>
+                    <a:bodyPr/>
+                    <a:lstStyle/>
+                    <a:p>
+                      <a:pPr algn="ctr" fontAlgn="b"/>
+                      <a:r>
+                        <a:rPr lang="en-US" sz="1400" b="0" i="0" u="none" strike="noStrike" dirty="0">
+                          <a:solidFill>
+                            <a:srgbClr val="000000"/>
+                          </a:solidFill>
+                          <a:effectLst/>
+                          <a:latin typeface="Calibri" panose="020F0502020204030204" pitchFamily="34" charset="0"/>
+                        </a:rPr>
+                        <a:t>Rock</a:t>
+                      </a:r>
+                    </a:p>
+                  </a:txBody>
+                  <a:tcPr marL="9525" marR="9525" marT="9525" marB="0" anchor="ctr"/>
+                </a:tc>
+                <a:tc>
+                  <a:txBody>
+                    <a:bodyPr/>
+                    <a:lstStyle/>
+                    <a:p>
+                      <a:pPr algn="ctr" fontAlgn="b"/>
+                      <a:r>
+                        <a:rPr lang="en-US" sz="1400" b="0" i="0" u="none" strike="noStrike">
+                          <a:solidFill>
+                            <a:srgbClr val="000000"/>
+                          </a:solidFill>
+                          <a:effectLst/>
+                          <a:latin typeface="Calibri" panose="020F0502020204030204" pitchFamily="34" charset="0"/>
+                        </a:rPr>
+                        <a:t>44</a:t>
+                      </a:r>
+                    </a:p>
+                  </a:txBody>
+                  <a:tcPr marL="9525" marR="9525" marT="9525" marB="0" anchor="ctr"/>
+                </a:tc>
+                <a:extLst>
+                  <a:ext uri="{0D108BD9-81ED-4DB2-BD59-A6C34878D82A}">
+                    <a16:rowId xmlns:a16="http://schemas.microsoft.com/office/drawing/2014/main" xmlns="" val="1997638661"/>
+                  </a:ext>
+                </a:extLst>
+              </a:tr>
+              <a:tr h="182880">
+                <a:tc>
+                  <a:txBody>
+                    <a:bodyPr/>
+                    <a:lstStyle/>
+                    <a:p>
+                      <a:pPr algn="ctr" fontAlgn="b"/>
+                      <a:r>
+                        <a:rPr lang="en-US" sz="1400" b="0" i="0" u="none" strike="noStrike" dirty="0">
+                          <a:solidFill>
+                            <a:srgbClr val="000000"/>
+                          </a:solidFill>
+                          <a:effectLst/>
+                          <a:latin typeface="Calibri" panose="020F0502020204030204" pitchFamily="34" charset="0"/>
+                        </a:rPr>
+                        <a:t>Steel</a:t>
+                      </a:r>
+                    </a:p>
+                  </a:txBody>
+                  <a:tcPr marL="9525" marR="9525" marT="9525" marB="0" anchor="ctr"/>
+                </a:tc>
+                <a:tc>
+                  <a:txBody>
+                    <a:bodyPr/>
+                    <a:lstStyle/>
+                    <a:p>
+                      <a:pPr algn="ctr" fontAlgn="b"/>
+                      <a:r>
+                        <a:rPr lang="en-US" sz="1400" b="0" i="0" u="none" strike="noStrike">
+                          <a:solidFill>
+                            <a:srgbClr val="000000"/>
+                          </a:solidFill>
+                          <a:effectLst/>
+                          <a:latin typeface="Calibri" panose="020F0502020204030204" pitchFamily="34" charset="0"/>
+                        </a:rPr>
+                        <a:t>27</a:t>
+                      </a:r>
+                    </a:p>
+                  </a:txBody>
+                  <a:tcPr marL="9525" marR="9525" marT="9525" marB="0" anchor="ctr"/>
+                </a:tc>
+                <a:extLst>
+                  <a:ext uri="{0D108BD9-81ED-4DB2-BD59-A6C34878D82A}">
+                    <a16:rowId xmlns:a16="http://schemas.microsoft.com/office/drawing/2014/main" xmlns="" val="1191128257"/>
+                  </a:ext>
+                </a:extLst>
+              </a:tr>
+              <a:tr h="182880">
+                <a:tc>
+                  <a:txBody>
+                    <a:bodyPr/>
+                    <a:lstStyle/>
+                    <a:p>
+                      <a:pPr algn="ctr" fontAlgn="b"/>
+                      <a:r>
+                        <a:rPr lang="en-US" sz="1400" b="0" i="0" u="none" strike="noStrike" dirty="0">
+                          <a:solidFill>
+                            <a:srgbClr val="000000"/>
+                          </a:solidFill>
+                          <a:effectLst/>
+                          <a:latin typeface="Calibri" panose="020F0502020204030204" pitchFamily="34" charset="0"/>
+                        </a:rPr>
+                        <a:t>Water</a:t>
+                      </a:r>
+                    </a:p>
+                  </a:txBody>
+                  <a:tcPr marL="9525" marR="9525" marT="9525" marB="0" anchor="ctr"/>
+                </a:tc>
+                <a:tc>
+                  <a:txBody>
+                    <a:bodyPr/>
+                    <a:lstStyle/>
+                    <a:p>
+                      <a:pPr algn="ctr" fontAlgn="b"/>
+                      <a:r>
+                        <a:rPr lang="en-US" sz="1400" b="0" i="0" u="none" strike="noStrike" dirty="0">
+                          <a:solidFill>
+                            <a:srgbClr val="000000"/>
+                          </a:solidFill>
+                          <a:effectLst/>
+                          <a:latin typeface="Calibri" panose="020F0502020204030204" pitchFamily="34" charset="0"/>
+                        </a:rPr>
+                        <a:t>112</a:t>
+                      </a:r>
+                    </a:p>
+                  </a:txBody>
+                  <a:tcPr marL="9525" marR="9525" marT="9525" marB="0" anchor="ctr"/>
+                </a:tc>
+                <a:extLst>
+                  <a:ext uri="{0D108BD9-81ED-4DB2-BD59-A6C34878D82A}">
+                    <a16:rowId xmlns:a16="http://schemas.microsoft.com/office/drawing/2014/main" xmlns="" val="1211812197"/>
+                  </a:ext>
+                </a:extLst>
+              </a:tr>
+            </a:tbl>
+          </a:graphicData>
+        </a:graphic>
+      </p:graphicFrame>
+      <p:pic>
+        <p:nvPicPr>
+          <p:cNvPr id="3" name="Content Placeholder 2"/>
+          <p:cNvPicPr>
+            <a:picLocks noGrp="1" noChangeAspect="1"/>
+          </p:cNvPicPr>
+          <p:nvPr>
+            <p:ph sz="half" idx="2"/>
+          </p:nvPr>
+        </p:nvPicPr>
+        <p:blipFill>
+          <a:blip r:embed="rId2" cstate="print">
+            <a:extLst>
+              <a:ext uri="{28A0092B-C50C-407E-A947-70E740481C1C}">
+                <a14:useLocalDpi xmlns:a14="http://schemas.microsoft.com/office/drawing/2010/main" val="0"/>
+              </a:ext>
+            </a:extLst>
+          </a:blip>
+          <a:stretch>
+            <a:fillRect/>
+          </a:stretch>
+        </p:blipFill>
+        <p:spPr>
+          <a:xfrm>
+            <a:off x="3001963" y="1958796"/>
+            <a:ext cx="5513387" cy="4084996"/>
+          </a:xfrm>
+        </p:spPr>
+      </p:pic>
+    </p:spTree>
+    <p:extLst>
+      <p:ext uri="{BB962C8B-B14F-4D97-AF65-F5344CB8AC3E}">
+        <p14:creationId xmlns:p14="http://schemas.microsoft.com/office/powerpoint/2010/main" val="2538410738"/>
+      </p:ext>
+    </p:extLst>
+  </p:cSld>
+  <p:clrMapOvr>
+    <a:masterClrMapping/>
+  </p:clrMapOvr>
+</p:sld>
+</file>
+
+<file path=ppt/slides/slide13.xml><?xml version="1.0" encoding="utf-8"?>
+<p:sld xmlns:a="http://schemas.openxmlformats.org/drawingml/2006/main" xmlns:r="http://schemas.openxmlformats.org/officeDocument/2006/relationships" xmlns:p="http://schemas.openxmlformats.org/presentationml/2006/main">
+  <p:cSld>
+    <p:spTree>
+      <p:nvGrpSpPr>
+        <p:cNvPr id="1" name=""/>
+        <p:cNvGrpSpPr/>
+        <p:nvPr/>
+      </p:nvGrpSpPr>
+      <p:grpSpPr>
+        <a:xfrm>
+          <a:off x="0" y="0"/>
+          <a:ext cx="0" cy="0"/>
+          <a:chOff x="0" y="0"/>
+          <a:chExt cx="0" cy="0"/>
+        </a:xfrm>
+      </p:grpSpPr>
+      <p:sp>
+        <p:nvSpPr>
+          <p:cNvPr id="2" name="Title 1"/>
+          <p:cNvSpPr>
+            <a:spLocks noGrp="1"/>
+          </p:cNvSpPr>
+          <p:nvPr>
+            <p:ph type="title"/>
+          </p:nvPr>
+        </p:nvSpPr>
+        <p:spPr/>
+        <p:txBody>
+          <a:bodyPr/>
+          <a:lstStyle/>
+          <a:p>
+            <a:r>
+              <a:rPr lang="en-US" dirty="0" smtClean="0"/>
+              <a:t>Distribution of second type</a:t>
+            </a:r>
+            <a:endParaRPr lang="en-US" dirty="0"/>
+          </a:p>
+        </p:txBody>
+      </p:sp>
+      <p:graphicFrame>
+        <p:nvGraphicFramePr>
+          <p:cNvPr id="14" name="Content Placeholder 13"/>
+          <p:cNvGraphicFramePr>
+            <a:graphicFrameLocks noGrp="1"/>
+          </p:cNvGraphicFramePr>
+          <p:nvPr>
+            <p:ph sz="half" idx="1"/>
+            <p:extLst>
+              <p:ext uri="{D42A27DB-BD31-4B8C-83A1-F6EECF244321}">
+                <p14:modId xmlns:p14="http://schemas.microsoft.com/office/powerpoint/2010/main" val="2185593634"/>
+              </p:ext>
+            </p:extLst>
+          </p:nvPr>
+        </p:nvGraphicFramePr>
+        <p:xfrm>
+          <a:off x="628650" y="1690689"/>
+          <a:ext cx="2194560" cy="4457700"/>
+        </p:xfrm>
+        <a:graphic>
+          <a:graphicData uri="http://schemas.openxmlformats.org/drawingml/2006/table">
+            <a:tbl>
+              <a:tblPr firstRow="1" bandRow="1">
+                <a:tableStyleId>{5C22544A-7EE6-4342-B048-85BDC9FD1C3A}</a:tableStyleId>
+              </a:tblPr>
+              <a:tblGrid>
+                <a:gridCol w="1097280">
+                  <a:extLst>
+                    <a:ext uri="{9D8B030D-6E8A-4147-A177-3AD203B41FA5}">
+                      <a16:colId xmlns:a16="http://schemas.microsoft.com/office/drawing/2014/main" xmlns="" val="803408358"/>
+                    </a:ext>
+                  </a:extLst>
+                </a:gridCol>
+                <a:gridCol w="1097280">
+                  <a:extLst>
+                    <a:ext uri="{9D8B030D-6E8A-4147-A177-3AD203B41FA5}">
+                      <a16:colId xmlns:a16="http://schemas.microsoft.com/office/drawing/2014/main" xmlns="" val="3273575326"/>
+                    </a:ext>
+                  </a:extLst>
+                </a:gridCol>
+              </a:tblGrid>
+              <a:tr h="182880">
+                <a:tc>
+                  <a:txBody>
+                    <a:bodyPr/>
+                    <a:lstStyle/>
+                    <a:p>
+                      <a:pPr algn="ctr" fontAlgn="b"/>
+                      <a:r>
+                        <a:rPr lang="en-US" sz="1400" b="0" i="0" u="none" strike="noStrike" dirty="0">
+                          <a:solidFill>
+                            <a:srgbClr val="000000"/>
+                          </a:solidFill>
+                          <a:effectLst/>
+                          <a:latin typeface="Calibri" panose="020F0502020204030204" pitchFamily="34" charset="0"/>
+                        </a:rPr>
+                        <a:t>type.2</a:t>
+                      </a:r>
+                    </a:p>
+                  </a:txBody>
+                  <a:tcPr marL="9525" marR="9525" marT="9525" marB="0" anchor="ctr"/>
+                </a:tc>
+                <a:tc>
+                  <a:txBody>
+                    <a:bodyPr/>
+                    <a:lstStyle/>
+                    <a:p>
+                      <a:pPr algn="ctr" fontAlgn="b"/>
+                      <a:r>
+                        <a:rPr lang="en-US" sz="1400" b="0" i="0" u="none" strike="noStrike">
+                          <a:solidFill>
+                            <a:srgbClr val="000000"/>
+                          </a:solidFill>
+                          <a:effectLst/>
+                          <a:latin typeface="Calibri" panose="020F0502020204030204" pitchFamily="34" charset="0"/>
+                        </a:rPr>
+                        <a:t>count</a:t>
+                      </a:r>
+                    </a:p>
+                  </a:txBody>
+                  <a:tcPr marL="9525" marR="9525" marT="9525" marB="0" anchor="ctr"/>
+                </a:tc>
+                <a:extLst>
+                  <a:ext uri="{0D108BD9-81ED-4DB2-BD59-A6C34878D82A}">
+                    <a16:rowId xmlns:a16="http://schemas.microsoft.com/office/drawing/2014/main" xmlns="" val="1031262285"/>
+                  </a:ext>
+                </a:extLst>
+              </a:tr>
+              <a:tr h="182880">
+                <a:tc>
+                  <a:txBody>
+                    <a:bodyPr/>
+                    <a:lstStyle/>
+                    <a:p>
+                      <a:pPr algn="ctr" fontAlgn="b"/>
+                      <a:r>
+                        <a:rPr lang="en-US" sz="1400" b="0" i="0" u="none" strike="noStrike" dirty="0" smtClean="0">
+                          <a:solidFill>
+                            <a:srgbClr val="000000"/>
+                          </a:solidFill>
+                          <a:effectLst/>
+                          <a:latin typeface="Calibri" panose="020F0502020204030204" pitchFamily="34" charset="0"/>
+                        </a:rPr>
+                        <a:t>&lt;null&gt;</a:t>
+                      </a:r>
+                      <a:endParaRPr lang="en-US" sz="1400" b="0" i="0" u="none" strike="noStrike" dirty="0">
+                        <a:solidFill>
+                          <a:srgbClr val="000000"/>
+                        </a:solidFill>
+                        <a:effectLst/>
+                        <a:latin typeface="Calibri" panose="020F0502020204030204" pitchFamily="34" charset="0"/>
+                      </a:endParaRPr>
+                    </a:p>
+                  </a:txBody>
+                  <a:tcPr marL="9525" marR="9525" marT="9525" marB="0" anchor="ctr"/>
+                </a:tc>
+                <a:tc>
+                  <a:txBody>
+                    <a:bodyPr/>
+                    <a:lstStyle/>
+                    <a:p>
+                      <a:pPr algn="ctr" fontAlgn="b"/>
+                      <a:r>
+                        <a:rPr lang="en-US" sz="1400" b="0" i="0" u="none" strike="noStrike">
+                          <a:solidFill>
+                            <a:srgbClr val="000000"/>
+                          </a:solidFill>
+                          <a:effectLst/>
+                          <a:latin typeface="Calibri" panose="020F0502020204030204" pitchFamily="34" charset="0"/>
+                        </a:rPr>
+                        <a:t>386</a:t>
+                      </a:r>
+                    </a:p>
+                  </a:txBody>
+                  <a:tcPr marL="9525" marR="9525" marT="9525" marB="0" anchor="ctr"/>
+                </a:tc>
+                <a:extLst>
+                  <a:ext uri="{0D108BD9-81ED-4DB2-BD59-A6C34878D82A}">
+                    <a16:rowId xmlns:a16="http://schemas.microsoft.com/office/drawing/2014/main" xmlns="" val="1837629789"/>
+                  </a:ext>
+                </a:extLst>
+              </a:tr>
+              <a:tr h="182880">
+                <a:tc>
+                  <a:txBody>
+                    <a:bodyPr/>
+                    <a:lstStyle/>
+                    <a:p>
+                      <a:pPr algn="ctr" fontAlgn="b"/>
+                      <a:r>
+                        <a:rPr lang="en-US" sz="1400" b="0" i="0" u="none" strike="noStrike">
+                          <a:solidFill>
+                            <a:srgbClr val="000000"/>
+                          </a:solidFill>
+                          <a:effectLst/>
+                          <a:latin typeface="Calibri" panose="020F0502020204030204" pitchFamily="34" charset="0"/>
+                        </a:rPr>
+                        <a:t>Bug</a:t>
+                      </a:r>
+                    </a:p>
+                  </a:txBody>
+                  <a:tcPr marL="9525" marR="9525" marT="9525" marB="0" anchor="ctr"/>
+                </a:tc>
+                <a:tc>
+                  <a:txBody>
+                    <a:bodyPr/>
+                    <a:lstStyle/>
+                    <a:p>
+                      <a:pPr algn="ctr" fontAlgn="b"/>
+                      <a:r>
+                        <a:rPr lang="en-US" sz="1400" b="0" i="0" u="none" strike="noStrike">
+                          <a:solidFill>
+                            <a:srgbClr val="000000"/>
+                          </a:solidFill>
+                          <a:effectLst/>
+                          <a:latin typeface="Calibri" panose="020F0502020204030204" pitchFamily="34" charset="0"/>
+                        </a:rPr>
+                        <a:t>3</a:t>
+                      </a:r>
+                    </a:p>
+                  </a:txBody>
+                  <a:tcPr marL="9525" marR="9525" marT="9525" marB="0" anchor="ctr"/>
+                </a:tc>
+                <a:extLst>
+                  <a:ext uri="{0D108BD9-81ED-4DB2-BD59-A6C34878D82A}">
+                    <a16:rowId xmlns:a16="http://schemas.microsoft.com/office/drawing/2014/main" xmlns="" val="2815517078"/>
+                  </a:ext>
+                </a:extLst>
+              </a:tr>
+              <a:tr h="182880">
+                <a:tc>
+                  <a:txBody>
+                    <a:bodyPr/>
+                    <a:lstStyle/>
+                    <a:p>
+                      <a:pPr algn="ctr" fontAlgn="b"/>
+                      <a:r>
+                        <a:rPr lang="en-US" sz="1400" b="0" i="0" u="none" strike="noStrike">
+                          <a:solidFill>
+                            <a:srgbClr val="000000"/>
+                          </a:solidFill>
+                          <a:effectLst/>
+                          <a:latin typeface="Calibri" panose="020F0502020204030204" pitchFamily="34" charset="0"/>
+                        </a:rPr>
+                        <a:t>Dark</a:t>
+                      </a:r>
+                    </a:p>
+                  </a:txBody>
+                  <a:tcPr marL="9525" marR="9525" marT="9525" marB="0" anchor="ctr"/>
+                </a:tc>
+                <a:tc>
+                  <a:txBody>
+                    <a:bodyPr/>
+                    <a:lstStyle/>
+                    <a:p>
+                      <a:pPr algn="ctr" fontAlgn="b"/>
+                      <a:r>
+                        <a:rPr lang="en-US" sz="1400" b="0" i="0" u="none" strike="noStrike">
+                          <a:solidFill>
+                            <a:srgbClr val="000000"/>
+                          </a:solidFill>
+                          <a:effectLst/>
+                          <a:latin typeface="Calibri" panose="020F0502020204030204" pitchFamily="34" charset="0"/>
+                        </a:rPr>
+                        <a:t>20</a:t>
+                      </a:r>
+                    </a:p>
+                  </a:txBody>
+                  <a:tcPr marL="9525" marR="9525" marT="9525" marB="0" anchor="ctr"/>
+                </a:tc>
+                <a:extLst>
+                  <a:ext uri="{0D108BD9-81ED-4DB2-BD59-A6C34878D82A}">
+                    <a16:rowId xmlns:a16="http://schemas.microsoft.com/office/drawing/2014/main" xmlns="" val="3611934528"/>
+                  </a:ext>
+                </a:extLst>
+              </a:tr>
+              <a:tr h="182880">
+                <a:tc>
+                  <a:txBody>
+                    <a:bodyPr/>
+                    <a:lstStyle/>
+                    <a:p>
+                      <a:pPr algn="ctr" fontAlgn="b"/>
+                      <a:r>
+                        <a:rPr lang="en-US" sz="1400" b="0" i="0" u="none" strike="noStrike" dirty="0">
+                          <a:solidFill>
+                            <a:srgbClr val="000000"/>
+                          </a:solidFill>
+                          <a:effectLst/>
+                          <a:latin typeface="Calibri" panose="020F0502020204030204" pitchFamily="34" charset="0"/>
+                        </a:rPr>
+                        <a:t>Dragon</a:t>
+                      </a:r>
+                    </a:p>
+                  </a:txBody>
+                  <a:tcPr marL="9525" marR="9525" marT="9525" marB="0" anchor="ctr"/>
+                </a:tc>
+                <a:tc>
+                  <a:txBody>
+                    <a:bodyPr/>
+                    <a:lstStyle/>
+                    <a:p>
+                      <a:pPr algn="ctr" fontAlgn="b"/>
+                      <a:r>
+                        <a:rPr lang="en-US" sz="1400" b="0" i="0" u="none" strike="noStrike">
+                          <a:solidFill>
+                            <a:srgbClr val="000000"/>
+                          </a:solidFill>
+                          <a:effectLst/>
+                          <a:latin typeface="Calibri" panose="020F0502020204030204" pitchFamily="34" charset="0"/>
+                        </a:rPr>
+                        <a:t>18</a:t>
+                      </a:r>
+                    </a:p>
+                  </a:txBody>
+                  <a:tcPr marL="9525" marR="9525" marT="9525" marB="0" anchor="ctr"/>
+                </a:tc>
+                <a:extLst>
+                  <a:ext uri="{0D108BD9-81ED-4DB2-BD59-A6C34878D82A}">
+                    <a16:rowId xmlns:a16="http://schemas.microsoft.com/office/drawing/2014/main" xmlns="" val="2266220768"/>
+                  </a:ext>
+                </a:extLst>
+              </a:tr>
+              <a:tr h="182880">
+                <a:tc>
+                  <a:txBody>
+                    <a:bodyPr/>
+                    <a:lstStyle/>
+                    <a:p>
+                      <a:pPr algn="ctr" fontAlgn="b"/>
+                      <a:r>
+                        <a:rPr lang="en-US" sz="1400" b="0" i="0" u="none" strike="noStrike">
+                          <a:solidFill>
+                            <a:srgbClr val="000000"/>
+                          </a:solidFill>
+                          <a:effectLst/>
+                          <a:latin typeface="Calibri" panose="020F0502020204030204" pitchFamily="34" charset="0"/>
+                        </a:rPr>
+                        <a:t>Electric</a:t>
+                      </a:r>
+                    </a:p>
+                  </a:txBody>
+                  <a:tcPr marL="9525" marR="9525" marT="9525" marB="0" anchor="ctr"/>
+                </a:tc>
+                <a:tc>
+                  <a:txBody>
+                    <a:bodyPr/>
+                    <a:lstStyle/>
+                    <a:p>
+                      <a:pPr algn="ctr" fontAlgn="b"/>
+                      <a:r>
+                        <a:rPr lang="en-US" sz="1400" b="0" i="0" u="none" strike="noStrike">
+                          <a:solidFill>
+                            <a:srgbClr val="000000"/>
+                          </a:solidFill>
+                          <a:effectLst/>
+                          <a:latin typeface="Calibri" panose="020F0502020204030204" pitchFamily="34" charset="0"/>
+                        </a:rPr>
+                        <a:t>6</a:t>
+                      </a:r>
+                    </a:p>
+                  </a:txBody>
+                  <a:tcPr marL="9525" marR="9525" marT="9525" marB="0" anchor="ctr"/>
+                </a:tc>
+                <a:extLst>
+                  <a:ext uri="{0D108BD9-81ED-4DB2-BD59-A6C34878D82A}">
+                    <a16:rowId xmlns:a16="http://schemas.microsoft.com/office/drawing/2014/main" xmlns="" val="1305622023"/>
+                  </a:ext>
+                </a:extLst>
+              </a:tr>
+              <a:tr h="182880">
+                <a:tc>
+                  <a:txBody>
+                    <a:bodyPr/>
+                    <a:lstStyle/>
+                    <a:p>
+                      <a:pPr algn="ctr" fontAlgn="b"/>
+                      <a:r>
+                        <a:rPr lang="en-US" sz="1400" b="0" i="0" u="none" strike="noStrike">
+                          <a:solidFill>
+                            <a:srgbClr val="000000"/>
+                          </a:solidFill>
+                          <a:effectLst/>
+                          <a:latin typeface="Calibri" panose="020F0502020204030204" pitchFamily="34" charset="0"/>
+                        </a:rPr>
+                        <a:t>Fairy</a:t>
+                      </a:r>
+                    </a:p>
+                  </a:txBody>
+                  <a:tcPr marL="9525" marR="9525" marT="9525" marB="0" anchor="ctr"/>
+                </a:tc>
+                <a:tc>
+                  <a:txBody>
+                    <a:bodyPr/>
+                    <a:lstStyle/>
+                    <a:p>
+                      <a:pPr algn="ctr" fontAlgn="b"/>
+                      <a:r>
+                        <a:rPr lang="en-US" sz="1400" b="0" i="0" u="none" strike="noStrike">
+                          <a:solidFill>
+                            <a:srgbClr val="000000"/>
+                          </a:solidFill>
+                          <a:effectLst/>
+                          <a:latin typeface="Calibri" panose="020F0502020204030204" pitchFamily="34" charset="0"/>
+                        </a:rPr>
+                        <a:t>23</a:t>
+                      </a:r>
+                    </a:p>
+                  </a:txBody>
+                  <a:tcPr marL="9525" marR="9525" marT="9525" marB="0" anchor="ctr"/>
+                </a:tc>
+                <a:extLst>
+                  <a:ext uri="{0D108BD9-81ED-4DB2-BD59-A6C34878D82A}">
+                    <a16:rowId xmlns:a16="http://schemas.microsoft.com/office/drawing/2014/main" xmlns="" val="1549384170"/>
+                  </a:ext>
+                </a:extLst>
+              </a:tr>
+              <a:tr h="182880">
+                <a:tc>
+                  <a:txBody>
+                    <a:bodyPr/>
+                    <a:lstStyle/>
+                    <a:p>
+                      <a:pPr algn="ctr" fontAlgn="b"/>
+                      <a:r>
+                        <a:rPr lang="en-US" sz="1400" b="0" i="0" u="none" strike="noStrike">
+                          <a:solidFill>
+                            <a:srgbClr val="000000"/>
+                          </a:solidFill>
+                          <a:effectLst/>
+                          <a:latin typeface="Calibri" panose="020F0502020204030204" pitchFamily="34" charset="0"/>
+                        </a:rPr>
+                        <a:t>Fighting</a:t>
+                      </a:r>
+                    </a:p>
+                  </a:txBody>
+                  <a:tcPr marL="9525" marR="9525" marT="9525" marB="0" anchor="ctr"/>
+                </a:tc>
+                <a:tc>
+                  <a:txBody>
+                    <a:bodyPr/>
+                    <a:lstStyle/>
+                    <a:p>
+                      <a:pPr algn="ctr" fontAlgn="b"/>
+                      <a:r>
+                        <a:rPr lang="en-US" sz="1400" b="0" i="0" u="none" strike="noStrike">
+                          <a:solidFill>
+                            <a:srgbClr val="000000"/>
+                          </a:solidFill>
+                          <a:effectLst/>
+                          <a:latin typeface="Calibri" panose="020F0502020204030204" pitchFamily="34" charset="0"/>
+                        </a:rPr>
+                        <a:t>26</a:t>
+                      </a:r>
+                    </a:p>
+                  </a:txBody>
+                  <a:tcPr marL="9525" marR="9525" marT="9525" marB="0" anchor="ctr"/>
+                </a:tc>
+                <a:extLst>
+                  <a:ext uri="{0D108BD9-81ED-4DB2-BD59-A6C34878D82A}">
+                    <a16:rowId xmlns:a16="http://schemas.microsoft.com/office/drawing/2014/main" xmlns="" val="1029309394"/>
+                  </a:ext>
+                </a:extLst>
+              </a:tr>
+              <a:tr h="182880">
+                <a:tc>
+                  <a:txBody>
+                    <a:bodyPr/>
+                    <a:lstStyle/>
+                    <a:p>
+                      <a:pPr algn="ctr" fontAlgn="b"/>
+                      <a:r>
+                        <a:rPr lang="en-US" sz="1400" b="0" i="0" u="none" strike="noStrike">
+                          <a:solidFill>
+                            <a:srgbClr val="000000"/>
+                          </a:solidFill>
+                          <a:effectLst/>
+                          <a:latin typeface="Calibri" panose="020F0502020204030204" pitchFamily="34" charset="0"/>
+                        </a:rPr>
+                        <a:t>Fire</a:t>
+                      </a:r>
+                    </a:p>
+                  </a:txBody>
+                  <a:tcPr marL="9525" marR="9525" marT="9525" marB="0" anchor="ctr"/>
+                </a:tc>
+                <a:tc>
+                  <a:txBody>
+                    <a:bodyPr/>
+                    <a:lstStyle/>
+                    <a:p>
+                      <a:pPr algn="ctr" fontAlgn="b"/>
+                      <a:r>
+                        <a:rPr lang="en-US" sz="1400" b="0" i="0" u="none" strike="noStrike">
+                          <a:solidFill>
+                            <a:srgbClr val="000000"/>
+                          </a:solidFill>
+                          <a:effectLst/>
+                          <a:latin typeface="Calibri" panose="020F0502020204030204" pitchFamily="34" charset="0"/>
+                        </a:rPr>
+                        <a:t>12</a:t>
+                      </a:r>
+                    </a:p>
+                  </a:txBody>
+                  <a:tcPr marL="9525" marR="9525" marT="9525" marB="0" anchor="ctr"/>
+                </a:tc>
+                <a:extLst>
+                  <a:ext uri="{0D108BD9-81ED-4DB2-BD59-A6C34878D82A}">
+                    <a16:rowId xmlns:a16="http://schemas.microsoft.com/office/drawing/2014/main" xmlns="" val="1542993848"/>
+                  </a:ext>
+                </a:extLst>
+              </a:tr>
+              <a:tr h="182880">
+                <a:tc>
+                  <a:txBody>
+                    <a:bodyPr/>
+                    <a:lstStyle/>
+                    <a:p>
+                      <a:pPr algn="ctr" fontAlgn="b"/>
+                      <a:r>
+                        <a:rPr lang="en-US" sz="1400" b="0" i="0" u="none" strike="noStrike">
+                          <a:solidFill>
+                            <a:srgbClr val="000000"/>
+                          </a:solidFill>
+                          <a:effectLst/>
+                          <a:latin typeface="Calibri" panose="020F0502020204030204" pitchFamily="34" charset="0"/>
+                        </a:rPr>
+                        <a:t>Flying</a:t>
+                      </a:r>
+                    </a:p>
+                  </a:txBody>
+                  <a:tcPr marL="9525" marR="9525" marT="9525" marB="0" anchor="ctr"/>
+                </a:tc>
+                <a:tc>
+                  <a:txBody>
+                    <a:bodyPr/>
+                    <a:lstStyle/>
+                    <a:p>
+                      <a:pPr algn="ctr" fontAlgn="b"/>
+                      <a:r>
+                        <a:rPr lang="en-US" sz="1400" b="0" i="0" u="none" strike="noStrike">
+                          <a:solidFill>
+                            <a:srgbClr val="000000"/>
+                          </a:solidFill>
+                          <a:effectLst/>
+                          <a:latin typeface="Calibri" panose="020F0502020204030204" pitchFamily="34" charset="0"/>
+                        </a:rPr>
+                        <a:t>97</a:t>
+                      </a:r>
+                    </a:p>
+                  </a:txBody>
+                  <a:tcPr marL="9525" marR="9525" marT="9525" marB="0" anchor="ctr"/>
+                </a:tc>
+                <a:extLst>
+                  <a:ext uri="{0D108BD9-81ED-4DB2-BD59-A6C34878D82A}">
+                    <a16:rowId xmlns:a16="http://schemas.microsoft.com/office/drawing/2014/main" xmlns="" val="1425281418"/>
+                  </a:ext>
+                </a:extLst>
+              </a:tr>
+              <a:tr h="182880">
+                <a:tc>
+                  <a:txBody>
+                    <a:bodyPr/>
+                    <a:lstStyle/>
+                    <a:p>
+                      <a:pPr algn="ctr" fontAlgn="b"/>
+                      <a:r>
+                        <a:rPr lang="en-US" sz="1400" b="0" i="0" u="none" strike="noStrike">
+                          <a:solidFill>
+                            <a:srgbClr val="000000"/>
+                          </a:solidFill>
+                          <a:effectLst/>
+                          <a:latin typeface="Calibri" panose="020F0502020204030204" pitchFamily="34" charset="0"/>
+                        </a:rPr>
+                        <a:t>Ghost</a:t>
+                      </a:r>
+                    </a:p>
+                  </a:txBody>
+                  <a:tcPr marL="9525" marR="9525" marT="9525" marB="0" anchor="ctr"/>
+                </a:tc>
+                <a:tc>
+                  <a:txBody>
+                    <a:bodyPr/>
+                    <a:lstStyle/>
+                    <a:p>
+                      <a:pPr algn="ctr" fontAlgn="b"/>
+                      <a:r>
+                        <a:rPr lang="en-US" sz="1400" b="0" i="0" u="none" strike="noStrike">
+                          <a:solidFill>
+                            <a:srgbClr val="000000"/>
+                          </a:solidFill>
+                          <a:effectLst/>
+                          <a:latin typeface="Calibri" panose="020F0502020204030204" pitchFamily="34" charset="0"/>
+                        </a:rPr>
+                        <a:t>14</a:t>
+                      </a:r>
+                    </a:p>
+                  </a:txBody>
+                  <a:tcPr marL="9525" marR="9525" marT="9525" marB="0" anchor="ctr"/>
+                </a:tc>
+                <a:extLst>
+                  <a:ext uri="{0D108BD9-81ED-4DB2-BD59-A6C34878D82A}">
+                    <a16:rowId xmlns:a16="http://schemas.microsoft.com/office/drawing/2014/main" xmlns="" val="134762643"/>
+                  </a:ext>
+                </a:extLst>
+              </a:tr>
+              <a:tr h="182880">
+                <a:tc>
+                  <a:txBody>
+                    <a:bodyPr/>
+                    <a:lstStyle/>
+                    <a:p>
+                      <a:pPr algn="ctr" fontAlgn="b"/>
+                      <a:r>
+                        <a:rPr lang="en-US" sz="1400" b="0" i="0" u="none" strike="noStrike">
+                          <a:solidFill>
+                            <a:srgbClr val="000000"/>
+                          </a:solidFill>
+                          <a:effectLst/>
+                          <a:latin typeface="Calibri" panose="020F0502020204030204" pitchFamily="34" charset="0"/>
+                        </a:rPr>
+                        <a:t>Grass</a:t>
+                      </a:r>
+                    </a:p>
+                  </a:txBody>
+                  <a:tcPr marL="9525" marR="9525" marT="9525" marB="0" anchor="ctr"/>
+                </a:tc>
+                <a:tc>
+                  <a:txBody>
+                    <a:bodyPr/>
+                    <a:lstStyle/>
+                    <a:p>
+                      <a:pPr algn="ctr" fontAlgn="b"/>
+                      <a:r>
+                        <a:rPr lang="en-US" sz="1400" b="0" i="0" u="none" strike="noStrike">
+                          <a:solidFill>
+                            <a:srgbClr val="000000"/>
+                          </a:solidFill>
+                          <a:effectLst/>
+                          <a:latin typeface="Calibri" panose="020F0502020204030204" pitchFamily="34" charset="0"/>
+                        </a:rPr>
+                        <a:t>25</a:t>
+                      </a:r>
+                    </a:p>
+                  </a:txBody>
+                  <a:tcPr marL="9525" marR="9525" marT="9525" marB="0" anchor="ctr"/>
+                </a:tc>
+                <a:extLst>
+                  <a:ext uri="{0D108BD9-81ED-4DB2-BD59-A6C34878D82A}">
+                    <a16:rowId xmlns:a16="http://schemas.microsoft.com/office/drawing/2014/main" xmlns="" val="3335363034"/>
+                  </a:ext>
+                </a:extLst>
+              </a:tr>
+              <a:tr h="182880">
+                <a:tc>
+                  <a:txBody>
+                    <a:bodyPr/>
+                    <a:lstStyle/>
+                    <a:p>
+                      <a:pPr algn="ctr" fontAlgn="b"/>
+                      <a:r>
+                        <a:rPr lang="en-US" sz="1400" b="0" i="0" u="none" strike="noStrike">
+                          <a:solidFill>
+                            <a:srgbClr val="000000"/>
+                          </a:solidFill>
+                          <a:effectLst/>
+                          <a:latin typeface="Calibri" panose="020F0502020204030204" pitchFamily="34" charset="0"/>
+                        </a:rPr>
+                        <a:t>Ground</a:t>
+                      </a:r>
+                    </a:p>
+                  </a:txBody>
+                  <a:tcPr marL="9525" marR="9525" marT="9525" marB="0" anchor="ctr"/>
+                </a:tc>
+                <a:tc>
+                  <a:txBody>
+                    <a:bodyPr/>
+                    <a:lstStyle/>
+                    <a:p>
+                      <a:pPr algn="ctr" fontAlgn="b"/>
+                      <a:r>
+                        <a:rPr lang="en-US" sz="1400" b="0" i="0" u="none" strike="noStrike">
+                          <a:solidFill>
+                            <a:srgbClr val="000000"/>
+                          </a:solidFill>
+                          <a:effectLst/>
+                          <a:latin typeface="Calibri" panose="020F0502020204030204" pitchFamily="34" charset="0"/>
+                        </a:rPr>
+                        <a:t>35</a:t>
+                      </a:r>
+                    </a:p>
+                  </a:txBody>
+                  <a:tcPr marL="9525" marR="9525" marT="9525" marB="0" anchor="ctr"/>
+                </a:tc>
+                <a:extLst>
+                  <a:ext uri="{0D108BD9-81ED-4DB2-BD59-A6C34878D82A}">
+                    <a16:rowId xmlns:a16="http://schemas.microsoft.com/office/drawing/2014/main" xmlns="" val="1611391232"/>
+                  </a:ext>
+                </a:extLst>
+              </a:tr>
+              <a:tr h="182880">
+                <a:tc>
+                  <a:txBody>
+                    <a:bodyPr/>
+                    <a:lstStyle/>
+                    <a:p>
+                      <a:pPr algn="ctr" fontAlgn="b"/>
+                      <a:r>
+                        <a:rPr lang="en-US" sz="1400" b="0" i="0" u="none" strike="noStrike">
+                          <a:solidFill>
+                            <a:srgbClr val="000000"/>
+                          </a:solidFill>
+                          <a:effectLst/>
+                          <a:latin typeface="Calibri" panose="020F0502020204030204" pitchFamily="34" charset="0"/>
+                        </a:rPr>
+                        <a:t>Ice</a:t>
+                      </a:r>
+                    </a:p>
+                  </a:txBody>
+                  <a:tcPr marL="9525" marR="9525" marT="9525" marB="0" anchor="ctr"/>
+                </a:tc>
+                <a:tc>
+                  <a:txBody>
+                    <a:bodyPr/>
+                    <a:lstStyle/>
+                    <a:p>
+                      <a:pPr algn="ctr" fontAlgn="b"/>
+                      <a:r>
+                        <a:rPr lang="en-US" sz="1400" b="0" i="0" u="none" strike="noStrike">
+                          <a:solidFill>
+                            <a:srgbClr val="000000"/>
+                          </a:solidFill>
+                          <a:effectLst/>
+                          <a:latin typeface="Calibri" panose="020F0502020204030204" pitchFamily="34" charset="0"/>
+                        </a:rPr>
+                        <a:t>14</a:t>
+                      </a:r>
+                    </a:p>
+                  </a:txBody>
+                  <a:tcPr marL="9525" marR="9525" marT="9525" marB="0" anchor="ctr"/>
+                </a:tc>
+                <a:extLst>
+                  <a:ext uri="{0D108BD9-81ED-4DB2-BD59-A6C34878D82A}">
+                    <a16:rowId xmlns:a16="http://schemas.microsoft.com/office/drawing/2014/main" xmlns="" val="2650669794"/>
+                  </a:ext>
+                </a:extLst>
+              </a:tr>
+              <a:tr h="182880">
+                <a:tc>
+                  <a:txBody>
+                    <a:bodyPr/>
+                    <a:lstStyle/>
+                    <a:p>
+                      <a:pPr algn="ctr" fontAlgn="b"/>
+                      <a:r>
+                        <a:rPr lang="en-US" sz="1400" b="0" i="0" u="none" strike="noStrike">
+                          <a:solidFill>
+                            <a:srgbClr val="000000"/>
+                          </a:solidFill>
+                          <a:effectLst/>
+                          <a:latin typeface="Calibri" panose="020F0502020204030204" pitchFamily="34" charset="0"/>
+                        </a:rPr>
+                        <a:t>Normal</a:t>
+                      </a:r>
+                    </a:p>
+                  </a:txBody>
+                  <a:tcPr marL="9525" marR="9525" marT="9525" marB="0" anchor="ctr"/>
+                </a:tc>
+                <a:tc>
+                  <a:txBody>
+                    <a:bodyPr/>
+                    <a:lstStyle/>
+                    <a:p>
+                      <a:pPr algn="ctr" fontAlgn="b"/>
+                      <a:r>
+                        <a:rPr lang="en-US" sz="1400" b="0" i="0" u="none" strike="noStrike">
+                          <a:solidFill>
+                            <a:srgbClr val="000000"/>
+                          </a:solidFill>
+                          <a:effectLst/>
+                          <a:latin typeface="Calibri" panose="020F0502020204030204" pitchFamily="34" charset="0"/>
+                        </a:rPr>
+                        <a:t>4</a:t>
+                      </a:r>
+                    </a:p>
+                  </a:txBody>
+                  <a:tcPr marL="9525" marR="9525" marT="9525" marB="0" anchor="ctr"/>
+                </a:tc>
+                <a:extLst>
+                  <a:ext uri="{0D108BD9-81ED-4DB2-BD59-A6C34878D82A}">
+                    <a16:rowId xmlns:a16="http://schemas.microsoft.com/office/drawing/2014/main" xmlns="" val="2085404576"/>
+                  </a:ext>
+                </a:extLst>
+              </a:tr>
+              <a:tr h="182880">
+                <a:tc>
+                  <a:txBody>
+                    <a:bodyPr/>
+                    <a:lstStyle/>
+                    <a:p>
+                      <a:pPr algn="ctr" fontAlgn="b"/>
+                      <a:r>
+                        <a:rPr lang="en-US" sz="1400" b="0" i="0" u="none" strike="noStrike">
+                          <a:solidFill>
+                            <a:srgbClr val="000000"/>
+                          </a:solidFill>
+                          <a:effectLst/>
+                          <a:latin typeface="Calibri" panose="020F0502020204030204" pitchFamily="34" charset="0"/>
+                        </a:rPr>
+                        <a:t>Poison</a:t>
+                      </a:r>
+                    </a:p>
+                  </a:txBody>
+                  <a:tcPr marL="9525" marR="9525" marT="9525" marB="0" anchor="ctr"/>
+                </a:tc>
+                <a:tc>
+                  <a:txBody>
+                    <a:bodyPr/>
+                    <a:lstStyle/>
+                    <a:p>
+                      <a:pPr algn="ctr" fontAlgn="b"/>
+                      <a:r>
+                        <a:rPr lang="en-US" sz="1400" b="0" i="0" u="none" strike="noStrike">
+                          <a:solidFill>
+                            <a:srgbClr val="000000"/>
+                          </a:solidFill>
+                          <a:effectLst/>
+                          <a:latin typeface="Calibri" panose="020F0502020204030204" pitchFamily="34" charset="0"/>
+                        </a:rPr>
+                        <a:t>34</a:t>
+                      </a:r>
+                    </a:p>
+                  </a:txBody>
+                  <a:tcPr marL="9525" marR="9525" marT="9525" marB="0" anchor="ctr"/>
+                </a:tc>
+                <a:extLst>
+                  <a:ext uri="{0D108BD9-81ED-4DB2-BD59-A6C34878D82A}">
+                    <a16:rowId xmlns:a16="http://schemas.microsoft.com/office/drawing/2014/main" xmlns="" val="1352126703"/>
+                  </a:ext>
+                </a:extLst>
+              </a:tr>
+              <a:tr h="182880">
+                <a:tc>
+                  <a:txBody>
+                    <a:bodyPr/>
+                    <a:lstStyle/>
+                    <a:p>
+                      <a:pPr algn="ctr" fontAlgn="b"/>
+                      <a:r>
+                        <a:rPr lang="en-US" sz="1400" b="0" i="0" u="none" strike="noStrike">
+                          <a:solidFill>
+                            <a:srgbClr val="000000"/>
+                          </a:solidFill>
+                          <a:effectLst/>
+                          <a:latin typeface="Calibri" panose="020F0502020204030204" pitchFamily="34" charset="0"/>
+                        </a:rPr>
+                        <a:t>Psychic</a:t>
+                      </a:r>
+                    </a:p>
+                  </a:txBody>
+                  <a:tcPr marL="9525" marR="9525" marT="9525" marB="0" anchor="ctr"/>
+                </a:tc>
+                <a:tc>
+                  <a:txBody>
+                    <a:bodyPr/>
+                    <a:lstStyle/>
+                    <a:p>
+                      <a:pPr algn="ctr" fontAlgn="b"/>
+                      <a:r>
+                        <a:rPr lang="en-US" sz="1400" b="0" i="0" u="none" strike="noStrike">
+                          <a:solidFill>
+                            <a:srgbClr val="000000"/>
+                          </a:solidFill>
+                          <a:effectLst/>
+                          <a:latin typeface="Calibri" panose="020F0502020204030204" pitchFamily="34" charset="0"/>
+                        </a:rPr>
+                        <a:t>33</a:t>
+                      </a:r>
+                    </a:p>
+                  </a:txBody>
+                  <a:tcPr marL="9525" marR="9525" marT="9525" marB="0" anchor="ctr"/>
+                </a:tc>
+                <a:extLst>
+                  <a:ext uri="{0D108BD9-81ED-4DB2-BD59-A6C34878D82A}">
+                    <a16:rowId xmlns:a16="http://schemas.microsoft.com/office/drawing/2014/main" xmlns="" val="967716806"/>
+                  </a:ext>
+                </a:extLst>
+              </a:tr>
+              <a:tr h="182880">
+                <a:tc>
+                  <a:txBody>
+                    <a:bodyPr/>
+                    <a:lstStyle/>
+                    <a:p>
+                      <a:pPr algn="ctr" fontAlgn="b"/>
+                      <a:r>
+                        <a:rPr lang="en-US" sz="1400" b="0" i="0" u="none" strike="noStrike">
+                          <a:solidFill>
+                            <a:srgbClr val="000000"/>
+                          </a:solidFill>
+                          <a:effectLst/>
+                          <a:latin typeface="Calibri" panose="020F0502020204030204" pitchFamily="34" charset="0"/>
+                        </a:rPr>
+                        <a:t>Rock</a:t>
+                      </a:r>
+                    </a:p>
+                  </a:txBody>
+                  <a:tcPr marL="9525" marR="9525" marT="9525" marB="0" anchor="ctr"/>
+                </a:tc>
+                <a:tc>
+                  <a:txBody>
+                    <a:bodyPr/>
+                    <a:lstStyle/>
+                    <a:p>
+                      <a:pPr algn="ctr" fontAlgn="b"/>
+                      <a:r>
+                        <a:rPr lang="en-US" sz="1400" b="0" i="0" u="none" strike="noStrike">
+                          <a:solidFill>
+                            <a:srgbClr val="000000"/>
+                          </a:solidFill>
+                          <a:effectLst/>
+                          <a:latin typeface="Calibri" panose="020F0502020204030204" pitchFamily="34" charset="0"/>
+                        </a:rPr>
+                        <a:t>14</a:t>
+                      </a:r>
+                    </a:p>
+                  </a:txBody>
+                  <a:tcPr marL="9525" marR="9525" marT="9525" marB="0" anchor="ctr"/>
+                </a:tc>
+                <a:extLst>
+                  <a:ext uri="{0D108BD9-81ED-4DB2-BD59-A6C34878D82A}">
+                    <a16:rowId xmlns:a16="http://schemas.microsoft.com/office/drawing/2014/main" xmlns="" val="1997638661"/>
+                  </a:ext>
+                </a:extLst>
+              </a:tr>
+              <a:tr h="182880">
+                <a:tc>
+                  <a:txBody>
+                    <a:bodyPr/>
+                    <a:lstStyle/>
+                    <a:p>
+                      <a:pPr algn="ctr" fontAlgn="b"/>
+                      <a:r>
+                        <a:rPr lang="en-US" sz="1400" b="0" i="0" u="none" strike="noStrike">
+                          <a:solidFill>
+                            <a:srgbClr val="000000"/>
+                          </a:solidFill>
+                          <a:effectLst/>
+                          <a:latin typeface="Calibri" panose="020F0502020204030204" pitchFamily="34" charset="0"/>
+                        </a:rPr>
+                        <a:t>Steel</a:t>
+                      </a:r>
+                    </a:p>
+                  </a:txBody>
+                  <a:tcPr marL="9525" marR="9525" marT="9525" marB="0" anchor="ctr"/>
+                </a:tc>
+                <a:tc>
+                  <a:txBody>
+                    <a:bodyPr/>
+                    <a:lstStyle/>
+                    <a:p>
+                      <a:pPr algn="ctr" fontAlgn="b"/>
+                      <a:r>
+                        <a:rPr lang="en-US" sz="1400" b="0" i="0" u="none" strike="noStrike">
+                          <a:solidFill>
+                            <a:srgbClr val="000000"/>
+                          </a:solidFill>
+                          <a:effectLst/>
+                          <a:latin typeface="Calibri" panose="020F0502020204030204" pitchFamily="34" charset="0"/>
+                        </a:rPr>
+                        <a:t>22</a:t>
+                      </a:r>
+                    </a:p>
+                  </a:txBody>
+                  <a:tcPr marL="9525" marR="9525" marT="9525" marB="0" anchor="ctr"/>
+                </a:tc>
+                <a:extLst>
+                  <a:ext uri="{0D108BD9-81ED-4DB2-BD59-A6C34878D82A}">
+                    <a16:rowId xmlns:a16="http://schemas.microsoft.com/office/drawing/2014/main" xmlns="" val="1191128257"/>
+                  </a:ext>
+                </a:extLst>
+              </a:tr>
+              <a:tr h="182880">
+                <a:tc>
+                  <a:txBody>
+                    <a:bodyPr/>
+                    <a:lstStyle/>
+                    <a:p>
+                      <a:pPr algn="ctr" fontAlgn="b"/>
+                      <a:r>
+                        <a:rPr lang="en-US" sz="1400" b="0" i="0" u="none" strike="noStrike">
+                          <a:solidFill>
+                            <a:srgbClr val="000000"/>
+                          </a:solidFill>
+                          <a:effectLst/>
+                          <a:latin typeface="Calibri" panose="020F0502020204030204" pitchFamily="34" charset="0"/>
+                        </a:rPr>
+                        <a:t>Water</a:t>
+                      </a:r>
+                    </a:p>
+                  </a:txBody>
+                  <a:tcPr marL="9525" marR="9525" marT="9525" marB="0" anchor="ctr"/>
+                </a:tc>
+                <a:tc>
+                  <a:txBody>
+                    <a:bodyPr/>
+                    <a:lstStyle/>
+                    <a:p>
+                      <a:pPr algn="ctr" fontAlgn="b"/>
+                      <a:r>
+                        <a:rPr lang="en-US" sz="1400" b="0" i="0" u="none" strike="noStrike" dirty="0">
+                          <a:solidFill>
+                            <a:srgbClr val="000000"/>
+                          </a:solidFill>
+                          <a:effectLst/>
+                          <a:latin typeface="Calibri" panose="020F0502020204030204" pitchFamily="34" charset="0"/>
+                        </a:rPr>
+                        <a:t>14</a:t>
+                      </a:r>
+                    </a:p>
+                  </a:txBody>
+                  <a:tcPr marL="9525" marR="9525" marT="9525" marB="0" anchor="ctr"/>
+                </a:tc>
+                <a:extLst>
+                  <a:ext uri="{0D108BD9-81ED-4DB2-BD59-A6C34878D82A}">
+                    <a16:rowId xmlns:a16="http://schemas.microsoft.com/office/drawing/2014/main" xmlns="" val="1211812197"/>
+                  </a:ext>
+                </a:extLst>
+              </a:tr>
+            </a:tbl>
+          </a:graphicData>
+        </a:graphic>
+      </p:graphicFrame>
+      <p:pic>
+        <p:nvPicPr>
+          <p:cNvPr id="15" name="Content Placeholder 14"/>
+          <p:cNvPicPr>
+            <a:picLocks noGrp="1" noChangeAspect="1"/>
+          </p:cNvPicPr>
+          <p:nvPr>
+            <p:ph sz="half" idx="2"/>
+          </p:nvPr>
+        </p:nvPicPr>
+        <p:blipFill>
+          <a:blip r:embed="rId2" cstate="print">
+            <a:extLst>
+              <a:ext uri="{28A0092B-C50C-407E-A947-70E740481C1C}">
+                <a14:useLocalDpi xmlns:a14="http://schemas.microsoft.com/office/drawing/2010/main" val="0"/>
+              </a:ext>
+            </a:extLst>
+          </a:blip>
+          <a:stretch>
+            <a:fillRect/>
+          </a:stretch>
+        </p:blipFill>
+        <p:spPr>
+          <a:xfrm>
+            <a:off x="3001963" y="1958796"/>
+            <a:ext cx="5513387" cy="4084996"/>
+          </a:xfrm>
+        </p:spPr>
+      </p:pic>
+      <p:sp>
+        <p:nvSpPr>
+          <p:cNvPr id="16" name="TextBox 15"/>
+          <p:cNvSpPr txBox="1"/>
+          <p:nvPr/>
+        </p:nvSpPr>
+        <p:spPr>
+          <a:xfrm>
+            <a:off x="3287033" y="1543717"/>
+            <a:ext cx="2569934" cy="369332"/>
+          </a:xfrm>
+          <a:prstGeom prst="rect">
+            <a:avLst/>
+          </a:prstGeom>
+          <a:noFill/>
+        </p:spPr>
+        <p:txBody>
+          <a:bodyPr wrap="none" rtlCol="0">
+            <a:spAutoFit/>
+          </a:bodyPr>
+          <a:lstStyle/>
+          <a:p>
+            <a:r>
+              <a:rPr lang="en-US" dirty="0" smtClean="0"/>
+              <a:t>48% have no second type</a:t>
+            </a:r>
+            <a:endParaRPr lang="en-US" dirty="0"/>
+          </a:p>
+        </p:txBody>
+      </p:sp>
+    </p:spTree>
+    <p:extLst>
+      <p:ext uri="{BB962C8B-B14F-4D97-AF65-F5344CB8AC3E}">
+        <p14:creationId xmlns:p14="http://schemas.microsoft.com/office/powerpoint/2010/main" val="3997298214"/>
+      </p:ext>
+    </p:extLst>
+  </p:cSld>
+  <p:clrMapOvr>
+    <a:masterClrMapping/>
+  </p:clrMapOvr>
+</p:sld>
+</file>
+
+<file path=ppt/slides/slide14.xml><?xml version="1.0" encoding="utf-8"?>
+<p:sld xmlns:a="http://schemas.openxmlformats.org/drawingml/2006/main" xmlns:r="http://schemas.openxmlformats.org/officeDocument/2006/relationships" xmlns:p="http://schemas.openxmlformats.org/presentationml/2006/main">
+  <p:cSld>
+    <p:spTree>
+      <p:nvGrpSpPr>
+        <p:cNvPr id="1" name=""/>
+        <p:cNvGrpSpPr/>
+        <p:nvPr/>
+      </p:nvGrpSpPr>
+      <p:grpSpPr>
+        <a:xfrm>
+          <a:off x="0" y="0"/>
+          <a:ext cx="0" cy="0"/>
+          <a:chOff x="0" y="0"/>
+          <a:chExt cx="0" cy="0"/>
+        </a:xfrm>
+      </p:grpSpPr>
+      <p:sp>
+        <p:nvSpPr>
+          <p:cNvPr id="2" name="Title 1"/>
+          <p:cNvSpPr>
+            <a:spLocks noGrp="1"/>
+          </p:cNvSpPr>
+          <p:nvPr>
+            <p:ph type="title"/>
+          </p:nvPr>
+        </p:nvSpPr>
+        <p:spPr/>
+        <p:txBody>
+          <a:bodyPr/>
+          <a:lstStyle/>
+          <a:p>
+            <a:r>
+              <a:rPr lang="en-US" dirty="0" smtClean="0"/>
+              <a:t>Overall distribution of types</a:t>
+            </a:r>
+            <a:endParaRPr lang="en-US" dirty="0"/>
+          </a:p>
+        </p:txBody>
+      </p:sp>
+      <p:pic>
+        <p:nvPicPr>
+          <p:cNvPr id="6" name="Content Placeholder 5"/>
+          <p:cNvPicPr>
+            <a:picLocks noGrp="1" noChangeAspect="1"/>
+          </p:cNvPicPr>
+          <p:nvPr>
+            <p:ph idx="1"/>
+          </p:nvPr>
+        </p:nvPicPr>
+        <p:blipFill>
+          <a:blip r:embed="rId2" cstate="print">
+            <a:extLst>
+              <a:ext uri="{28A0092B-C50C-407E-A947-70E740481C1C}">
+                <a14:useLocalDpi xmlns:a14="http://schemas.microsoft.com/office/drawing/2010/main" val="0"/>
+              </a:ext>
+            </a:extLst>
+          </a:blip>
+          <a:stretch>
+            <a:fillRect/>
+          </a:stretch>
+        </p:blipFill>
+        <p:spPr>
+          <a:xfrm>
+            <a:off x="1635571" y="1825625"/>
+            <a:ext cx="5872858" cy="4351338"/>
+          </a:xfrm>
+        </p:spPr>
+      </p:pic>
+      <p:sp>
+        <p:nvSpPr>
+          <p:cNvPr id="7" name="TextBox 6"/>
+          <p:cNvSpPr txBox="1"/>
+          <p:nvPr/>
+        </p:nvSpPr>
+        <p:spPr>
+          <a:xfrm>
+            <a:off x="628650" y="1456293"/>
+            <a:ext cx="3709734" cy="369332"/>
+          </a:xfrm>
+          <a:prstGeom prst="rect">
+            <a:avLst/>
+          </a:prstGeom>
+          <a:noFill/>
+        </p:spPr>
+        <p:txBody>
+          <a:bodyPr wrap="none" rtlCol="0">
+            <a:spAutoFit/>
+          </a:bodyPr>
+          <a:lstStyle/>
+          <a:p>
+            <a:r>
+              <a:rPr lang="en-US" dirty="0" smtClean="0"/>
+              <a:t>Bottom row </a:t>
+            </a:r>
+            <a:r>
+              <a:rPr lang="en-US" dirty="0" smtClean="0"/>
+              <a:t>is single-typed </a:t>
+            </a:r>
+            <a:r>
+              <a:rPr lang="en-US" dirty="0" err="1" smtClean="0"/>
+              <a:t>pokemon</a:t>
+            </a:r>
+            <a:endParaRPr lang="en-US" dirty="0"/>
+          </a:p>
+        </p:txBody>
+      </p:sp>
+      <p:sp>
+        <p:nvSpPr>
+          <p:cNvPr id="5" name="TextBox 4"/>
+          <p:cNvSpPr txBox="1"/>
+          <p:nvPr/>
+        </p:nvSpPr>
+        <p:spPr>
+          <a:xfrm>
+            <a:off x="1987563" y="6211669"/>
+            <a:ext cx="5168915" cy="646331"/>
+          </a:xfrm>
+          <a:prstGeom prst="rect">
+            <a:avLst/>
+          </a:prstGeom>
+          <a:noFill/>
+        </p:spPr>
+        <p:txBody>
+          <a:bodyPr wrap="none" rtlCol="0" anchor="b">
+            <a:spAutoFit/>
+          </a:bodyPr>
+          <a:lstStyle/>
+          <a:p>
+            <a:pPr algn="ctr"/>
+            <a:r>
+              <a:rPr lang="en-US" dirty="0" smtClean="0"/>
+              <a:t>Flying is a common secondary type, rarely a first type</a:t>
+            </a:r>
+          </a:p>
+          <a:p>
+            <a:pPr algn="ctr"/>
+            <a:r>
+              <a:rPr lang="en-US" dirty="0" smtClean="0"/>
+              <a:t>No </a:t>
+            </a:r>
+            <a:r>
+              <a:rPr lang="en-US" dirty="0" err="1" smtClean="0"/>
+              <a:t>pokemon</a:t>
+            </a:r>
+            <a:r>
+              <a:rPr lang="en-US" dirty="0" smtClean="0"/>
+              <a:t> has the same type twice (NE/SW </a:t>
+            </a:r>
+            <a:r>
+              <a:rPr lang="en-US" dirty="0" err="1" smtClean="0"/>
+              <a:t>diag</a:t>
+            </a:r>
+            <a:r>
+              <a:rPr lang="en-US" dirty="0" smtClean="0"/>
+              <a:t>)</a:t>
+            </a:r>
+            <a:endParaRPr lang="en-US" dirty="0"/>
+          </a:p>
+        </p:txBody>
+      </p:sp>
+    </p:spTree>
+    <p:extLst>
+      <p:ext uri="{BB962C8B-B14F-4D97-AF65-F5344CB8AC3E}">
+        <p14:creationId xmlns:p14="http://schemas.microsoft.com/office/powerpoint/2010/main" val="501240277"/>
+      </p:ext>
+    </p:extLst>
+  </p:cSld>
+  <p:clrMapOvr>
+    <a:masterClrMapping/>
+  </p:clrMapOvr>
+</p:sld>
+</file>
+
+<file path=ppt/slides/slide15.xml><?xml version="1.0" encoding="utf-8"?>
+<p:sld xmlns:a="http://schemas.openxmlformats.org/drawingml/2006/main" xmlns:r="http://schemas.openxmlformats.org/officeDocument/2006/relationships" xmlns:p="http://schemas.openxmlformats.org/presentationml/2006/main">
+  <p:cSld>
+    <p:spTree>
+      <p:nvGrpSpPr>
+        <p:cNvPr id="1" name=""/>
+        <p:cNvGrpSpPr/>
+        <p:nvPr/>
+      </p:nvGrpSpPr>
+      <p:grpSpPr>
+        <a:xfrm>
+          <a:off x="0" y="0"/>
+          <a:ext cx="0" cy="0"/>
+          <a:chOff x="0" y="0"/>
+          <a:chExt cx="0" cy="0"/>
+        </a:xfrm>
+      </p:grpSpPr>
+      <p:sp>
+        <p:nvSpPr>
+          <p:cNvPr id="2" name="Title 1"/>
+          <p:cNvSpPr>
+            <a:spLocks noGrp="1"/>
+          </p:cNvSpPr>
+          <p:nvPr>
+            <p:ph type="title"/>
+          </p:nvPr>
+        </p:nvSpPr>
+        <p:spPr/>
+        <p:txBody>
+          <a:bodyPr/>
+          <a:lstStyle/>
+          <a:p>
+            <a:r>
+              <a:rPr lang="en-US" dirty="0" smtClean="0"/>
+              <a:t>Stat distribution</a:t>
             </a:r>
             <a:endParaRPr lang="en-US" dirty="0"/>
           </a:p>
@@ -3178,7 +5855,7 @@
 </p:sld>
 </file>
 
-<file path=ppt/slides/slide11.xml><?xml version="1.0" encoding="utf-8"?>
+<file path=ppt/slides/slide16.xml><?xml version="1.0" encoding="utf-8"?>
 <p:sld xmlns:a="http://schemas.openxmlformats.org/drawingml/2006/main" xmlns:r="http://schemas.openxmlformats.org/officeDocument/2006/relationships" xmlns:p="http://schemas.openxmlformats.org/presentationml/2006/main">
   <p:cSld>
     <p:spTree>
@@ -3212,7 +5889,7 @@
           <a:p>
             <a:r>
               <a:rPr lang="en-US" dirty="0" smtClean="0"/>
-              <a:t>Combat information</a:t>
+              <a:t>Battle-space coverage by IDs</a:t>
             </a:r>
             <a:endParaRPr lang="en-US" dirty="0"/>
           </a:p>
@@ -3287,736 +5964,6 @@
     <p:extLst>
       <p:ext uri="{BB962C8B-B14F-4D97-AF65-F5344CB8AC3E}">
         <p14:creationId xmlns:p14="http://schemas.microsoft.com/office/powerpoint/2010/main" val="1656390944"/>
-      </p:ext>
-    </p:extLst>
-  </p:cSld>
-  <p:clrMapOvr>
-    <a:masterClrMapping/>
-  </p:clrMapOvr>
-</p:sld>
-</file>
-
-<file path=ppt/slides/slide12.xml><?xml version="1.0" encoding="utf-8"?>
-<p:sld xmlns:a="http://schemas.openxmlformats.org/drawingml/2006/main" xmlns:r="http://schemas.openxmlformats.org/officeDocument/2006/relationships" xmlns:p="http://schemas.openxmlformats.org/presentationml/2006/main">
-  <p:cSld>
-    <p:spTree>
-      <p:nvGrpSpPr>
-        <p:cNvPr id="1" name=""/>
-        <p:cNvGrpSpPr/>
-        <p:nvPr/>
-      </p:nvGrpSpPr>
-      <p:grpSpPr>
-        <a:xfrm>
-          <a:off x="0" y="0"/>
-          <a:ext cx="0" cy="0"/>
-          <a:chOff x="0" y="0"/>
-          <a:chExt cx="0" cy="0"/>
-        </a:xfrm>
-      </p:grpSpPr>
-      <p:sp>
-        <p:nvSpPr>
-          <p:cNvPr id="2" name="Title 1"/>
-          <p:cNvSpPr>
-            <a:spLocks noGrp="1"/>
-          </p:cNvSpPr>
-          <p:nvPr>
-            <p:ph type="title"/>
-          </p:nvPr>
-        </p:nvSpPr>
-        <p:spPr/>
-        <p:txBody>
-          <a:bodyPr/>
-          <a:lstStyle/>
-          <a:p>
-            <a:r>
-              <a:rPr lang="en-US" dirty="0" smtClean="0"/>
-              <a:t>Combat information</a:t>
-            </a:r>
-            <a:endParaRPr lang="en-US" dirty="0"/>
-          </a:p>
-        </p:txBody>
-      </p:sp>
-      <p:pic>
-        <p:nvPicPr>
-          <p:cNvPr id="4" name="Content Placeholder 3"/>
-          <p:cNvPicPr>
-            <a:picLocks noGrp="1" noChangeAspect="1"/>
-          </p:cNvPicPr>
-          <p:nvPr>
-            <p:ph idx="1"/>
-          </p:nvPr>
-        </p:nvPicPr>
-        <p:blipFill>
-          <a:blip r:embed="rId2" cstate="print">
-            <a:extLst>
-              <a:ext uri="{28A0092B-C50C-407E-A947-70E740481C1C}">
-                <a14:useLocalDpi xmlns:a14="http://schemas.microsoft.com/office/drawing/2010/main" val="0"/>
-              </a:ext>
-            </a:extLst>
-          </a:blip>
-          <a:stretch>
-            <a:fillRect/>
-          </a:stretch>
-        </p:blipFill>
-        <p:spPr>
-          <a:xfrm>
-            <a:off x="1635571" y="1825625"/>
-            <a:ext cx="5872858" cy="4351338"/>
-          </a:xfrm>
-        </p:spPr>
-      </p:pic>
-      <p:sp>
-        <p:nvSpPr>
-          <p:cNvPr id="5" name="TextBox 4"/>
-          <p:cNvSpPr txBox="1"/>
-          <p:nvPr/>
-        </p:nvSpPr>
-        <p:spPr>
-          <a:xfrm>
-            <a:off x="628650" y="1321357"/>
-            <a:ext cx="1802096" cy="369332"/>
-          </a:xfrm>
-          <a:prstGeom prst="rect">
-            <a:avLst/>
-          </a:prstGeom>
-          <a:noFill/>
-        </p:spPr>
-        <p:txBody>
-          <a:bodyPr wrap="none" rtlCol="0">
-            <a:spAutoFit/>
-          </a:bodyPr>
-          <a:lstStyle/>
-          <a:p>
-            <a:r>
-              <a:rPr lang="en-US" dirty="0" smtClean="0"/>
-              <a:t>Win ratio by type</a:t>
-            </a:r>
-            <a:endParaRPr lang="en-US" dirty="0"/>
-          </a:p>
-        </p:txBody>
-      </p:sp>
-      <p:sp>
-        <p:nvSpPr>
-          <p:cNvPr id="6" name="TextBox 5"/>
-          <p:cNvSpPr txBox="1"/>
-          <p:nvPr/>
-        </p:nvSpPr>
-        <p:spPr>
-          <a:xfrm>
-            <a:off x="1464322" y="6211669"/>
-            <a:ext cx="6215356" cy="646331"/>
-          </a:xfrm>
-          <a:prstGeom prst="rect">
-            <a:avLst/>
-          </a:prstGeom>
-          <a:noFill/>
-        </p:spPr>
-        <p:txBody>
-          <a:bodyPr wrap="none" rtlCol="0">
-            <a:spAutoFit/>
-          </a:bodyPr>
-          <a:lstStyle/>
-          <a:p>
-            <a:pPr algn="ctr"/>
-            <a:r>
-              <a:rPr lang="en-US" dirty="0" smtClean="0"/>
-              <a:t>Type does not seem to have much effect on win ratio</a:t>
-            </a:r>
-          </a:p>
-          <a:p>
-            <a:pPr algn="ctr"/>
-            <a:r>
-              <a:rPr lang="en-US" dirty="0" smtClean="0"/>
-              <a:t>Legendary-ness does, but that is an artifact of stat distributions…</a:t>
-            </a:r>
-            <a:endParaRPr lang="en-US" dirty="0"/>
-          </a:p>
-        </p:txBody>
-      </p:sp>
-    </p:spTree>
-    <p:extLst>
-      <p:ext uri="{BB962C8B-B14F-4D97-AF65-F5344CB8AC3E}">
-        <p14:creationId xmlns:p14="http://schemas.microsoft.com/office/powerpoint/2010/main" val="3040553737"/>
-      </p:ext>
-    </p:extLst>
-  </p:cSld>
-  <p:clrMapOvr>
-    <a:masterClrMapping/>
-  </p:clrMapOvr>
-</p:sld>
-</file>
-
-<file path=ppt/slides/slide13.xml><?xml version="1.0" encoding="utf-8"?>
-<p:sld xmlns:a="http://schemas.openxmlformats.org/drawingml/2006/main" xmlns:r="http://schemas.openxmlformats.org/officeDocument/2006/relationships" xmlns:p="http://schemas.openxmlformats.org/presentationml/2006/main">
-  <p:cSld>
-    <p:spTree>
-      <p:nvGrpSpPr>
-        <p:cNvPr id="1" name=""/>
-        <p:cNvGrpSpPr/>
-        <p:nvPr/>
-      </p:nvGrpSpPr>
-      <p:grpSpPr>
-        <a:xfrm>
-          <a:off x="0" y="0"/>
-          <a:ext cx="0" cy="0"/>
-          <a:chOff x="0" y="0"/>
-          <a:chExt cx="0" cy="0"/>
-        </a:xfrm>
-      </p:grpSpPr>
-      <p:sp>
-        <p:nvSpPr>
-          <p:cNvPr id="2" name="Title 1"/>
-          <p:cNvSpPr>
-            <a:spLocks noGrp="1"/>
-          </p:cNvSpPr>
-          <p:nvPr>
-            <p:ph type="title"/>
-          </p:nvPr>
-        </p:nvSpPr>
-        <p:spPr/>
-        <p:txBody>
-          <a:bodyPr/>
-          <a:lstStyle/>
-          <a:p>
-            <a:r>
-              <a:rPr lang="en-US" dirty="0" smtClean="0"/>
-              <a:t>Effect of legendary-ness</a:t>
-            </a:r>
-            <a:endParaRPr lang="en-US" dirty="0"/>
-          </a:p>
-        </p:txBody>
-      </p:sp>
-      <p:pic>
-        <p:nvPicPr>
-          <p:cNvPr id="4" name="Content Placeholder 3"/>
-          <p:cNvPicPr>
-            <a:picLocks noGrp="1" noChangeAspect="1"/>
-          </p:cNvPicPr>
-          <p:nvPr>
-            <p:ph idx="1"/>
-          </p:nvPr>
-        </p:nvPicPr>
-        <p:blipFill>
-          <a:blip r:embed="rId2" cstate="print">
-            <a:extLst>
-              <a:ext uri="{28A0092B-C50C-407E-A947-70E740481C1C}">
-                <a14:useLocalDpi xmlns:a14="http://schemas.microsoft.com/office/drawing/2010/main" val="0"/>
-              </a:ext>
-            </a:extLst>
-          </a:blip>
-          <a:stretch>
-            <a:fillRect/>
-          </a:stretch>
-        </p:blipFill>
-        <p:spPr>
-          <a:xfrm>
-            <a:off x="1635571" y="1825625"/>
-            <a:ext cx="5872858" cy="4351338"/>
-          </a:xfrm>
-        </p:spPr>
-      </p:pic>
-      <p:sp>
-        <p:nvSpPr>
-          <p:cNvPr id="5" name="TextBox 4"/>
-          <p:cNvSpPr txBox="1"/>
-          <p:nvPr/>
-        </p:nvSpPr>
-        <p:spPr>
-          <a:xfrm>
-            <a:off x="628650" y="1321357"/>
-            <a:ext cx="4754828" cy="369332"/>
-          </a:xfrm>
-          <a:prstGeom prst="rect">
-            <a:avLst/>
-          </a:prstGeom>
-          <a:noFill/>
-        </p:spPr>
-        <p:txBody>
-          <a:bodyPr wrap="none" rtlCol="0">
-            <a:spAutoFit/>
-          </a:bodyPr>
-          <a:lstStyle/>
-          <a:p>
-            <a:r>
-              <a:rPr lang="en-US" dirty="0" smtClean="0"/>
-              <a:t>Legendary </a:t>
-            </a:r>
-            <a:r>
-              <a:rPr lang="en-US" dirty="0" err="1" smtClean="0"/>
-              <a:t>pokemon</a:t>
-            </a:r>
-            <a:r>
-              <a:rPr lang="en-US" dirty="0" smtClean="0"/>
-              <a:t> happen to have higher stats</a:t>
-            </a:r>
-            <a:endParaRPr lang="en-US" dirty="0"/>
-          </a:p>
-        </p:txBody>
-      </p:sp>
-      <p:sp>
-        <p:nvSpPr>
-          <p:cNvPr id="6" name="TextBox 5"/>
-          <p:cNvSpPr txBox="1"/>
-          <p:nvPr/>
-        </p:nvSpPr>
-        <p:spPr>
-          <a:xfrm>
-            <a:off x="1790629" y="6488668"/>
-            <a:ext cx="5562741" cy="369332"/>
-          </a:xfrm>
-          <a:prstGeom prst="rect">
-            <a:avLst/>
-          </a:prstGeom>
-          <a:noFill/>
-        </p:spPr>
-        <p:txBody>
-          <a:bodyPr wrap="none" rtlCol="0">
-            <a:spAutoFit/>
-          </a:bodyPr>
-          <a:lstStyle/>
-          <a:p>
-            <a:pPr algn="ctr"/>
-            <a:r>
-              <a:rPr lang="en-US" dirty="0" smtClean="0"/>
-              <a:t>Stats appear to correlate with win rate, which is expected</a:t>
-            </a:r>
-            <a:endParaRPr lang="en-US" dirty="0"/>
-          </a:p>
-        </p:txBody>
-      </p:sp>
-    </p:spTree>
-    <p:extLst>
-      <p:ext uri="{BB962C8B-B14F-4D97-AF65-F5344CB8AC3E}">
-        <p14:creationId xmlns:p14="http://schemas.microsoft.com/office/powerpoint/2010/main" val="1950433179"/>
-      </p:ext>
-    </p:extLst>
-  </p:cSld>
-  <p:clrMapOvr>
-    <a:masterClrMapping/>
-  </p:clrMapOvr>
-</p:sld>
-</file>
-
-<file path=ppt/slides/slide14.xml><?xml version="1.0" encoding="utf-8"?>
-<p:sld xmlns:a="http://schemas.openxmlformats.org/drawingml/2006/main" xmlns:r="http://schemas.openxmlformats.org/officeDocument/2006/relationships" xmlns:p="http://schemas.openxmlformats.org/presentationml/2006/main">
-  <p:cSld>
-    <p:spTree>
-      <p:nvGrpSpPr>
-        <p:cNvPr id="1" name=""/>
-        <p:cNvGrpSpPr/>
-        <p:nvPr/>
-      </p:nvGrpSpPr>
-      <p:grpSpPr>
-        <a:xfrm>
-          <a:off x="0" y="0"/>
-          <a:ext cx="0" cy="0"/>
-          <a:chOff x="0" y="0"/>
-          <a:chExt cx="0" cy="0"/>
-        </a:xfrm>
-      </p:grpSpPr>
-      <p:sp>
-        <p:nvSpPr>
-          <p:cNvPr id="2" name="Title 1"/>
-          <p:cNvSpPr>
-            <a:spLocks noGrp="1"/>
-          </p:cNvSpPr>
-          <p:nvPr>
-            <p:ph type="title"/>
-          </p:nvPr>
-        </p:nvSpPr>
-        <p:spPr/>
-        <p:txBody>
-          <a:bodyPr/>
-          <a:lstStyle/>
-          <a:p>
-            <a:r>
-              <a:rPr lang="en-US" dirty="0" smtClean="0"/>
-              <a:t>Win ratio vs stat</a:t>
-            </a:r>
-            <a:endParaRPr lang="en-US" dirty="0"/>
-          </a:p>
-        </p:txBody>
-      </p:sp>
-      <p:pic>
-        <p:nvPicPr>
-          <p:cNvPr id="4" name="Content Placeholder 3"/>
-          <p:cNvPicPr>
-            <a:picLocks noGrp="1" noChangeAspect="1"/>
-          </p:cNvPicPr>
-          <p:nvPr>
-            <p:ph idx="1"/>
-          </p:nvPr>
-        </p:nvPicPr>
-        <p:blipFill>
-          <a:blip r:embed="rId2" cstate="print">
-            <a:extLst>
-              <a:ext uri="{28A0092B-C50C-407E-A947-70E740481C1C}">
-                <a14:useLocalDpi xmlns:a14="http://schemas.microsoft.com/office/drawing/2010/main" val="0"/>
-              </a:ext>
-            </a:extLst>
-          </a:blip>
-          <a:stretch>
-            <a:fillRect/>
-          </a:stretch>
-        </p:blipFill>
-        <p:spPr>
-          <a:xfrm>
-            <a:off x="1635571" y="1825625"/>
-            <a:ext cx="5872858" cy="4351338"/>
-          </a:xfrm>
-        </p:spPr>
-      </p:pic>
-      <p:sp>
-        <p:nvSpPr>
-          <p:cNvPr id="6" name="TextBox 5"/>
-          <p:cNvSpPr txBox="1"/>
-          <p:nvPr/>
-        </p:nvSpPr>
-        <p:spPr>
-          <a:xfrm>
-            <a:off x="628650" y="1321357"/>
-            <a:ext cx="7032310" cy="369332"/>
-          </a:xfrm>
-          <a:prstGeom prst="rect">
-            <a:avLst/>
-          </a:prstGeom>
-          <a:noFill/>
-        </p:spPr>
-        <p:txBody>
-          <a:bodyPr wrap="none" rtlCol="0">
-            <a:spAutoFit/>
-          </a:bodyPr>
-          <a:lstStyle/>
-          <a:p>
-            <a:r>
-              <a:rPr lang="en-US" dirty="0" smtClean="0"/>
-              <a:t>Scatterplot of win ratio vs. stat, broken out by stat, with first type colored</a:t>
-            </a:r>
-            <a:endParaRPr lang="en-US" dirty="0"/>
-          </a:p>
-        </p:txBody>
-      </p:sp>
-      <p:sp>
-        <p:nvSpPr>
-          <p:cNvPr id="7" name="TextBox 6"/>
-          <p:cNvSpPr txBox="1"/>
-          <p:nvPr/>
-        </p:nvSpPr>
-        <p:spPr>
-          <a:xfrm>
-            <a:off x="2358702" y="6488668"/>
-            <a:ext cx="4426596" cy="369332"/>
-          </a:xfrm>
-          <a:prstGeom prst="rect">
-            <a:avLst/>
-          </a:prstGeom>
-          <a:noFill/>
-        </p:spPr>
-        <p:txBody>
-          <a:bodyPr wrap="none" rtlCol="0">
-            <a:spAutoFit/>
-          </a:bodyPr>
-          <a:lstStyle/>
-          <a:p>
-            <a:pPr algn="ctr"/>
-            <a:r>
-              <a:rPr lang="en-US" dirty="0" smtClean="0"/>
-              <a:t>Speed correlates most strongly with win ratio</a:t>
-            </a:r>
-            <a:endParaRPr lang="en-US" dirty="0"/>
-          </a:p>
-        </p:txBody>
-      </p:sp>
-    </p:spTree>
-    <p:extLst>
-      <p:ext uri="{BB962C8B-B14F-4D97-AF65-F5344CB8AC3E}">
-        <p14:creationId xmlns:p14="http://schemas.microsoft.com/office/powerpoint/2010/main" val="3951081942"/>
-      </p:ext>
-    </p:extLst>
-  </p:cSld>
-  <p:clrMapOvr>
-    <a:masterClrMapping/>
-  </p:clrMapOvr>
-</p:sld>
-</file>
-
-<file path=ppt/slides/slide15.xml><?xml version="1.0" encoding="utf-8"?>
-<p:sld xmlns:a="http://schemas.openxmlformats.org/drawingml/2006/main" xmlns:r="http://schemas.openxmlformats.org/officeDocument/2006/relationships" xmlns:p="http://schemas.openxmlformats.org/presentationml/2006/main">
-  <p:cSld>
-    <p:spTree>
-      <p:nvGrpSpPr>
-        <p:cNvPr id="1" name=""/>
-        <p:cNvGrpSpPr/>
-        <p:nvPr/>
-      </p:nvGrpSpPr>
-      <p:grpSpPr>
-        <a:xfrm>
-          <a:off x="0" y="0"/>
-          <a:ext cx="0" cy="0"/>
-          <a:chOff x="0" y="0"/>
-          <a:chExt cx="0" cy="0"/>
-        </a:xfrm>
-      </p:grpSpPr>
-      <p:sp>
-        <p:nvSpPr>
-          <p:cNvPr id="2" name="Title 1"/>
-          <p:cNvSpPr>
-            <a:spLocks noGrp="1"/>
-          </p:cNvSpPr>
-          <p:nvPr>
-            <p:ph type="title"/>
-          </p:nvPr>
-        </p:nvSpPr>
-        <p:spPr/>
-        <p:txBody>
-          <a:bodyPr/>
-          <a:lstStyle/>
-          <a:p>
-            <a:r>
-              <a:rPr lang="en-US" dirty="0" smtClean="0"/>
-              <a:t>Simpson’s paradox?</a:t>
-            </a:r>
-            <a:endParaRPr lang="en-US" dirty="0"/>
-          </a:p>
-        </p:txBody>
-      </p:sp>
-      <p:pic>
-        <p:nvPicPr>
-          <p:cNvPr id="6" name="Content Placeholder 5"/>
-          <p:cNvPicPr>
-            <a:picLocks noGrp="1" noChangeAspect="1"/>
-          </p:cNvPicPr>
-          <p:nvPr>
-            <p:ph idx="1"/>
-          </p:nvPr>
-        </p:nvPicPr>
-        <p:blipFill>
-          <a:blip r:embed="rId2" cstate="print">
-            <a:extLst>
-              <a:ext uri="{28A0092B-C50C-407E-A947-70E740481C1C}">
-                <a14:useLocalDpi xmlns:a14="http://schemas.microsoft.com/office/drawing/2010/main" val="0"/>
-              </a:ext>
-            </a:extLst>
-          </a:blip>
-          <a:stretch>
-            <a:fillRect/>
-          </a:stretch>
-        </p:blipFill>
-        <p:spPr>
-          <a:xfrm>
-            <a:off x="1635571" y="1825625"/>
-            <a:ext cx="5872858" cy="4351338"/>
-          </a:xfrm>
-        </p:spPr>
-      </p:pic>
-      <p:sp>
-        <p:nvSpPr>
-          <p:cNvPr id="7" name="TextBox 6"/>
-          <p:cNvSpPr txBox="1"/>
-          <p:nvPr/>
-        </p:nvSpPr>
-        <p:spPr>
-          <a:xfrm>
-            <a:off x="1423941" y="6488668"/>
-            <a:ext cx="6296147" cy="369332"/>
-          </a:xfrm>
-          <a:prstGeom prst="rect">
-            <a:avLst/>
-          </a:prstGeom>
-          <a:noFill/>
-        </p:spPr>
-        <p:txBody>
-          <a:bodyPr wrap="none" rtlCol="0">
-            <a:spAutoFit/>
-          </a:bodyPr>
-          <a:lstStyle/>
-          <a:p>
-            <a:pPr algn="ctr"/>
-            <a:r>
-              <a:rPr lang="en-US" dirty="0" smtClean="0"/>
-              <a:t>First type does not appear to have an effect on overall correlation</a:t>
-            </a:r>
-            <a:endParaRPr lang="en-US" dirty="0"/>
-          </a:p>
-        </p:txBody>
-      </p:sp>
-      <p:sp>
-        <p:nvSpPr>
-          <p:cNvPr id="8" name="TextBox 7"/>
-          <p:cNvSpPr txBox="1"/>
-          <p:nvPr/>
-        </p:nvSpPr>
-        <p:spPr>
-          <a:xfrm>
-            <a:off x="628650" y="1321357"/>
-            <a:ext cx="5620769" cy="369332"/>
-          </a:xfrm>
-          <a:prstGeom prst="rect">
-            <a:avLst/>
-          </a:prstGeom>
-          <a:noFill/>
-        </p:spPr>
-        <p:txBody>
-          <a:bodyPr wrap="none" rtlCol="0">
-            <a:spAutoFit/>
-          </a:bodyPr>
-          <a:lstStyle/>
-          <a:p>
-            <a:r>
-              <a:rPr lang="en-US" dirty="0" smtClean="0"/>
-              <a:t>Scatterplot of win ratio vs. speed, broken out by first type</a:t>
-            </a:r>
-            <a:endParaRPr lang="en-US" dirty="0"/>
-          </a:p>
-        </p:txBody>
-      </p:sp>
-    </p:spTree>
-    <p:extLst>
-      <p:ext uri="{BB962C8B-B14F-4D97-AF65-F5344CB8AC3E}">
-        <p14:creationId xmlns:p14="http://schemas.microsoft.com/office/powerpoint/2010/main" val="1867936804"/>
-      </p:ext>
-    </p:extLst>
-  </p:cSld>
-  <p:clrMapOvr>
-    <a:masterClrMapping/>
-  </p:clrMapOvr>
-</p:sld>
-</file>
-
-<file path=ppt/slides/slide16.xml><?xml version="1.0" encoding="utf-8"?>
-<p:sld xmlns:a="http://schemas.openxmlformats.org/drawingml/2006/main" xmlns:r="http://schemas.openxmlformats.org/officeDocument/2006/relationships" xmlns:p="http://schemas.openxmlformats.org/presentationml/2006/main">
-  <p:cSld>
-    <p:spTree>
-      <p:nvGrpSpPr>
-        <p:cNvPr id="1" name=""/>
-        <p:cNvGrpSpPr/>
-        <p:nvPr/>
-      </p:nvGrpSpPr>
-      <p:grpSpPr>
-        <a:xfrm>
-          <a:off x="0" y="0"/>
-          <a:ext cx="0" cy="0"/>
-          <a:chOff x="0" y="0"/>
-          <a:chExt cx="0" cy="0"/>
-        </a:xfrm>
-      </p:grpSpPr>
-      <p:sp>
-        <p:nvSpPr>
-          <p:cNvPr id="2" name="Title 1"/>
-          <p:cNvSpPr>
-            <a:spLocks noGrp="1"/>
-          </p:cNvSpPr>
-          <p:nvPr>
-            <p:ph type="title"/>
-          </p:nvPr>
-        </p:nvSpPr>
-        <p:spPr/>
-        <p:txBody>
-          <a:bodyPr/>
-          <a:lstStyle/>
-          <a:p>
-            <a:r>
-              <a:rPr lang="en-US" dirty="0" smtClean="0"/>
-              <a:t>What about stat differences?</a:t>
-            </a:r>
-            <a:endParaRPr lang="en-US" dirty="0"/>
-          </a:p>
-        </p:txBody>
-      </p:sp>
-      <p:pic>
-        <p:nvPicPr>
-          <p:cNvPr id="4" name="Content Placeholder 3"/>
-          <p:cNvPicPr>
-            <a:picLocks noGrp="1" noChangeAspect="1"/>
-          </p:cNvPicPr>
-          <p:nvPr>
-            <p:ph idx="1"/>
-          </p:nvPr>
-        </p:nvPicPr>
-        <p:blipFill>
-          <a:blip r:embed="rId2" cstate="print">
-            <a:extLst>
-              <a:ext uri="{28A0092B-C50C-407E-A947-70E740481C1C}">
-                <a14:useLocalDpi xmlns:a14="http://schemas.microsoft.com/office/drawing/2010/main" val="0"/>
-              </a:ext>
-            </a:extLst>
-          </a:blip>
-          <a:stretch>
-            <a:fillRect/>
-          </a:stretch>
-        </p:blipFill>
-        <p:spPr>
-          <a:xfrm>
-            <a:off x="1635571" y="1825625"/>
-            <a:ext cx="5872858" cy="4351338"/>
-          </a:xfrm>
-        </p:spPr>
-      </p:pic>
-      <p:sp>
-        <p:nvSpPr>
-          <p:cNvPr id="5" name="TextBox 4"/>
-          <p:cNvSpPr txBox="1"/>
-          <p:nvPr/>
-        </p:nvSpPr>
-        <p:spPr>
-          <a:xfrm>
-            <a:off x="628650" y="1321357"/>
-            <a:ext cx="5565626" cy="369332"/>
-          </a:xfrm>
-          <a:prstGeom prst="rect">
-            <a:avLst/>
-          </a:prstGeom>
-          <a:noFill/>
-        </p:spPr>
-        <p:txBody>
-          <a:bodyPr wrap="none" rtlCol="0">
-            <a:spAutoFit/>
-          </a:bodyPr>
-          <a:lstStyle/>
-          <a:p>
-            <a:r>
-              <a:rPr lang="en-US" dirty="0" smtClean="0"/>
-              <a:t>Distribution plots of winner, broken out by stat difference</a:t>
-            </a:r>
-            <a:endParaRPr lang="en-US" dirty="0"/>
-          </a:p>
-        </p:txBody>
-      </p:sp>
-      <p:sp>
-        <p:nvSpPr>
-          <p:cNvPr id="6" name="TextBox 5"/>
-          <p:cNvSpPr txBox="1"/>
-          <p:nvPr/>
-        </p:nvSpPr>
-        <p:spPr>
-          <a:xfrm>
-            <a:off x="2208367" y="6488668"/>
-            <a:ext cx="4727320" cy="369332"/>
-          </a:xfrm>
-          <a:prstGeom prst="rect">
-            <a:avLst/>
-          </a:prstGeom>
-          <a:noFill/>
-        </p:spPr>
-        <p:txBody>
-          <a:bodyPr wrap="none" rtlCol="0">
-            <a:spAutoFit/>
-          </a:bodyPr>
-          <a:lstStyle/>
-          <a:p>
-            <a:pPr algn="ctr"/>
-            <a:r>
-              <a:rPr lang="en-US" dirty="0" smtClean="0"/>
-              <a:t>Large overlap for each difference, except speed</a:t>
-            </a:r>
-            <a:endParaRPr lang="en-US" dirty="0"/>
-          </a:p>
-        </p:txBody>
-      </p:sp>
-    </p:spTree>
-    <p:extLst>
-      <p:ext uri="{BB962C8B-B14F-4D97-AF65-F5344CB8AC3E}">
-        <p14:creationId xmlns:p14="http://schemas.microsoft.com/office/powerpoint/2010/main" val="407734202"/>
       </p:ext>
     </p:extLst>
   </p:cSld>
@@ -4060,121 +6007,95 @@
           <a:p>
             <a:r>
               <a:rPr lang="en-US" dirty="0" smtClean="0"/>
-              <a:t>Attempting to model combat</a:t>
+              <a:t>Win Ratio by Type</a:t>
             </a:r>
             <a:endParaRPr lang="en-US" dirty="0"/>
           </a:p>
         </p:txBody>
       </p:sp>
-      <p:sp>
-        <p:nvSpPr>
+      <p:pic>
+        <p:nvPicPr>
           <p:cNvPr id="4" name="Content Placeholder 3"/>
-          <p:cNvSpPr>
-            <a:spLocks noGrp="1"/>
-          </p:cNvSpPr>
+          <p:cNvPicPr>
+            <a:picLocks noGrp="1" noChangeAspect="1"/>
+          </p:cNvPicPr>
           <p:nvPr>
             <p:ph idx="1"/>
           </p:nvPr>
-        </p:nvSpPr>
-        <p:spPr/>
-        <p:txBody>
-          <a:bodyPr>
-            <a:normAutofit/>
+        </p:nvPicPr>
+        <p:blipFill>
+          <a:blip r:embed="rId2" cstate="print">
+            <a:extLst>
+              <a:ext uri="{28A0092B-C50C-407E-A947-70E740481C1C}">
+                <a14:useLocalDpi xmlns:a14="http://schemas.microsoft.com/office/drawing/2010/main" val="0"/>
+              </a:ext>
+            </a:extLst>
+          </a:blip>
+          <a:stretch>
+            <a:fillRect/>
+          </a:stretch>
+        </p:blipFill>
+        <p:spPr>
+          <a:xfrm>
+            <a:off x="1635571" y="1825625"/>
+            <a:ext cx="5872858" cy="4351338"/>
+          </a:xfrm>
+        </p:spPr>
+      </p:pic>
+      <p:sp>
+        <p:nvSpPr>
+          <p:cNvPr id="6" name="TextBox 5"/>
+          <p:cNvSpPr txBox="1"/>
+          <p:nvPr/>
+        </p:nvSpPr>
+        <p:spPr>
+          <a:xfrm>
+            <a:off x="1469133" y="6211669"/>
+            <a:ext cx="6205738" cy="646331"/>
+          </a:xfrm>
+          <a:prstGeom prst="rect">
+            <a:avLst/>
+          </a:prstGeom>
+          <a:noFill/>
+        </p:spPr>
+        <p:txBody>
+          <a:bodyPr wrap="none" rtlCol="0">
+            <a:spAutoFit/>
           </a:bodyPr>
           <a:lstStyle/>
           <a:p>
-            <a:r>
-              <a:rPr lang="en-US" dirty="0" smtClean="0"/>
-              <a:t>Based on domain knowledge model combat as:</a:t>
-            </a:r>
-          </a:p>
-          <a:p>
-            <a:pPr lvl="1"/>
-            <a:r>
-              <a:rPr lang="en-US" dirty="0" err="1" smtClean="0"/>
-              <a:t>atk_advantage</a:t>
-            </a:r>
-            <a:r>
-              <a:rPr lang="en-US" dirty="0" smtClean="0"/>
-              <a:t> = </a:t>
-            </a:r>
-            <a:r>
-              <a:rPr lang="en-US" dirty="0" err="1" smtClean="0"/>
-              <a:t>my_attack</a:t>
-            </a:r>
-            <a:r>
-              <a:rPr lang="en-US" dirty="0" smtClean="0"/>
-              <a:t> / </a:t>
-            </a:r>
-            <a:r>
-              <a:rPr lang="en-US" dirty="0" err="1" smtClean="0"/>
-              <a:t>op_defense</a:t>
-            </a:r>
-            <a:endParaRPr lang="en-US" dirty="0" smtClean="0"/>
-          </a:p>
-          <a:p>
-            <a:pPr lvl="1"/>
-            <a:r>
-              <a:rPr lang="en-US" dirty="0" smtClean="0"/>
-              <a:t>Same with </a:t>
-            </a:r>
-            <a:r>
-              <a:rPr lang="en-US" dirty="0" err="1" smtClean="0"/>
-              <a:t>sp</a:t>
-            </a:r>
-            <a:r>
-              <a:rPr lang="en-US" dirty="0" smtClean="0"/>
-              <a:t> </a:t>
-            </a:r>
-            <a:r>
-              <a:rPr lang="en-US" dirty="0" err="1" smtClean="0"/>
-              <a:t>atk</a:t>
-            </a:r>
-            <a:endParaRPr lang="en-US" dirty="0" smtClean="0"/>
-          </a:p>
-          <a:p>
-            <a:pPr lvl="1"/>
-            <a:r>
-              <a:rPr lang="en-US" dirty="0" smtClean="0"/>
-              <a:t>Find max of </a:t>
-            </a:r>
-            <a:r>
-              <a:rPr lang="en-US" dirty="0" err="1" smtClean="0"/>
-              <a:t>atk</a:t>
-            </a:r>
-            <a:r>
-              <a:rPr lang="en-US" dirty="0" smtClean="0"/>
-              <a:t>/</a:t>
-            </a:r>
-            <a:r>
-              <a:rPr lang="en-US" dirty="0" err="1" smtClean="0"/>
-              <a:t>sp_atk</a:t>
-            </a:r>
-            <a:r>
-              <a:rPr lang="en-US" dirty="0" smtClean="0"/>
-              <a:t> advantage for left and right</a:t>
-            </a:r>
-          </a:p>
-          <a:p>
-            <a:pPr lvl="1"/>
-            <a:r>
-              <a:rPr lang="en-US" dirty="0" smtClean="0"/>
-              <a:t>Find difference between left and right</a:t>
-            </a:r>
-          </a:p>
-          <a:p>
-            <a:pPr lvl="1"/>
-            <a:r>
-              <a:rPr lang="en-US" dirty="0" smtClean="0"/>
-              <a:t>Treat as new stat</a:t>
-            </a:r>
+            <a:pPr algn="ctr"/>
+            <a:r>
+              <a:rPr lang="en-US" dirty="0" smtClean="0"/>
+              <a:t>Type does not seem to have much effect on win ratio</a:t>
+            </a:r>
+          </a:p>
+          <a:p>
+            <a:pPr algn="ctr"/>
+            <a:r>
+              <a:rPr lang="en-US" dirty="0" smtClean="0"/>
+              <a:t>Legendary-ness does, but </a:t>
+            </a:r>
+            <a:r>
+              <a:rPr lang="en-US" dirty="0" smtClean="0"/>
+              <a:t>is that an artifact </a:t>
+            </a:r>
+            <a:r>
+              <a:rPr lang="en-US" dirty="0" smtClean="0"/>
+              <a:t>of stat </a:t>
+            </a:r>
+            <a:r>
+              <a:rPr lang="en-US" dirty="0" smtClean="0"/>
+              <a:t>distributions?</a:t>
+            </a:r>
+            <a:endParaRPr lang="en-US" dirty="0"/>
           </a:p>
         </p:txBody>
       </p:sp>
     </p:spTree>
     <p:extLst>
       <p:ext uri="{BB962C8B-B14F-4D97-AF65-F5344CB8AC3E}">
-        <p14:creationId xmlns:p14="http://schemas.microsoft.com/office/powerpoint/2010/main" val="2984643865"/>
+        <p14:creationId xmlns:p14="http://schemas.microsoft.com/office/powerpoint/2010/main" val="3040553737"/>
       </p:ext>
     </p:extLst>
   </p:cSld>
@@ -4218,7 +6139,7 @@
           <a:p>
             <a:r>
               <a:rPr lang="en-US" dirty="0" smtClean="0"/>
-              <a:t>Attempting to model combat</a:t>
+              <a:t>Stat Distribution (Legendary)</a:t>
             </a:r>
             <a:endParaRPr lang="en-US" dirty="0"/>
           </a:p>
@@ -4262,7 +6183,7 @@
         <p:spPr>
           <a:xfrm>
             <a:off x="628650" y="1321357"/>
-            <a:ext cx="6058005" cy="369332"/>
+            <a:ext cx="5412700" cy="369332"/>
           </a:xfrm>
           <a:prstGeom prst="rect">
             <a:avLst/>
@@ -4277,7 +6198,23 @@
           <a:p>
             <a:r>
               <a:rPr lang="en-US" dirty="0" smtClean="0"/>
-              <a:t>Distribution plots of winner, broken out by advantage or speed</a:t>
+              <a:t>Legendary </a:t>
+            </a:r>
+            <a:r>
+              <a:rPr lang="en-US" dirty="0" err="1" smtClean="0"/>
+              <a:t>pokemon</a:t>
+            </a:r>
+            <a:r>
+              <a:rPr lang="en-US" dirty="0" smtClean="0"/>
+              <a:t> </a:t>
+            </a:r>
+            <a:r>
+              <a:rPr lang="en-US" dirty="0" smtClean="0"/>
+              <a:t>just so happen </a:t>
+            </a:r>
+            <a:r>
+              <a:rPr lang="en-US" dirty="0" smtClean="0"/>
+              <a:t>to have higher stats</a:t>
             </a:r>
             <a:endParaRPr lang="en-US" dirty="0"/>
           </a:p>
@@ -4291,8 +6228,8 @@
         </p:nvSpPr>
         <p:spPr>
           <a:xfrm>
-            <a:off x="1793459" y="6488668"/>
-            <a:ext cx="5557163" cy="369332"/>
+            <a:off x="1790629" y="6488668"/>
+            <a:ext cx="5562741" cy="369332"/>
           </a:xfrm>
           <a:prstGeom prst="rect">
             <a:avLst/>
@@ -4308,7 +6245,7 @@
             <a:pPr algn="ctr"/>
             <a:r>
               <a:rPr lang="en-US" dirty="0" smtClean="0"/>
-              <a:t>This model still has significant overlap, speed is dominant</a:t>
+              <a:t>Stats appear to correlate with win rate, which is expected</a:t>
             </a:r>
             <a:endParaRPr lang="en-US" dirty="0"/>
           </a:p>
@@ -4317,7 +6254,7 @@
     </p:spTree>
     <p:extLst>
       <p:ext uri="{BB962C8B-B14F-4D97-AF65-F5344CB8AC3E}">
-        <p14:creationId xmlns:p14="http://schemas.microsoft.com/office/powerpoint/2010/main" val="1507575673"/>
+        <p14:creationId xmlns:p14="http://schemas.microsoft.com/office/powerpoint/2010/main" val="1950433179"/>
       </p:ext>
     </p:extLst>
   </p:cSld>
@@ -4361,92 +6298,114 @@
           <a:p>
             <a:r>
               <a:rPr lang="en-US" dirty="0" smtClean="0"/>
-              <a:t>Predicting winners</a:t>
+              <a:t>Win </a:t>
+            </a:r>
+            <a:r>
+              <a:rPr lang="en-US" dirty="0" smtClean="0"/>
+              <a:t>Ra</a:t>
+            </a:r>
+            <a:r>
+              <a:rPr lang="en-US" dirty="0" smtClean="0"/>
+              <a:t>tio by Stat</a:t>
             </a:r>
             <a:endParaRPr lang="en-US" dirty="0"/>
           </a:p>
         </p:txBody>
       </p:sp>
-      <p:sp>
-        <p:nvSpPr>
-          <p:cNvPr id="3" name="Content Placeholder 2"/>
-          <p:cNvSpPr>
-            <a:spLocks noGrp="1"/>
-          </p:cNvSpPr>
+      <p:pic>
+        <p:nvPicPr>
+          <p:cNvPr id="4" name="Content Placeholder 3"/>
+          <p:cNvPicPr>
+            <a:picLocks noGrp="1" noChangeAspect="1"/>
+          </p:cNvPicPr>
           <p:nvPr>
             <p:ph idx="1"/>
           </p:nvPr>
-        </p:nvSpPr>
-        <p:spPr/>
-        <p:txBody>
-          <a:bodyPr/>
-          <a:lstStyle/>
-          <a:p>
-            <a:r>
-              <a:rPr lang="en-US" dirty="0" smtClean="0"/>
-              <a:t>Because speed has a sharp division, expect tree-based ML to perform well</a:t>
-            </a:r>
-          </a:p>
-          <a:p>
-            <a:r>
-              <a:rPr lang="en-US" dirty="0" smtClean="0"/>
-              <a:t>First perform initial using bagged trees with MATLAB defaults</a:t>
-            </a:r>
-          </a:p>
-          <a:p>
-            <a:pPr lvl="1"/>
-            <a:r>
-              <a:rPr lang="en-US" dirty="0" err="1" smtClean="0"/>
-              <a:t>maxnumsplits</a:t>
-            </a:r>
-            <a:r>
-              <a:rPr lang="en-US" dirty="0" smtClean="0"/>
-              <a:t> = #</a:t>
-            </a:r>
-            <a:r>
-              <a:rPr lang="en-US" dirty="0" err="1" smtClean="0"/>
-              <a:t>obs</a:t>
-            </a:r>
-            <a:r>
-              <a:rPr lang="en-US" dirty="0" smtClean="0"/>
-              <a:t> – 1</a:t>
-            </a:r>
-          </a:p>
-          <a:p>
-            <a:pPr lvl="1"/>
-            <a:r>
-              <a:rPr lang="en-US" dirty="0" err="1" smtClean="0"/>
-              <a:t>numlearningcycles</a:t>
-            </a:r>
-            <a:r>
-              <a:rPr lang="en-US" dirty="0" smtClean="0"/>
-              <a:t> = 30</a:t>
-            </a:r>
-          </a:p>
-          <a:p>
-            <a:r>
-              <a:rPr lang="en-US" dirty="0" smtClean="0"/>
-              <a:t>Use 10-fold cross-validation</a:t>
-            </a:r>
-          </a:p>
-          <a:p>
-            <a:r>
-              <a:rPr lang="en-US" dirty="0" smtClean="0"/>
-              <a:t>MATLAB R2018a</a:t>
-            </a:r>
-          </a:p>
-          <a:p>
-            <a:r>
-              <a:rPr lang="en-US" dirty="0" smtClean="0"/>
-              <a:t>Seed = 314159</a:t>
-            </a:r>
+        </p:nvPicPr>
+        <p:blipFill>
+          <a:blip r:embed="rId2" cstate="print">
+            <a:extLst>
+              <a:ext uri="{28A0092B-C50C-407E-A947-70E740481C1C}">
+                <a14:useLocalDpi xmlns:a14="http://schemas.microsoft.com/office/drawing/2010/main" val="0"/>
+              </a:ext>
+            </a:extLst>
+          </a:blip>
+          <a:stretch>
+            <a:fillRect/>
+          </a:stretch>
+        </p:blipFill>
+        <p:spPr>
+          <a:xfrm>
+            <a:off x="1635571" y="1825625"/>
+            <a:ext cx="5872858" cy="4351338"/>
+          </a:xfrm>
+        </p:spPr>
+      </p:pic>
+      <p:sp>
+        <p:nvSpPr>
+          <p:cNvPr id="6" name="TextBox 5"/>
+          <p:cNvSpPr txBox="1"/>
+          <p:nvPr/>
+        </p:nvSpPr>
+        <p:spPr>
+          <a:xfrm>
+            <a:off x="628650" y="1321357"/>
+            <a:ext cx="7032310" cy="369332"/>
+          </a:xfrm>
+          <a:prstGeom prst="rect">
+            <a:avLst/>
+          </a:prstGeom>
+          <a:noFill/>
+        </p:spPr>
+        <p:txBody>
+          <a:bodyPr wrap="none" rtlCol="0">
+            <a:spAutoFit/>
+          </a:bodyPr>
+          <a:lstStyle/>
+          <a:p>
+            <a:r>
+              <a:rPr lang="en-US" dirty="0" smtClean="0"/>
+              <a:t>Scatterplot of win ratio vs. stat, broken out by stat, with first type colored</a:t>
+            </a:r>
+            <a:endParaRPr lang="en-US" dirty="0"/>
+          </a:p>
+        </p:txBody>
+      </p:sp>
+      <p:sp>
+        <p:nvSpPr>
+          <p:cNvPr id="7" name="TextBox 6"/>
+          <p:cNvSpPr txBox="1"/>
+          <p:nvPr/>
+        </p:nvSpPr>
+        <p:spPr>
+          <a:xfrm>
+            <a:off x="2358702" y="6488668"/>
+            <a:ext cx="4426596" cy="369332"/>
+          </a:xfrm>
+          <a:prstGeom prst="rect">
+            <a:avLst/>
+          </a:prstGeom>
+          <a:noFill/>
+        </p:spPr>
+        <p:txBody>
+          <a:bodyPr wrap="none" rtlCol="0">
+            <a:spAutoFit/>
+          </a:bodyPr>
+          <a:lstStyle/>
+          <a:p>
+            <a:pPr algn="ctr"/>
+            <a:r>
+              <a:rPr lang="en-US" dirty="0" smtClean="0"/>
+              <a:t>Speed correlates most strongly with win ratio</a:t>
+            </a:r>
+            <a:endParaRPr lang="en-US" dirty="0"/>
           </a:p>
         </p:txBody>
       </p:sp>
     </p:spTree>
     <p:extLst>
       <p:ext uri="{BB962C8B-B14F-4D97-AF65-F5344CB8AC3E}">
-        <p14:creationId xmlns:p14="http://schemas.microsoft.com/office/powerpoint/2010/main" val="1018993215"/>
+        <p14:creationId xmlns:p14="http://schemas.microsoft.com/office/powerpoint/2010/main" val="3951081942"/>
       </p:ext>
     </p:extLst>
   </p:cSld>
@@ -4503,18 +6462,281 @@
             <a:spLocks noGrp="1"/>
           </p:cNvSpPr>
           <p:nvPr>
-            <p:ph idx="1"/>
+            <p:ph sz="half" idx="1"/>
           </p:nvPr>
         </p:nvSpPr>
         <p:spPr/>
         <p:txBody>
-          <a:bodyPr/>
-          <a:lstStyle/>
-          <a:p>
-            <a:endParaRPr lang="en-US"/>
-          </a:p>
-        </p:txBody>
-      </p:sp>
+          <a:bodyPr>
+            <a:normAutofit fontScale="70000" lnSpcReduction="20000"/>
+          </a:bodyPr>
+          <a:lstStyle/>
+          <a:p>
+            <a:r>
+              <a:rPr lang="en-US" dirty="0" err="1" smtClean="0"/>
+              <a:t>Pokemon</a:t>
+            </a:r>
+            <a:r>
+              <a:rPr lang="en-US" dirty="0" smtClean="0"/>
+              <a:t> is a series of games created by Creatures and Game Freak, and published by Nintendo</a:t>
+            </a:r>
+          </a:p>
+          <a:p>
+            <a:r>
+              <a:rPr lang="en-US" dirty="0" smtClean="0"/>
+              <a:t>Main sequence games:</a:t>
+            </a:r>
+          </a:p>
+          <a:p>
+            <a:pPr lvl="1"/>
+            <a:r>
+              <a:rPr lang="en-US" dirty="0" smtClean="0"/>
+              <a:t>Play as </a:t>
+            </a:r>
+            <a:r>
+              <a:rPr lang="en-US" dirty="0" err="1" smtClean="0"/>
+              <a:t>pokemon</a:t>
+            </a:r>
+            <a:r>
+              <a:rPr lang="en-US" dirty="0" smtClean="0"/>
+              <a:t> trainer</a:t>
+            </a:r>
+          </a:p>
+          <a:p>
+            <a:pPr lvl="1"/>
+            <a:r>
+              <a:rPr lang="en-US" dirty="0" smtClean="0"/>
+              <a:t>Fight and catch critters called </a:t>
+            </a:r>
+            <a:r>
+              <a:rPr lang="en-US" dirty="0" err="1" smtClean="0"/>
+              <a:t>pokemon</a:t>
+            </a:r>
+            <a:endParaRPr lang="en-US" dirty="0" smtClean="0"/>
+          </a:p>
+          <a:p>
+            <a:pPr lvl="1"/>
+            <a:r>
+              <a:rPr lang="en-US" dirty="0" smtClean="0"/>
+              <a:t>Train them up, battle other trainers</a:t>
+            </a:r>
+          </a:p>
+          <a:p>
+            <a:pPr lvl="1"/>
+            <a:r>
+              <a:rPr lang="en-US" dirty="0" smtClean="0"/>
+              <a:t>Eventually complete some overarching goal to win</a:t>
+            </a:r>
+            <a:endParaRPr lang="en-US" dirty="0" smtClean="0"/>
+          </a:p>
+          <a:p>
+            <a:pPr lvl="1"/>
+            <a:r>
+              <a:rPr lang="en-US" dirty="0" smtClean="0"/>
+              <a:t>First game released in 1996</a:t>
+            </a:r>
+          </a:p>
+          <a:p>
+            <a:pPr lvl="1"/>
+            <a:r>
+              <a:rPr lang="en-US" dirty="0" smtClean="0"/>
+              <a:t>28 games released, new pair of games in development now (2018)</a:t>
+            </a:r>
+          </a:p>
+          <a:p>
+            <a:pPr lvl="1"/>
+            <a:r>
+              <a:rPr lang="en-US" dirty="0" smtClean="0"/>
+              <a:t>Sold ~280M units, ~$8.5B gross revenue </a:t>
+            </a:r>
+            <a:r>
+              <a:rPr lang="en-US" dirty="0" err="1" smtClean="0"/>
+              <a:t>est</a:t>
+            </a:r>
+            <a:r>
+              <a:rPr lang="en-US" dirty="0" smtClean="0"/>
+              <a:t>, ~$380M per year </a:t>
+            </a:r>
+            <a:r>
+              <a:rPr lang="en-US" dirty="0" err="1" smtClean="0"/>
+              <a:t>avg</a:t>
+            </a:r>
+            <a:endParaRPr lang="en-US" dirty="0"/>
+          </a:p>
+        </p:txBody>
+      </p:sp>
+      <p:pic>
+        <p:nvPicPr>
+          <p:cNvPr id="8" name="Content Placeholder 7"/>
+          <p:cNvPicPr>
+            <a:picLocks noGrp="1" noChangeAspect="1"/>
+          </p:cNvPicPr>
+          <p:nvPr>
+            <p:ph sz="half" idx="2"/>
+          </p:nvPr>
+        </p:nvPicPr>
+        <p:blipFill>
+          <a:blip r:embed="rId2" cstate="print">
+            <a:extLst>
+              <a:ext uri="{28A0092B-C50C-407E-A947-70E740481C1C}">
+                <a14:useLocalDpi xmlns:a14="http://schemas.microsoft.com/office/drawing/2010/main" val="0"/>
+              </a:ext>
+            </a:extLst>
+          </a:blip>
+          <a:stretch>
+            <a:fillRect/>
+          </a:stretch>
+        </p:blipFill>
+        <p:spPr>
+          <a:xfrm>
+            <a:off x="6692626" y="1690688"/>
+            <a:ext cx="1822724" cy="1828800"/>
+          </a:xfrm>
+        </p:spPr>
+      </p:pic>
+      <p:sp>
+        <p:nvSpPr>
+          <p:cNvPr id="4" name="Rectangle 3"/>
+          <p:cNvSpPr/>
+          <p:nvPr/>
+        </p:nvSpPr>
+        <p:spPr>
+          <a:xfrm>
+            <a:off x="0" y="5839334"/>
+            <a:ext cx="9144000" cy="1015663"/>
+          </a:xfrm>
+          <a:prstGeom prst="rect">
+            <a:avLst/>
+          </a:prstGeom>
+        </p:spPr>
+        <p:txBody>
+          <a:bodyPr wrap="square" anchor="b">
+            <a:spAutoFit/>
+          </a:bodyPr>
+          <a:lstStyle/>
+          <a:p>
+            <a:r>
+              <a:rPr lang="en-US" sz="1200" dirty="0"/>
+              <a:t>https://en.wikipedia.org/wiki/Pok%C3%A9mon</a:t>
+            </a:r>
+          </a:p>
+          <a:p>
+            <a:r>
+              <a:rPr lang="en-US" sz="1200" dirty="0" smtClean="0"/>
+              <a:t>https</a:t>
+            </a:r>
+            <a:r>
+              <a:rPr lang="en-US" sz="1200" dirty="0"/>
+              <a:t>://en.wikipedia.org/wiki/Pok%C3%A9mon_(video_game_series</a:t>
+            </a:r>
+            <a:r>
+              <a:rPr lang="en-US" sz="1200" dirty="0" smtClean="0"/>
+              <a:t>)</a:t>
+            </a:r>
+          </a:p>
+          <a:p>
+            <a:r>
+              <a:rPr lang="en-US" sz="1200" dirty="0"/>
+              <a:t>https://</a:t>
+            </a:r>
+            <a:r>
+              <a:rPr lang="en-US" sz="1200" dirty="0" smtClean="0"/>
+              <a:t>commons.wikimedia.org/wiki/File:International_Pok%C3%A9mon_logo.svg TM Nintendo</a:t>
+            </a:r>
+            <a:endParaRPr lang="en-US" sz="1200" dirty="0"/>
+          </a:p>
+          <a:p>
+            <a:r>
+              <a:rPr lang="en-US" sz="1200" dirty="0"/>
+              <a:t>https://en.wikipedia.org/wiki/File:Pok%C3%A9mon_box_art_-_</a:t>
+            </a:r>
+            <a:r>
+              <a:rPr lang="en-US" sz="1200" dirty="0" smtClean="0"/>
+              <a:t>Red_Version.png ©/TM Nintendo</a:t>
+            </a:r>
+          </a:p>
+          <a:p>
+            <a:r>
+              <a:rPr lang="en-US" sz="1200" dirty="0"/>
+              <a:t>https://</a:t>
+            </a:r>
+            <a:r>
+              <a:rPr lang="en-US" sz="1200" dirty="0" smtClean="0"/>
+              <a:t>en.wikipedia.org/wiki/File:Bulbasaur_pokemon_red.png ©Nintendo</a:t>
+            </a:r>
+          </a:p>
+        </p:txBody>
+      </p:sp>
+      <p:pic>
+        <p:nvPicPr>
+          <p:cNvPr id="6" name="Content Placeholder 5"/>
+          <p:cNvPicPr>
+            <a:picLocks noChangeAspect="1"/>
+          </p:cNvPicPr>
+          <p:nvPr/>
+        </p:nvPicPr>
+        <p:blipFill>
+          <a:blip r:embed="rId3">
+            <a:extLst>
+              <a:ext uri="{28A0092B-C50C-407E-A947-70E740481C1C}">
+                <a14:useLocalDpi xmlns:a14="http://schemas.microsoft.com/office/drawing/2010/main" val="0"/>
+              </a:ext>
+            </a:extLst>
+          </a:blip>
+          <a:stretch>
+            <a:fillRect/>
+          </a:stretch>
+        </p:blipFill>
+        <p:spPr>
+          <a:xfrm>
+            <a:off x="5048250" y="465932"/>
+            <a:ext cx="3048000" cy="1123950"/>
+          </a:xfrm>
+          <a:prstGeom prst="rect">
+            <a:avLst/>
+          </a:prstGeom>
+        </p:spPr>
+      </p:pic>
+      <p:pic>
+        <p:nvPicPr>
+          <p:cNvPr id="9" name="Picture 8"/>
+          <p:cNvPicPr>
+            <a:picLocks noChangeAspect="1"/>
+          </p:cNvPicPr>
+          <p:nvPr/>
+        </p:nvPicPr>
+        <p:blipFill>
+          <a:blip r:embed="rId4">
+            <a:clrChange>
+              <a:clrFrom>
+                <a:srgbClr val="FFFFFF"/>
+              </a:clrFrom>
+              <a:clrTo>
+                <a:srgbClr val="FFFFFF">
+                  <a:alpha val="0"/>
+                </a:srgbClr>
+              </a:clrTo>
+            </a:clrChange>
+            <a:extLst>
+              <a:ext uri="{28A0092B-C50C-407E-A947-70E740481C1C}">
+                <a14:useLocalDpi xmlns:a14="http://schemas.microsoft.com/office/drawing/2010/main" val="0"/>
+              </a:ext>
+            </a:extLst>
+          </a:blip>
+          <a:stretch>
+            <a:fillRect/>
+          </a:stretch>
+        </p:blipFill>
+        <p:spPr>
+          <a:xfrm>
+            <a:off x="4790938" y="3307811"/>
+            <a:ext cx="3048001" cy="2743200"/>
+          </a:xfrm>
+          <a:prstGeom prst="rect">
+            <a:avLst/>
+          </a:prstGeom>
+        </p:spPr>
+      </p:pic>
     </p:spTree>
     <p:extLst>
       <p:ext uri="{BB962C8B-B14F-4D97-AF65-F5344CB8AC3E}">
@@ -4562,6 +6784,730 @@
           <a:p>
             <a:r>
               <a:rPr lang="en-US" dirty="0" smtClean="0"/>
+              <a:t>Simpson’s </a:t>
+            </a:r>
+            <a:r>
+              <a:rPr lang="en-US" dirty="0" smtClean="0"/>
+              <a:t>Paradox</a:t>
+            </a:r>
+            <a:r>
+              <a:rPr lang="en-US" dirty="0" smtClean="0"/>
+              <a:t>?</a:t>
+            </a:r>
+            <a:endParaRPr lang="en-US" dirty="0"/>
+          </a:p>
+        </p:txBody>
+      </p:sp>
+      <p:pic>
+        <p:nvPicPr>
+          <p:cNvPr id="6" name="Content Placeholder 5"/>
+          <p:cNvPicPr>
+            <a:picLocks noGrp="1" noChangeAspect="1"/>
+          </p:cNvPicPr>
+          <p:nvPr>
+            <p:ph idx="1"/>
+          </p:nvPr>
+        </p:nvPicPr>
+        <p:blipFill>
+          <a:blip r:embed="rId2" cstate="print">
+            <a:extLst>
+              <a:ext uri="{28A0092B-C50C-407E-A947-70E740481C1C}">
+                <a14:useLocalDpi xmlns:a14="http://schemas.microsoft.com/office/drawing/2010/main" val="0"/>
+              </a:ext>
+            </a:extLst>
+          </a:blip>
+          <a:stretch>
+            <a:fillRect/>
+          </a:stretch>
+        </p:blipFill>
+        <p:spPr>
+          <a:xfrm>
+            <a:off x="1635571" y="1825625"/>
+            <a:ext cx="5872858" cy="4351338"/>
+          </a:xfrm>
+        </p:spPr>
+      </p:pic>
+      <p:sp>
+        <p:nvSpPr>
+          <p:cNvPr id="7" name="TextBox 6"/>
+          <p:cNvSpPr txBox="1"/>
+          <p:nvPr/>
+        </p:nvSpPr>
+        <p:spPr>
+          <a:xfrm>
+            <a:off x="1423941" y="6488668"/>
+            <a:ext cx="6296147" cy="369332"/>
+          </a:xfrm>
+          <a:prstGeom prst="rect">
+            <a:avLst/>
+          </a:prstGeom>
+          <a:noFill/>
+        </p:spPr>
+        <p:txBody>
+          <a:bodyPr wrap="none" rtlCol="0">
+            <a:spAutoFit/>
+          </a:bodyPr>
+          <a:lstStyle/>
+          <a:p>
+            <a:pPr algn="ctr"/>
+            <a:r>
+              <a:rPr lang="en-US" dirty="0" smtClean="0"/>
+              <a:t>First type does not appear to have an effect on overall correlation</a:t>
+            </a:r>
+            <a:endParaRPr lang="en-US" dirty="0"/>
+          </a:p>
+        </p:txBody>
+      </p:sp>
+      <p:sp>
+        <p:nvSpPr>
+          <p:cNvPr id="8" name="TextBox 7"/>
+          <p:cNvSpPr txBox="1"/>
+          <p:nvPr/>
+        </p:nvSpPr>
+        <p:spPr>
+          <a:xfrm>
+            <a:off x="628650" y="1321357"/>
+            <a:ext cx="5620769" cy="369332"/>
+          </a:xfrm>
+          <a:prstGeom prst="rect">
+            <a:avLst/>
+          </a:prstGeom>
+          <a:noFill/>
+        </p:spPr>
+        <p:txBody>
+          <a:bodyPr wrap="none" rtlCol="0">
+            <a:spAutoFit/>
+          </a:bodyPr>
+          <a:lstStyle/>
+          <a:p>
+            <a:r>
+              <a:rPr lang="en-US" dirty="0" smtClean="0"/>
+              <a:t>Scatterplot of win ratio vs. speed, broken out by first type</a:t>
+            </a:r>
+            <a:endParaRPr lang="en-US" dirty="0"/>
+          </a:p>
+        </p:txBody>
+      </p:sp>
+    </p:spTree>
+    <p:extLst>
+      <p:ext uri="{BB962C8B-B14F-4D97-AF65-F5344CB8AC3E}">
+        <p14:creationId xmlns:p14="http://schemas.microsoft.com/office/powerpoint/2010/main" val="1867936804"/>
+      </p:ext>
+    </p:extLst>
+  </p:cSld>
+  <p:clrMapOvr>
+    <a:masterClrMapping/>
+  </p:clrMapOvr>
+</p:sld>
+</file>
+
+<file path=ppt/slides/slide21.xml><?xml version="1.0" encoding="utf-8"?>
+<p:sld xmlns:a="http://schemas.openxmlformats.org/drawingml/2006/main" xmlns:r="http://schemas.openxmlformats.org/officeDocument/2006/relationships" xmlns:p="http://schemas.openxmlformats.org/presentationml/2006/main">
+  <p:cSld>
+    <p:spTree>
+      <p:nvGrpSpPr>
+        <p:cNvPr id="1" name=""/>
+        <p:cNvGrpSpPr/>
+        <p:nvPr/>
+      </p:nvGrpSpPr>
+      <p:grpSpPr>
+        <a:xfrm>
+          <a:off x="0" y="0"/>
+          <a:ext cx="0" cy="0"/>
+          <a:chOff x="0" y="0"/>
+          <a:chExt cx="0" cy="0"/>
+        </a:xfrm>
+      </p:grpSpPr>
+      <p:sp>
+        <p:nvSpPr>
+          <p:cNvPr id="2" name="Title 1"/>
+          <p:cNvSpPr>
+            <a:spLocks noGrp="1"/>
+          </p:cNvSpPr>
+          <p:nvPr>
+            <p:ph type="title"/>
+          </p:nvPr>
+        </p:nvSpPr>
+        <p:spPr/>
+        <p:txBody>
+          <a:bodyPr/>
+          <a:lstStyle/>
+          <a:p>
+            <a:r>
+              <a:rPr lang="en-US" dirty="0" smtClean="0"/>
+              <a:t>Stat Differences by Stat</a:t>
+            </a:r>
+            <a:endParaRPr lang="en-US" dirty="0"/>
+          </a:p>
+        </p:txBody>
+      </p:sp>
+      <p:pic>
+        <p:nvPicPr>
+          <p:cNvPr id="4" name="Content Placeholder 3"/>
+          <p:cNvPicPr>
+            <a:picLocks noGrp="1" noChangeAspect="1"/>
+          </p:cNvPicPr>
+          <p:nvPr>
+            <p:ph idx="1"/>
+          </p:nvPr>
+        </p:nvPicPr>
+        <p:blipFill>
+          <a:blip r:embed="rId2" cstate="print">
+            <a:extLst>
+              <a:ext uri="{28A0092B-C50C-407E-A947-70E740481C1C}">
+                <a14:useLocalDpi xmlns:a14="http://schemas.microsoft.com/office/drawing/2010/main" val="0"/>
+              </a:ext>
+            </a:extLst>
+          </a:blip>
+          <a:stretch>
+            <a:fillRect/>
+          </a:stretch>
+        </p:blipFill>
+        <p:spPr>
+          <a:xfrm>
+            <a:off x="1635571" y="1825625"/>
+            <a:ext cx="5872858" cy="4351338"/>
+          </a:xfrm>
+        </p:spPr>
+      </p:pic>
+      <p:sp>
+        <p:nvSpPr>
+          <p:cNvPr id="5" name="TextBox 4"/>
+          <p:cNvSpPr txBox="1"/>
+          <p:nvPr/>
+        </p:nvSpPr>
+        <p:spPr>
+          <a:xfrm>
+            <a:off x="628650" y="1321357"/>
+            <a:ext cx="5565626" cy="369332"/>
+          </a:xfrm>
+          <a:prstGeom prst="rect">
+            <a:avLst/>
+          </a:prstGeom>
+          <a:noFill/>
+        </p:spPr>
+        <p:txBody>
+          <a:bodyPr wrap="none" rtlCol="0">
+            <a:spAutoFit/>
+          </a:bodyPr>
+          <a:lstStyle/>
+          <a:p>
+            <a:r>
+              <a:rPr lang="en-US" dirty="0" smtClean="0"/>
+              <a:t>Distribution plots of winner, broken out by stat difference</a:t>
+            </a:r>
+            <a:endParaRPr lang="en-US" dirty="0"/>
+          </a:p>
+        </p:txBody>
+      </p:sp>
+      <p:sp>
+        <p:nvSpPr>
+          <p:cNvPr id="6" name="TextBox 5"/>
+          <p:cNvSpPr txBox="1"/>
+          <p:nvPr/>
+        </p:nvSpPr>
+        <p:spPr>
+          <a:xfrm>
+            <a:off x="2208367" y="6488668"/>
+            <a:ext cx="4727320" cy="369332"/>
+          </a:xfrm>
+          <a:prstGeom prst="rect">
+            <a:avLst/>
+          </a:prstGeom>
+          <a:noFill/>
+        </p:spPr>
+        <p:txBody>
+          <a:bodyPr wrap="none" rtlCol="0">
+            <a:spAutoFit/>
+          </a:bodyPr>
+          <a:lstStyle/>
+          <a:p>
+            <a:pPr algn="ctr"/>
+            <a:r>
+              <a:rPr lang="en-US" dirty="0" smtClean="0"/>
+              <a:t>Large overlap for each difference, except speed</a:t>
+            </a:r>
+            <a:endParaRPr lang="en-US" dirty="0"/>
+          </a:p>
+        </p:txBody>
+      </p:sp>
+    </p:spTree>
+    <p:extLst>
+      <p:ext uri="{BB962C8B-B14F-4D97-AF65-F5344CB8AC3E}">
+        <p14:creationId xmlns:p14="http://schemas.microsoft.com/office/powerpoint/2010/main" val="407734202"/>
+      </p:ext>
+    </p:extLst>
+  </p:cSld>
+  <p:clrMapOvr>
+    <a:masterClrMapping/>
+  </p:clrMapOvr>
+</p:sld>
+</file>
+
+<file path=ppt/slides/slide22.xml><?xml version="1.0" encoding="utf-8"?>
+<p:sld xmlns:a="http://schemas.openxmlformats.org/drawingml/2006/main" xmlns:r="http://schemas.openxmlformats.org/officeDocument/2006/relationships" xmlns:p="http://schemas.openxmlformats.org/presentationml/2006/main">
+  <p:cSld>
+    <p:spTree>
+      <p:nvGrpSpPr>
+        <p:cNvPr id="1" name=""/>
+        <p:cNvGrpSpPr/>
+        <p:nvPr/>
+      </p:nvGrpSpPr>
+      <p:grpSpPr>
+        <a:xfrm>
+          <a:off x="0" y="0"/>
+          <a:ext cx="0" cy="0"/>
+          <a:chOff x="0" y="0"/>
+          <a:chExt cx="0" cy="0"/>
+        </a:xfrm>
+      </p:grpSpPr>
+      <p:sp>
+        <p:nvSpPr>
+          <p:cNvPr id="2" name="Title 1"/>
+          <p:cNvSpPr>
+            <a:spLocks noGrp="1"/>
+          </p:cNvSpPr>
+          <p:nvPr>
+            <p:ph type="title"/>
+          </p:nvPr>
+        </p:nvSpPr>
+        <p:spPr/>
+        <p:txBody>
+          <a:bodyPr/>
+          <a:lstStyle/>
+          <a:p>
+            <a:r>
+              <a:rPr lang="en-US" dirty="0" smtClean="0"/>
+              <a:t>Attempting to model combat</a:t>
+            </a:r>
+            <a:endParaRPr lang="en-US" dirty="0"/>
+          </a:p>
+        </p:txBody>
+      </p:sp>
+      <p:sp>
+        <p:nvSpPr>
+          <p:cNvPr id="4" name="Content Placeholder 3"/>
+          <p:cNvSpPr>
+            <a:spLocks noGrp="1"/>
+          </p:cNvSpPr>
+          <p:nvPr>
+            <p:ph idx="1"/>
+          </p:nvPr>
+        </p:nvSpPr>
+        <p:spPr/>
+        <p:txBody>
+          <a:bodyPr>
+            <a:normAutofit/>
+          </a:bodyPr>
+          <a:lstStyle/>
+          <a:p>
+            <a:r>
+              <a:rPr lang="en-US" dirty="0" smtClean="0"/>
+              <a:t>Based on domain knowledge model combat as:</a:t>
+            </a:r>
+          </a:p>
+          <a:p>
+            <a:pPr lvl="1"/>
+            <a:r>
+              <a:rPr lang="en-US" dirty="0" err="1" smtClean="0"/>
+              <a:t>atk_advantage</a:t>
+            </a:r>
+            <a:r>
+              <a:rPr lang="en-US" dirty="0" smtClean="0"/>
+              <a:t> = </a:t>
+            </a:r>
+            <a:r>
+              <a:rPr lang="en-US" dirty="0" err="1" smtClean="0"/>
+              <a:t>my_attack</a:t>
+            </a:r>
+            <a:r>
+              <a:rPr lang="en-US" dirty="0" smtClean="0"/>
+              <a:t> / </a:t>
+            </a:r>
+            <a:r>
+              <a:rPr lang="en-US" dirty="0" err="1" smtClean="0"/>
+              <a:t>op_defense</a:t>
+            </a:r>
+            <a:endParaRPr lang="en-US" dirty="0" smtClean="0"/>
+          </a:p>
+          <a:p>
+            <a:pPr lvl="1"/>
+            <a:r>
+              <a:rPr lang="en-US" dirty="0" smtClean="0"/>
+              <a:t>Same with </a:t>
+            </a:r>
+            <a:r>
+              <a:rPr lang="en-US" dirty="0" err="1" smtClean="0"/>
+              <a:t>sp</a:t>
+            </a:r>
+            <a:r>
+              <a:rPr lang="en-US" dirty="0" smtClean="0"/>
+              <a:t> </a:t>
+            </a:r>
+            <a:r>
+              <a:rPr lang="en-US" dirty="0" err="1" smtClean="0"/>
+              <a:t>atk</a:t>
+            </a:r>
+            <a:endParaRPr lang="en-US" dirty="0" smtClean="0"/>
+          </a:p>
+          <a:p>
+            <a:pPr lvl="1"/>
+            <a:r>
+              <a:rPr lang="en-US" dirty="0" smtClean="0"/>
+              <a:t>Find max of </a:t>
+            </a:r>
+            <a:r>
+              <a:rPr lang="en-US" dirty="0" err="1" smtClean="0"/>
+              <a:t>atk</a:t>
+            </a:r>
+            <a:r>
+              <a:rPr lang="en-US" dirty="0" smtClean="0"/>
+              <a:t>/</a:t>
+            </a:r>
+            <a:r>
+              <a:rPr lang="en-US" dirty="0" err="1" smtClean="0"/>
+              <a:t>sp_atk</a:t>
+            </a:r>
+            <a:r>
+              <a:rPr lang="en-US" dirty="0" smtClean="0"/>
+              <a:t> advantage for left and right</a:t>
+            </a:r>
+          </a:p>
+          <a:p>
+            <a:pPr lvl="1"/>
+            <a:r>
+              <a:rPr lang="en-US" dirty="0" smtClean="0"/>
+              <a:t>Find difference between left and right</a:t>
+            </a:r>
+          </a:p>
+          <a:p>
+            <a:pPr lvl="1"/>
+            <a:r>
+              <a:rPr lang="en-US" dirty="0" smtClean="0"/>
+              <a:t>Treat as new stat</a:t>
+            </a:r>
+          </a:p>
+        </p:txBody>
+      </p:sp>
+    </p:spTree>
+    <p:extLst>
+      <p:ext uri="{BB962C8B-B14F-4D97-AF65-F5344CB8AC3E}">
+        <p14:creationId xmlns:p14="http://schemas.microsoft.com/office/powerpoint/2010/main" val="2984643865"/>
+      </p:ext>
+    </p:extLst>
+  </p:cSld>
+  <p:clrMapOvr>
+    <a:masterClrMapping/>
+  </p:clrMapOvr>
+</p:sld>
+</file>
+
+<file path=ppt/slides/slide23.xml><?xml version="1.0" encoding="utf-8"?>
+<p:sld xmlns:a="http://schemas.openxmlformats.org/drawingml/2006/main" xmlns:r="http://schemas.openxmlformats.org/officeDocument/2006/relationships" xmlns:p="http://schemas.openxmlformats.org/presentationml/2006/main">
+  <p:cSld>
+    <p:spTree>
+      <p:nvGrpSpPr>
+        <p:cNvPr id="1" name=""/>
+        <p:cNvGrpSpPr/>
+        <p:nvPr/>
+      </p:nvGrpSpPr>
+      <p:grpSpPr>
+        <a:xfrm>
+          <a:off x="0" y="0"/>
+          <a:ext cx="0" cy="0"/>
+          <a:chOff x="0" y="0"/>
+          <a:chExt cx="0" cy="0"/>
+        </a:xfrm>
+      </p:grpSpPr>
+      <p:sp>
+        <p:nvSpPr>
+          <p:cNvPr id="2" name="Title 1"/>
+          <p:cNvSpPr>
+            <a:spLocks noGrp="1"/>
+          </p:cNvSpPr>
+          <p:nvPr>
+            <p:ph type="title"/>
+          </p:nvPr>
+        </p:nvSpPr>
+        <p:spPr/>
+        <p:txBody>
+          <a:bodyPr/>
+          <a:lstStyle/>
+          <a:p>
+            <a:r>
+              <a:rPr lang="en-US" dirty="0" smtClean="0"/>
+              <a:t>Attempting to model combat</a:t>
+            </a:r>
+            <a:endParaRPr lang="en-US" dirty="0"/>
+          </a:p>
+        </p:txBody>
+      </p:sp>
+      <p:pic>
+        <p:nvPicPr>
+          <p:cNvPr id="4" name="Content Placeholder 3"/>
+          <p:cNvPicPr>
+            <a:picLocks noGrp="1" noChangeAspect="1"/>
+          </p:cNvPicPr>
+          <p:nvPr>
+            <p:ph idx="1"/>
+          </p:nvPr>
+        </p:nvPicPr>
+        <p:blipFill>
+          <a:blip r:embed="rId2" cstate="print">
+            <a:extLst>
+              <a:ext uri="{28A0092B-C50C-407E-A947-70E740481C1C}">
+                <a14:useLocalDpi xmlns:a14="http://schemas.microsoft.com/office/drawing/2010/main" val="0"/>
+              </a:ext>
+            </a:extLst>
+          </a:blip>
+          <a:stretch>
+            <a:fillRect/>
+          </a:stretch>
+        </p:blipFill>
+        <p:spPr>
+          <a:xfrm>
+            <a:off x="1635571" y="1825625"/>
+            <a:ext cx="5872858" cy="4351338"/>
+          </a:xfrm>
+        </p:spPr>
+      </p:pic>
+      <p:sp>
+        <p:nvSpPr>
+          <p:cNvPr id="5" name="TextBox 4"/>
+          <p:cNvSpPr txBox="1"/>
+          <p:nvPr/>
+        </p:nvSpPr>
+        <p:spPr>
+          <a:xfrm>
+            <a:off x="628650" y="1321357"/>
+            <a:ext cx="6058005" cy="369332"/>
+          </a:xfrm>
+          <a:prstGeom prst="rect">
+            <a:avLst/>
+          </a:prstGeom>
+          <a:noFill/>
+        </p:spPr>
+        <p:txBody>
+          <a:bodyPr wrap="none" rtlCol="0">
+            <a:spAutoFit/>
+          </a:bodyPr>
+          <a:lstStyle/>
+          <a:p>
+            <a:r>
+              <a:rPr lang="en-US" dirty="0" smtClean="0"/>
+              <a:t>Distribution plots of winner, broken out by advantage or speed</a:t>
+            </a:r>
+            <a:endParaRPr lang="en-US" dirty="0"/>
+          </a:p>
+        </p:txBody>
+      </p:sp>
+      <p:sp>
+        <p:nvSpPr>
+          <p:cNvPr id="6" name="TextBox 5"/>
+          <p:cNvSpPr txBox="1"/>
+          <p:nvPr/>
+        </p:nvSpPr>
+        <p:spPr>
+          <a:xfrm>
+            <a:off x="1793459" y="6488668"/>
+            <a:ext cx="5557163" cy="369332"/>
+          </a:xfrm>
+          <a:prstGeom prst="rect">
+            <a:avLst/>
+          </a:prstGeom>
+          <a:noFill/>
+        </p:spPr>
+        <p:txBody>
+          <a:bodyPr wrap="none" rtlCol="0">
+            <a:spAutoFit/>
+          </a:bodyPr>
+          <a:lstStyle/>
+          <a:p>
+            <a:pPr algn="ctr"/>
+            <a:r>
+              <a:rPr lang="en-US" dirty="0" smtClean="0"/>
+              <a:t>This model still has significant overlap, speed is dominant</a:t>
+            </a:r>
+            <a:endParaRPr lang="en-US" dirty="0"/>
+          </a:p>
+        </p:txBody>
+      </p:sp>
+    </p:spTree>
+    <p:extLst>
+      <p:ext uri="{BB962C8B-B14F-4D97-AF65-F5344CB8AC3E}">
+        <p14:creationId xmlns:p14="http://schemas.microsoft.com/office/powerpoint/2010/main" val="1507575673"/>
+      </p:ext>
+    </p:extLst>
+  </p:cSld>
+  <p:clrMapOvr>
+    <a:masterClrMapping/>
+  </p:clrMapOvr>
+</p:sld>
+</file>
+
+<file path=ppt/slides/slide24.xml><?xml version="1.0" encoding="utf-8"?>
+<p:sld xmlns:a="http://schemas.openxmlformats.org/drawingml/2006/main" xmlns:r="http://schemas.openxmlformats.org/officeDocument/2006/relationships" xmlns:p="http://schemas.openxmlformats.org/presentationml/2006/main">
+  <p:cSld>
+    <p:spTree>
+      <p:nvGrpSpPr>
+        <p:cNvPr id="1" name=""/>
+        <p:cNvGrpSpPr/>
+        <p:nvPr/>
+      </p:nvGrpSpPr>
+      <p:grpSpPr>
+        <a:xfrm>
+          <a:off x="0" y="0"/>
+          <a:ext cx="0" cy="0"/>
+          <a:chOff x="0" y="0"/>
+          <a:chExt cx="0" cy="0"/>
+        </a:xfrm>
+      </p:grpSpPr>
+      <p:sp>
+        <p:nvSpPr>
+          <p:cNvPr id="2" name="Title 1"/>
+          <p:cNvSpPr>
+            <a:spLocks noGrp="1"/>
+          </p:cNvSpPr>
+          <p:nvPr>
+            <p:ph type="title"/>
+          </p:nvPr>
+        </p:nvSpPr>
+        <p:spPr/>
+        <p:txBody>
+          <a:bodyPr/>
+          <a:lstStyle/>
+          <a:p>
+            <a:r>
+              <a:rPr lang="en-US" dirty="0" smtClean="0"/>
+              <a:t>Predicting winners</a:t>
+            </a:r>
+            <a:endParaRPr lang="en-US" dirty="0"/>
+          </a:p>
+        </p:txBody>
+      </p:sp>
+      <p:sp>
+        <p:nvSpPr>
+          <p:cNvPr id="3" name="Content Placeholder 2"/>
+          <p:cNvSpPr>
+            <a:spLocks noGrp="1"/>
+          </p:cNvSpPr>
+          <p:nvPr>
+            <p:ph idx="1"/>
+          </p:nvPr>
+        </p:nvSpPr>
+        <p:spPr/>
+        <p:txBody>
+          <a:bodyPr/>
+          <a:lstStyle/>
+          <a:p>
+            <a:r>
+              <a:rPr lang="en-US" dirty="0" smtClean="0"/>
+              <a:t>Because speed has a sharp division, expect tree-based ML to perform well</a:t>
+            </a:r>
+          </a:p>
+          <a:p>
+            <a:r>
+              <a:rPr lang="en-US" dirty="0" smtClean="0"/>
+              <a:t>First perform initial using bagged trees with MATLAB defaults</a:t>
+            </a:r>
+          </a:p>
+          <a:p>
+            <a:pPr lvl="1"/>
+            <a:r>
+              <a:rPr lang="en-US" dirty="0" err="1" smtClean="0"/>
+              <a:t>maxnumsplits</a:t>
+            </a:r>
+            <a:r>
+              <a:rPr lang="en-US" dirty="0" smtClean="0"/>
+              <a:t> = #</a:t>
+            </a:r>
+            <a:r>
+              <a:rPr lang="en-US" dirty="0" err="1" smtClean="0"/>
+              <a:t>obs</a:t>
+            </a:r>
+            <a:r>
+              <a:rPr lang="en-US" dirty="0" smtClean="0"/>
+              <a:t> – 1</a:t>
+            </a:r>
+          </a:p>
+          <a:p>
+            <a:pPr lvl="1"/>
+            <a:r>
+              <a:rPr lang="en-US" dirty="0" err="1" smtClean="0"/>
+              <a:t>numlearningcycles</a:t>
+            </a:r>
+            <a:r>
+              <a:rPr lang="en-US" dirty="0" smtClean="0"/>
+              <a:t> = 30</a:t>
+            </a:r>
+          </a:p>
+          <a:p>
+            <a:r>
+              <a:rPr lang="en-US" dirty="0" smtClean="0"/>
+              <a:t>Use 10-fold cross-validation</a:t>
+            </a:r>
+          </a:p>
+          <a:p>
+            <a:r>
+              <a:rPr lang="en-US" dirty="0" smtClean="0"/>
+              <a:t>MATLAB R2018a</a:t>
+            </a:r>
+          </a:p>
+          <a:p>
+            <a:r>
+              <a:rPr lang="en-US" dirty="0" smtClean="0"/>
+              <a:t>Seed = 314159</a:t>
+            </a:r>
+          </a:p>
+        </p:txBody>
+      </p:sp>
+    </p:spTree>
+    <p:extLst>
+      <p:ext uri="{BB962C8B-B14F-4D97-AF65-F5344CB8AC3E}">
+        <p14:creationId xmlns:p14="http://schemas.microsoft.com/office/powerpoint/2010/main" val="1018993215"/>
+      </p:ext>
+    </p:extLst>
+  </p:cSld>
+  <p:clrMapOvr>
+    <a:masterClrMapping/>
+  </p:clrMapOvr>
+</p:sld>
+</file>
+
+<file path=ppt/slides/slide25.xml><?xml version="1.0" encoding="utf-8"?>
+<p:sld xmlns:a="http://schemas.openxmlformats.org/drawingml/2006/main" xmlns:r="http://schemas.openxmlformats.org/officeDocument/2006/relationships" xmlns:p="http://schemas.openxmlformats.org/presentationml/2006/main">
+  <p:cSld>
+    <p:spTree>
+      <p:nvGrpSpPr>
+        <p:cNvPr id="1" name=""/>
+        <p:cNvGrpSpPr/>
+        <p:nvPr/>
+      </p:nvGrpSpPr>
+      <p:grpSpPr>
+        <a:xfrm>
+          <a:off x="0" y="0"/>
+          <a:ext cx="0" cy="0"/>
+          <a:chOff x="0" y="0"/>
+          <a:chExt cx="0" cy="0"/>
+        </a:xfrm>
+      </p:grpSpPr>
+      <p:sp>
+        <p:nvSpPr>
+          <p:cNvPr id="2" name="Title 1"/>
+          <p:cNvSpPr>
+            <a:spLocks noGrp="1"/>
+          </p:cNvSpPr>
+          <p:nvPr>
+            <p:ph type="title"/>
+          </p:nvPr>
+        </p:nvSpPr>
+        <p:spPr/>
+        <p:txBody>
+          <a:bodyPr/>
+          <a:lstStyle/>
+          <a:p>
+            <a:r>
+              <a:rPr lang="en-US" dirty="0" smtClean="0"/>
               <a:t>Prediction model</a:t>
             </a:r>
             <a:endParaRPr lang="en-US" dirty="0"/>
@@ -4626,28 +7572,28 @@
                 <a:gridCol w="457200">
                   <a:extLst>
                     <a:ext uri="{9D8B030D-6E8A-4147-A177-3AD203B41FA5}">
-                      <a16:colId xmlns:a16="http://schemas.microsoft.com/office/drawing/2014/main" val="3628758118"/>
+                      <a16:colId xmlns:a16="http://schemas.microsoft.com/office/drawing/2014/main" xmlns="" val="3628758118"/>
                     </a:ext>
                   </a:extLst>
                 </a:gridCol>
                 <a:gridCol w="1097280">
                   <a:extLst>
                     <a:ext uri="{9D8B030D-6E8A-4147-A177-3AD203B41FA5}">
-                      <a16:colId xmlns:a16="http://schemas.microsoft.com/office/drawing/2014/main" val="626808211"/>
+                      <a16:colId xmlns:a16="http://schemas.microsoft.com/office/drawing/2014/main" xmlns="" val="626808211"/>
                     </a:ext>
                   </a:extLst>
                 </a:gridCol>
                 <a:gridCol w="1097280">
                   <a:extLst>
                     <a:ext uri="{9D8B030D-6E8A-4147-A177-3AD203B41FA5}">
-                      <a16:colId xmlns:a16="http://schemas.microsoft.com/office/drawing/2014/main" val="2631772673"/>
+                      <a16:colId xmlns:a16="http://schemas.microsoft.com/office/drawing/2014/main" xmlns="" val="2631772673"/>
                     </a:ext>
                   </a:extLst>
                 </a:gridCol>
                 <a:gridCol w="1097280">
                   <a:extLst>
                     <a:ext uri="{9D8B030D-6E8A-4147-A177-3AD203B41FA5}">
-                      <a16:colId xmlns:a16="http://schemas.microsoft.com/office/drawing/2014/main" val="2435529222"/>
+                      <a16:colId xmlns:a16="http://schemas.microsoft.com/office/drawing/2014/main" xmlns="" val="2435529222"/>
                     </a:ext>
                   </a:extLst>
                 </a:gridCol>
@@ -4715,7 +7661,7 @@
                 </a:tc>
                 <a:extLst>
                   <a:ext uri="{0D108BD9-81ED-4DB2-BD59-A6C34878D82A}">
-                    <a16:rowId xmlns:a16="http://schemas.microsoft.com/office/drawing/2014/main" val="1312990092"/>
+                    <a16:rowId xmlns:a16="http://schemas.microsoft.com/office/drawing/2014/main" xmlns="" val="1312990092"/>
                   </a:ext>
                 </a:extLst>
               </a:tr>
@@ -4802,7 +7748,7 @@
                 </a:tc>
                 <a:extLst>
                   <a:ext uri="{0D108BD9-81ED-4DB2-BD59-A6C34878D82A}">
-                    <a16:rowId xmlns:a16="http://schemas.microsoft.com/office/drawing/2014/main" val="1465538356"/>
+                    <a16:rowId xmlns:a16="http://schemas.microsoft.com/office/drawing/2014/main" xmlns="" val="1465538356"/>
                   </a:ext>
                 </a:extLst>
               </a:tr>
@@ -4889,7 +7835,7 @@
                 </a:tc>
                 <a:extLst>
                   <a:ext uri="{0D108BD9-81ED-4DB2-BD59-A6C34878D82A}">
-                    <a16:rowId xmlns:a16="http://schemas.microsoft.com/office/drawing/2014/main" val="1615912680"/>
+                    <a16:rowId xmlns:a16="http://schemas.microsoft.com/office/drawing/2014/main" xmlns="" val="1615912680"/>
                   </a:ext>
                 </a:extLst>
               </a:tr>
@@ -4976,7 +7922,7 @@
                 </a:tc>
                 <a:extLst>
                   <a:ext uri="{0D108BD9-81ED-4DB2-BD59-A6C34878D82A}">
-                    <a16:rowId xmlns:a16="http://schemas.microsoft.com/office/drawing/2014/main" val="582783737"/>
+                    <a16:rowId xmlns:a16="http://schemas.microsoft.com/office/drawing/2014/main" xmlns="" val="582783737"/>
                   </a:ext>
                 </a:extLst>
               </a:tr>
@@ -5111,7 +8057,7 @@
 </p:sld>
 </file>
 
-<file path=ppt/slides/slide21.xml><?xml version="1.0" encoding="utf-8"?>
+<file path=ppt/slides/slide26.xml><?xml version="1.0" encoding="utf-8"?>
 <p:sld xmlns:a="http://schemas.openxmlformats.org/drawingml/2006/main" xmlns:r="http://schemas.openxmlformats.org/officeDocument/2006/relationships" xmlns:p="http://schemas.openxmlformats.org/presentationml/2006/main">
   <p:cSld>
     <p:spTree>
@@ -5236,7 +8182,7 @@
 </p:sld>
 </file>
 
-<file path=ppt/slides/slide22.xml><?xml version="1.0" encoding="utf-8"?>
+<file path=ppt/slides/slide27.xml><?xml version="1.0" encoding="utf-8"?>
 <p:sld xmlns:a="http://schemas.openxmlformats.org/drawingml/2006/main" xmlns:r="http://schemas.openxmlformats.org/officeDocument/2006/relationships" xmlns:p="http://schemas.openxmlformats.org/presentationml/2006/main">
   <p:cSld>
     <p:spTree>
@@ -5308,28 +8254,28 @@
                 <a:gridCol w="457200">
                   <a:extLst>
                     <a:ext uri="{9D8B030D-6E8A-4147-A177-3AD203B41FA5}">
-                      <a16:colId xmlns:a16="http://schemas.microsoft.com/office/drawing/2014/main" val="3628758118"/>
+                      <a16:colId xmlns:a16="http://schemas.microsoft.com/office/drawing/2014/main" xmlns="" val="3628758118"/>
                     </a:ext>
                   </a:extLst>
                 </a:gridCol>
                 <a:gridCol w="1097280">
                   <a:extLst>
                     <a:ext uri="{9D8B030D-6E8A-4147-A177-3AD203B41FA5}">
-                      <a16:colId xmlns:a16="http://schemas.microsoft.com/office/drawing/2014/main" val="626808211"/>
+                      <a16:colId xmlns:a16="http://schemas.microsoft.com/office/drawing/2014/main" xmlns="" val="626808211"/>
                     </a:ext>
                   </a:extLst>
                 </a:gridCol>
                 <a:gridCol w="1097280">
                   <a:extLst>
                     <a:ext uri="{9D8B030D-6E8A-4147-A177-3AD203B41FA5}">
-                      <a16:colId xmlns:a16="http://schemas.microsoft.com/office/drawing/2014/main" val="2631772673"/>
+                      <a16:colId xmlns:a16="http://schemas.microsoft.com/office/drawing/2014/main" xmlns="" val="2631772673"/>
                     </a:ext>
                   </a:extLst>
                 </a:gridCol>
                 <a:gridCol w="1097280">
                   <a:extLst>
                     <a:ext uri="{9D8B030D-6E8A-4147-A177-3AD203B41FA5}">
-                      <a16:colId xmlns:a16="http://schemas.microsoft.com/office/drawing/2014/main" val="2435529222"/>
+                      <a16:colId xmlns:a16="http://schemas.microsoft.com/office/drawing/2014/main" xmlns="" val="2435529222"/>
                     </a:ext>
                   </a:extLst>
                 </a:gridCol>
@@ -5397,7 +8343,7 @@
                 </a:tc>
                 <a:extLst>
                   <a:ext uri="{0D108BD9-81ED-4DB2-BD59-A6C34878D82A}">
-                    <a16:rowId xmlns:a16="http://schemas.microsoft.com/office/drawing/2014/main" val="1312990092"/>
+                    <a16:rowId xmlns:a16="http://schemas.microsoft.com/office/drawing/2014/main" xmlns="" val="1312990092"/>
                   </a:ext>
                 </a:extLst>
               </a:tr>
@@ -5484,7 +8430,7 @@
                 </a:tc>
                 <a:extLst>
                   <a:ext uri="{0D108BD9-81ED-4DB2-BD59-A6C34878D82A}">
-                    <a16:rowId xmlns:a16="http://schemas.microsoft.com/office/drawing/2014/main" val="1465538356"/>
+                    <a16:rowId xmlns:a16="http://schemas.microsoft.com/office/drawing/2014/main" xmlns="" val="1465538356"/>
                   </a:ext>
                 </a:extLst>
               </a:tr>
@@ -5571,7 +8517,7 @@
                 </a:tc>
                 <a:extLst>
                   <a:ext uri="{0D108BD9-81ED-4DB2-BD59-A6C34878D82A}">
-                    <a16:rowId xmlns:a16="http://schemas.microsoft.com/office/drawing/2014/main" val="1615912680"/>
+                    <a16:rowId xmlns:a16="http://schemas.microsoft.com/office/drawing/2014/main" xmlns="" val="1615912680"/>
                   </a:ext>
                 </a:extLst>
               </a:tr>
@@ -5658,7 +8604,7 @@
                 </a:tc>
                 <a:extLst>
                   <a:ext uri="{0D108BD9-81ED-4DB2-BD59-A6C34878D82A}">
-                    <a16:rowId xmlns:a16="http://schemas.microsoft.com/office/drawing/2014/main" val="582783737"/>
+                    <a16:rowId xmlns:a16="http://schemas.microsoft.com/office/drawing/2014/main" xmlns="" val="582783737"/>
                   </a:ext>
                 </a:extLst>
               </a:tr>
@@ -5814,7 +8760,7 @@
 </p:sld>
 </file>
 
-<file path=ppt/slides/slide23.xml><?xml version="1.0" encoding="utf-8"?>
+<file path=ppt/slides/slide28.xml><?xml version="1.0" encoding="utf-8"?>
 <p:sld xmlns:a="http://schemas.openxmlformats.org/drawingml/2006/main" xmlns:r="http://schemas.openxmlformats.org/officeDocument/2006/relationships" xmlns:p="http://schemas.openxmlformats.org/presentationml/2006/main">
   <p:cSld>
     <p:spTree>
@@ -5920,7 +8866,7 @@
 </p:sld>
 </file>
 
-<file path=ppt/slides/slide24.xml><?xml version="1.0" encoding="utf-8"?>
+<file path=ppt/slides/slide29.xml><?xml version="1.0" encoding="utf-8"?>
 <p:sld xmlns:a="http://schemas.openxmlformats.org/drawingml/2006/main" xmlns:r="http://schemas.openxmlformats.org/officeDocument/2006/relationships" xmlns:p="http://schemas.openxmlformats.org/presentationml/2006/main">
   <p:cSld>
     <p:spTree>
@@ -6021,164 +8967,6 @@
     <p:extLst>
       <p:ext uri="{BB962C8B-B14F-4D97-AF65-F5344CB8AC3E}">
         <p14:creationId xmlns:p14="http://schemas.microsoft.com/office/powerpoint/2010/main" val="69955343"/>
-      </p:ext>
-    </p:extLst>
-  </p:cSld>
-  <p:clrMapOvr>
-    <a:masterClrMapping/>
-  </p:clrMapOvr>
-</p:sld>
-</file>
-
-<file path=ppt/slides/slide25.xml><?xml version="1.0" encoding="utf-8"?>
-<p:sld xmlns:a="http://schemas.openxmlformats.org/drawingml/2006/main" xmlns:r="http://schemas.openxmlformats.org/officeDocument/2006/relationships" xmlns:p="http://schemas.openxmlformats.org/presentationml/2006/main">
-  <p:cSld>
-    <p:spTree>
-      <p:nvGrpSpPr>
-        <p:cNvPr id="1" name=""/>
-        <p:cNvGrpSpPr/>
-        <p:nvPr/>
-      </p:nvGrpSpPr>
-      <p:grpSpPr>
-        <a:xfrm>
-          <a:off x="0" y="0"/>
-          <a:ext cx="0" cy="0"/>
-          <a:chOff x="0" y="0"/>
-          <a:chExt cx="0" cy="0"/>
-        </a:xfrm>
-      </p:grpSpPr>
-      <p:sp>
-        <p:nvSpPr>
-          <p:cNvPr id="2" name="Title 1"/>
-          <p:cNvSpPr>
-            <a:spLocks noGrp="1"/>
-          </p:cNvSpPr>
-          <p:nvPr>
-            <p:ph type="title"/>
-          </p:nvPr>
-        </p:nvSpPr>
-        <p:spPr/>
-        <p:txBody>
-          <a:bodyPr/>
-          <a:lstStyle/>
-          <a:p>
-            <a:r>
-              <a:rPr lang="en-US" dirty="0" smtClean="0"/>
-              <a:t>Data product idea</a:t>
-            </a:r>
-            <a:endParaRPr lang="en-US" dirty="0"/>
-          </a:p>
-        </p:txBody>
-      </p:sp>
-      <p:sp>
-        <p:nvSpPr>
-          <p:cNvPr id="3" name="Content Placeholder 2"/>
-          <p:cNvSpPr>
-            <a:spLocks noGrp="1"/>
-          </p:cNvSpPr>
-          <p:nvPr>
-            <p:ph idx="1"/>
-          </p:nvPr>
-        </p:nvSpPr>
-        <p:spPr/>
-        <p:txBody>
-          <a:bodyPr>
-            <a:normAutofit fontScale="92500" lnSpcReduction="10000"/>
-          </a:bodyPr>
-          <a:lstStyle/>
-          <a:p>
-            <a:r>
-              <a:rPr lang="en-US" dirty="0" smtClean="0"/>
-              <a:t>Set up website with simple interface</a:t>
-            </a:r>
-          </a:p>
-          <a:p>
-            <a:pPr lvl="1"/>
-            <a:r>
-              <a:rPr lang="en-US" dirty="0" smtClean="0"/>
-              <a:t>Title</a:t>
-            </a:r>
-          </a:p>
-          <a:p>
-            <a:pPr lvl="1"/>
-            <a:r>
-              <a:rPr lang="en-US" dirty="0" smtClean="0"/>
-              <a:t>Short description</a:t>
-            </a:r>
-          </a:p>
-          <a:p>
-            <a:pPr lvl="1"/>
-            <a:r>
-              <a:rPr lang="en-US" dirty="0" smtClean="0"/>
-              <a:t>Two search-based drop-downs to find </a:t>
-            </a:r>
-            <a:r>
-              <a:rPr lang="en-US" dirty="0" err="1" smtClean="0"/>
-              <a:t>pokemon</a:t>
-            </a:r>
-            <a:endParaRPr lang="en-US" dirty="0" smtClean="0"/>
-          </a:p>
-          <a:p>
-            <a:pPr lvl="1"/>
-            <a:r>
-              <a:rPr lang="en-US" dirty="0" smtClean="0"/>
-              <a:t>Can search by ID or by name</a:t>
-            </a:r>
-          </a:p>
-          <a:p>
-            <a:pPr lvl="1"/>
-            <a:r>
-              <a:rPr lang="en-US" dirty="0" smtClean="0"/>
-              <a:t>Button to predict results</a:t>
-            </a:r>
-          </a:p>
-          <a:p>
-            <a:r>
-              <a:rPr lang="en-US" dirty="0" smtClean="0"/>
-              <a:t>Backend is model stored on AWS/Azure as backend (or private server)</a:t>
-            </a:r>
-          </a:p>
-          <a:p>
-            <a:r>
-              <a:rPr lang="en-US" dirty="0" smtClean="0"/>
-              <a:t>Use case:</a:t>
-            </a:r>
-          </a:p>
-          <a:p>
-            <a:pPr lvl="1"/>
-            <a:r>
-              <a:rPr lang="en-US" dirty="0" smtClean="0"/>
-              <a:t>User navigates to site</a:t>
-            </a:r>
-          </a:p>
-          <a:p>
-            <a:pPr lvl="1"/>
-            <a:r>
-              <a:rPr lang="en-US" dirty="0" smtClean="0"/>
-              <a:t>User enters two </a:t>
-            </a:r>
-            <a:r>
-              <a:rPr lang="en-US" dirty="0" err="1" smtClean="0"/>
-              <a:t>pokemon</a:t>
-            </a:r>
-            <a:r>
-              <a:rPr lang="en-US" dirty="0" smtClean="0"/>
-              <a:t>, presses button</a:t>
-            </a:r>
-          </a:p>
-          <a:p>
-            <a:pPr lvl="1"/>
-            <a:r>
-              <a:rPr lang="en-US" dirty="0" smtClean="0"/>
-              <a:t>Predicted winner is shown, along with win confidence</a:t>
-            </a:r>
-          </a:p>
-        </p:txBody>
-      </p:sp>
-    </p:spTree>
-    <p:extLst>
-      <p:ext uri="{BB962C8B-B14F-4D97-AF65-F5344CB8AC3E}">
-        <p14:creationId xmlns:p14="http://schemas.microsoft.com/office/powerpoint/2010/main" val="286507498"/>
       </p:ext>
     </p:extLst>
   </p:cSld>
@@ -6205,6 +8993,36 @@
           <a:chExt cx="0" cy="0"/>
         </a:xfrm>
       </p:grpSpPr>
+      <p:pic>
+        <p:nvPicPr>
+          <p:cNvPr id="10" name="Picture 9"/>
+          <p:cNvPicPr>
+            <a:picLocks noChangeAspect="1"/>
+          </p:cNvPicPr>
+          <p:nvPr/>
+        </p:nvPicPr>
+        <p:blipFill>
+          <a:blip r:embed="rId2" cstate="print">
+            <a:extLst>
+              <a:ext uri="{28A0092B-C50C-407E-A947-70E740481C1C}">
+                <a14:useLocalDpi xmlns:a14="http://schemas.microsoft.com/office/drawing/2010/main" val="0"/>
+              </a:ext>
+            </a:extLst>
+          </a:blip>
+          <a:stretch>
+            <a:fillRect/>
+          </a:stretch>
+        </p:blipFill>
+        <p:spPr>
+          <a:xfrm>
+            <a:off x="5000625" y="2279199"/>
+            <a:ext cx="1828800" cy="3290195"/>
+          </a:xfrm>
+          <a:prstGeom prst="rect">
+            <a:avLst/>
+          </a:prstGeom>
+        </p:spPr>
+      </p:pic>
       <p:sp>
         <p:nvSpPr>
           <p:cNvPr id="2" name="Title 1"/>
@@ -6222,7 +9040,7 @@
           <a:p>
             <a:r>
               <a:rPr lang="en-US" dirty="0" smtClean="0"/>
-              <a:t>Type information</a:t>
+              <a:t>Background</a:t>
             </a:r>
             <a:endParaRPr lang="en-US" dirty="0"/>
           </a:p>
@@ -6230,7 +9048,7 @@
       </p:sp>
       <p:sp>
         <p:nvSpPr>
-          <p:cNvPr id="5" name="Content Placeholder 4"/>
+          <p:cNvPr id="3" name="Content Placeholder 2"/>
           <p:cNvSpPr>
             <a:spLocks noGrp="1"/>
           </p:cNvSpPr>
@@ -6238,12 +9056,427 @@
             <p:ph sz="half" idx="1"/>
           </p:nvPr>
         </p:nvSpPr>
+        <p:spPr/>
+        <p:txBody>
+          <a:bodyPr>
+            <a:normAutofit fontScale="70000" lnSpcReduction="20000"/>
+          </a:bodyPr>
+          <a:lstStyle/>
+          <a:p>
+            <a:r>
+              <a:rPr lang="en-US" dirty="0"/>
+              <a:t>Other games:</a:t>
+            </a:r>
+          </a:p>
+          <a:p>
+            <a:pPr lvl="1"/>
+            <a:r>
+              <a:rPr lang="en-US" dirty="0"/>
+              <a:t>a few spinoffs</a:t>
+            </a:r>
+          </a:p>
+          <a:p>
+            <a:pPr lvl="1"/>
+            <a:r>
+              <a:rPr lang="en-US" dirty="0"/>
+              <a:t>trading card </a:t>
+            </a:r>
+            <a:r>
+              <a:rPr lang="en-US" dirty="0" smtClean="0"/>
+              <a:t>game (25.7B cards sold, ~$5B </a:t>
+            </a:r>
+            <a:r>
+              <a:rPr lang="en-US" dirty="0" err="1" smtClean="0"/>
+              <a:t>est</a:t>
+            </a:r>
+            <a:r>
+              <a:rPr lang="en-US" dirty="0" smtClean="0"/>
+              <a:t> total)</a:t>
+            </a:r>
+          </a:p>
+          <a:p>
+            <a:pPr lvl="1"/>
+            <a:r>
+              <a:rPr lang="en-US" dirty="0" smtClean="0"/>
+              <a:t>mobile augmented reality game ($900M/</a:t>
+            </a:r>
+            <a:r>
+              <a:rPr lang="en-US" dirty="0" err="1" smtClean="0"/>
+              <a:t>yr</a:t>
+            </a:r>
+            <a:r>
+              <a:rPr lang="en-US" dirty="0" smtClean="0"/>
+              <a:t> </a:t>
+            </a:r>
+            <a:r>
+              <a:rPr lang="en-US" dirty="0" err="1" smtClean="0"/>
+              <a:t>avg</a:t>
+            </a:r>
+            <a:r>
+              <a:rPr lang="en-US" dirty="0" smtClean="0"/>
+              <a:t> </a:t>
+            </a:r>
+            <a:r>
+              <a:rPr lang="en-US" dirty="0" err="1" smtClean="0"/>
+              <a:t>est</a:t>
+            </a:r>
+            <a:r>
+              <a:rPr lang="en-US" dirty="0" smtClean="0"/>
+              <a:t>)</a:t>
+            </a:r>
+            <a:endParaRPr lang="en-US" dirty="0"/>
+          </a:p>
+          <a:p>
+            <a:pPr lvl="1"/>
+            <a:r>
+              <a:rPr lang="en-US" dirty="0"/>
+              <a:t>anime series with &gt;900 episodes</a:t>
+            </a:r>
+          </a:p>
+          <a:p>
+            <a:pPr lvl="1"/>
+            <a:r>
+              <a:rPr lang="en-US" dirty="0"/>
+              <a:t>20 feature length </a:t>
+            </a:r>
+            <a:r>
+              <a:rPr lang="en-US" dirty="0" smtClean="0"/>
+              <a:t>films</a:t>
+            </a:r>
+          </a:p>
+          <a:p>
+            <a:r>
+              <a:rPr lang="en-US" dirty="0" smtClean="0"/>
+              <a:t>Cultural </a:t>
+            </a:r>
+            <a:r>
+              <a:rPr lang="en-US" dirty="0"/>
+              <a:t>impact</a:t>
+            </a:r>
+          </a:p>
+          <a:p>
+            <a:pPr lvl="1"/>
+            <a:r>
+              <a:rPr lang="en-US" dirty="0" smtClean="0"/>
+              <a:t>Merchandise/apparel</a:t>
+            </a:r>
+            <a:endParaRPr lang="en-US" dirty="0"/>
+          </a:p>
+          <a:p>
+            <a:pPr lvl="1"/>
+            <a:r>
+              <a:rPr lang="en-US" dirty="0" smtClean="0"/>
+              <a:t>Catchphrases/Memes</a:t>
+            </a:r>
+            <a:endParaRPr lang="en-US" dirty="0"/>
+          </a:p>
+          <a:p>
+            <a:pPr lvl="1"/>
+            <a:r>
+              <a:rPr lang="en-US" dirty="0" smtClean="0"/>
+              <a:t>Conventions</a:t>
+            </a:r>
+          </a:p>
+          <a:p>
+            <a:pPr lvl="1"/>
+            <a:r>
+              <a:rPr lang="en-US" dirty="0" smtClean="0"/>
+              <a:t>Player vs Player (PVP)</a:t>
+            </a:r>
+          </a:p>
+          <a:p>
+            <a:pPr lvl="1"/>
+            <a:endParaRPr lang="en-US" dirty="0" smtClean="0">
+              <a:solidFill>
+                <a:schemeClr val="bg1"/>
+              </a:solidFill>
+            </a:endParaRPr>
+          </a:p>
+          <a:p>
+            <a:pPr marL="457200" lvl="1" indent="0">
+              <a:buNone/>
+            </a:pPr>
+            <a:endParaRPr lang="en-US" dirty="0" smtClean="0">
+              <a:solidFill>
+                <a:schemeClr val="bg1"/>
+              </a:solidFill>
+            </a:endParaRPr>
+          </a:p>
+          <a:p>
+            <a:pPr lvl="1"/>
+            <a:r>
+              <a:rPr lang="en-US" dirty="0">
+                <a:solidFill>
+                  <a:schemeClr val="bg1"/>
+                </a:solidFill>
+              </a:rPr>
+              <a:t> </a:t>
+            </a:r>
+          </a:p>
+        </p:txBody>
+      </p:sp>
+      <p:sp>
+        <p:nvSpPr>
+          <p:cNvPr id="4" name="Rectangle 3"/>
+          <p:cNvSpPr/>
+          <p:nvPr/>
+        </p:nvSpPr>
         <p:spPr>
           <a:xfrm>
-            <a:off x="628650" y="1825625"/>
-            <a:ext cx="5919932" cy="4351338"/>
+            <a:off x="0" y="5470002"/>
+            <a:ext cx="9144000" cy="1384995"/>
+          </a:xfrm>
+          <a:prstGeom prst="rect">
+            <a:avLst/>
+          </a:prstGeom>
+        </p:spPr>
+        <p:txBody>
+          <a:bodyPr wrap="square" anchor="b">
+            <a:spAutoFit/>
+          </a:bodyPr>
+          <a:lstStyle/>
+          <a:p>
+            <a:r>
+              <a:rPr lang="en-US" sz="1200" dirty="0"/>
+              <a:t>https://</a:t>
+            </a:r>
+            <a:r>
+              <a:rPr lang="en-US" sz="1200" dirty="0" smtClean="0"/>
+              <a:t>en.wikipedia.org/wiki/Pok%C3%A9mon</a:t>
+            </a:r>
+          </a:p>
+          <a:p>
+            <a:r>
+              <a:rPr lang="en-US" sz="1200" dirty="0"/>
+              <a:t>https://en.wikipedia.org/wiki/Pok%C3%A9mon_Trading_Card_Game</a:t>
+            </a:r>
+            <a:endParaRPr lang="en-US" sz="1200" dirty="0" smtClean="0"/>
+          </a:p>
+          <a:p>
+            <a:r>
+              <a:rPr lang="en-US" sz="1200" dirty="0"/>
+              <a:t>https://variety.com/2018/gaming/news/pokemon-go-2-years-1-billion-1202867409</a:t>
+            </a:r>
+            <a:r>
+              <a:rPr lang="en-US" sz="1200" dirty="0" smtClean="0"/>
+              <a:t>/</a:t>
+            </a:r>
+          </a:p>
+          <a:p>
+            <a:r>
+              <a:rPr lang="en-US" sz="1200" dirty="0"/>
+              <a:t>https://</a:t>
+            </a:r>
+            <a:r>
+              <a:rPr lang="en-US" sz="1200" dirty="0" smtClean="0"/>
+              <a:t>en.wikipedia.org/wiki/File:Pokemon_Trading_Card_Game_cardback.jpg TM Nintendo</a:t>
+            </a:r>
+          </a:p>
+          <a:p>
+            <a:r>
+              <a:rPr lang="en-US" sz="1200" dirty="0"/>
+              <a:t>https://</a:t>
+            </a:r>
+            <a:r>
+              <a:rPr lang="en-US" sz="1200" dirty="0" smtClean="0"/>
+              <a:t>commons.wikimedia.org/wiki/File:Pok%C3%A9mon_GO_logo.svg TM Nintendo</a:t>
+            </a:r>
+          </a:p>
+          <a:p>
+            <a:r>
+              <a:rPr lang="en-US" sz="1200" dirty="0"/>
+              <a:t>https://pokemonblog.com/2018/03/08/first-official-english-dub-trailer-for-pokemon-the-series-sun-moon-ultra-adventures</a:t>
+            </a:r>
+            <a:r>
+              <a:rPr lang="en-US" sz="1200" dirty="0" smtClean="0"/>
+              <a:t>/ ©/TM Nintendo</a:t>
+            </a:r>
+          </a:p>
+          <a:p>
+            <a:r>
+              <a:rPr lang="en-US" sz="1200" dirty="0"/>
+              <a:t>https://</a:t>
+            </a:r>
+            <a:r>
+              <a:rPr lang="en-US" sz="1200" dirty="0" smtClean="0"/>
+              <a:t>www.target.com ©Nintendo</a:t>
+            </a:r>
+          </a:p>
+        </p:txBody>
+      </p:sp>
+      <p:pic>
+        <p:nvPicPr>
+          <p:cNvPr id="8" name="Content Placeholder 7"/>
+          <p:cNvPicPr>
+            <a:picLocks noGrp="1" noChangeAspect="1"/>
+          </p:cNvPicPr>
+          <p:nvPr>
+            <p:ph sz="half" idx="2"/>
+          </p:nvPr>
+        </p:nvPicPr>
+        <p:blipFill>
+          <a:blip r:embed="rId3">
+            <a:clrChange>
+              <a:clrFrom>
+                <a:srgbClr val="EFEDF8"/>
+              </a:clrFrom>
+              <a:clrTo>
+                <a:srgbClr val="EFEDF8">
+                  <a:alpha val="0"/>
+                </a:srgbClr>
+              </a:clrTo>
+            </a:clrChange>
+            <a:extLst>
+              <a:ext uri="{28A0092B-C50C-407E-A947-70E740481C1C}">
+                <a14:useLocalDpi xmlns:a14="http://schemas.microsoft.com/office/drawing/2010/main" val="0"/>
+              </a:ext>
+            </a:extLst>
+          </a:blip>
+          <a:stretch>
+            <a:fillRect/>
+          </a:stretch>
+        </p:blipFill>
+        <p:spPr>
+          <a:xfrm>
+            <a:off x="6578395" y="1027907"/>
+            <a:ext cx="1968909" cy="2743200"/>
           </a:xfrm>
         </p:spPr>
+      </p:pic>
+      <p:pic>
+        <p:nvPicPr>
+          <p:cNvPr id="9" name="Picture 8"/>
+          <p:cNvPicPr>
+            <a:picLocks noChangeAspect="1"/>
+          </p:cNvPicPr>
+          <p:nvPr/>
+        </p:nvPicPr>
+        <p:blipFill>
+          <a:blip r:embed="rId4">
+            <a:extLst>
+              <a:ext uri="{28A0092B-C50C-407E-A947-70E740481C1C}">
+                <a14:useLocalDpi xmlns:a14="http://schemas.microsoft.com/office/drawing/2010/main" val="0"/>
+              </a:ext>
+            </a:extLst>
+          </a:blip>
+          <a:stretch>
+            <a:fillRect/>
+          </a:stretch>
+        </p:blipFill>
+        <p:spPr>
+          <a:xfrm>
+            <a:off x="4514850" y="365126"/>
+            <a:ext cx="3048000" cy="1828800"/>
+          </a:xfrm>
+          <a:prstGeom prst="rect">
+            <a:avLst/>
+          </a:prstGeom>
+        </p:spPr>
+      </p:pic>
+      <p:pic>
+        <p:nvPicPr>
+          <p:cNvPr id="11" name="Picture 10"/>
+          <p:cNvPicPr>
+            <a:picLocks noChangeAspect="1"/>
+          </p:cNvPicPr>
+          <p:nvPr/>
+        </p:nvPicPr>
+        <p:blipFill>
+          <a:blip r:embed="rId5">
+            <a:clrChange>
+              <a:clrFrom>
+                <a:srgbClr val="FFFFFF"/>
+              </a:clrFrom>
+              <a:clrTo>
+                <a:srgbClr val="FFFFFF">
+                  <a:alpha val="0"/>
+                </a:srgbClr>
+              </a:clrTo>
+            </a:clrChange>
+            <a:extLst>
+              <a:ext uri="{28A0092B-C50C-407E-A947-70E740481C1C}">
+                <a14:useLocalDpi xmlns:a14="http://schemas.microsoft.com/office/drawing/2010/main" val="0"/>
+              </a:ext>
+            </a:extLst>
+          </a:blip>
+          <a:stretch>
+            <a:fillRect/>
+          </a:stretch>
+        </p:blipFill>
+        <p:spPr>
+          <a:xfrm>
+            <a:off x="6578395" y="3655052"/>
+            <a:ext cx="2057400" cy="2057400"/>
+          </a:xfrm>
+          <a:prstGeom prst="rect">
+            <a:avLst/>
+          </a:prstGeom>
+        </p:spPr>
+      </p:pic>
+    </p:spTree>
+    <p:extLst>
+      <p:ext uri="{BB962C8B-B14F-4D97-AF65-F5344CB8AC3E}">
+        <p14:creationId xmlns:p14="http://schemas.microsoft.com/office/powerpoint/2010/main" val="3327325823"/>
+      </p:ext>
+    </p:extLst>
+  </p:cSld>
+  <p:clrMapOvr>
+    <a:masterClrMapping/>
+  </p:clrMapOvr>
+</p:sld>
+</file>
+
+<file path=ppt/slides/slide30.xml><?xml version="1.0" encoding="utf-8"?>
+<p:sld xmlns:a="http://schemas.openxmlformats.org/drawingml/2006/main" xmlns:r="http://schemas.openxmlformats.org/officeDocument/2006/relationships" xmlns:p="http://schemas.openxmlformats.org/presentationml/2006/main">
+  <p:cSld>
+    <p:spTree>
+      <p:nvGrpSpPr>
+        <p:cNvPr id="1" name=""/>
+        <p:cNvGrpSpPr/>
+        <p:nvPr/>
+      </p:nvGrpSpPr>
+      <p:grpSpPr>
+        <a:xfrm>
+          <a:off x="0" y="0"/>
+          <a:ext cx="0" cy="0"/>
+          <a:chOff x="0" y="0"/>
+          <a:chExt cx="0" cy="0"/>
+        </a:xfrm>
+      </p:grpSpPr>
+      <p:sp>
+        <p:nvSpPr>
+          <p:cNvPr id="2" name="Title 1"/>
+          <p:cNvSpPr>
+            <a:spLocks noGrp="1"/>
+          </p:cNvSpPr>
+          <p:nvPr>
+            <p:ph type="title"/>
+          </p:nvPr>
+        </p:nvSpPr>
+        <p:spPr/>
+        <p:txBody>
+          <a:bodyPr/>
+          <a:lstStyle/>
+          <a:p>
+            <a:r>
+              <a:rPr lang="en-US" dirty="0" smtClean="0"/>
+              <a:t>Data product idea</a:t>
+            </a:r>
+            <a:endParaRPr lang="en-US" dirty="0"/>
+          </a:p>
+        </p:txBody>
+      </p:sp>
+      <p:sp>
+        <p:nvSpPr>
+          <p:cNvPr id="3" name="Content Placeholder 2"/>
+          <p:cNvSpPr>
+            <a:spLocks noGrp="1"/>
+          </p:cNvSpPr>
+          <p:nvPr>
+            <p:ph idx="1"/>
+          </p:nvPr>
+        </p:nvSpPr>
+        <p:spPr/>
         <p:txBody>
           <a:bodyPr>
             <a:normAutofit fontScale="92500" lnSpcReduction="10000"/>
@@ -6252,615 +9485,96 @@
           <a:p>
             <a:r>
               <a:rPr lang="en-US" dirty="0" smtClean="0"/>
-              <a:t>There are 18 types, shown at right</a:t>
-            </a:r>
-          </a:p>
-          <a:p>
-            <a:r>
-              <a:rPr lang="en-US" dirty="0" err="1" smtClean="0"/>
-              <a:t>Pokemon</a:t>
-            </a:r>
-            <a:r>
-              <a:rPr lang="en-US" dirty="0" smtClean="0"/>
-              <a:t> have 1 or 2 types</a:t>
-            </a:r>
-          </a:p>
-          <a:p>
-            <a:r>
-              <a:rPr lang="en-US" dirty="0" smtClean="0"/>
-              <a:t>Attacks have 1 type</a:t>
-            </a:r>
-          </a:p>
-          <a:p>
-            <a:r>
-              <a:rPr lang="en-US" dirty="0" smtClean="0"/>
-              <a:t>An attack may be (damage </a:t>
-            </a:r>
-            <a:r>
-              <a:rPr lang="en-US" dirty="0" err="1" smtClean="0"/>
-              <a:t>mult</a:t>
-            </a:r>
-            <a:r>
-              <a:rPr lang="en-US" dirty="0" smtClean="0"/>
-              <a:t>.):</a:t>
+              <a:t>Set up website with simple interface</a:t>
             </a:r>
           </a:p>
           <a:p>
             <a:pPr lvl="1"/>
             <a:r>
               <a:rPr lang="en-US" dirty="0" smtClean="0"/>
-              <a:t>super effective (2x),</a:t>
+              <a:t>Title</a:t>
             </a:r>
           </a:p>
           <a:p>
             <a:pPr lvl="1"/>
             <a:r>
               <a:rPr lang="en-US" dirty="0" smtClean="0"/>
-              <a:t>not-very effective (0.5x),</a:t>
+              <a:t>Short description</a:t>
             </a:r>
           </a:p>
           <a:p>
             <a:pPr lvl="1"/>
             <a:r>
               <a:rPr lang="en-US" dirty="0" smtClean="0"/>
-              <a:t>ineffective (0x),</a:t>
-            </a:r>
-          </a:p>
-          <a:p>
-            <a:pPr lvl="1"/>
-            <a:r>
-              <a:rPr lang="en-US" dirty="0" smtClean="0"/>
-              <a:t>normal (1x)</a:t>
-            </a:r>
-          </a:p>
-          <a:p>
-            <a:r>
-              <a:rPr lang="en-US" dirty="0" smtClean="0"/>
-              <a:t>If a </a:t>
+              <a:t>Two search-based drop-downs to find </a:t>
             </a:r>
             <a:r>
               <a:rPr lang="en-US" dirty="0" err="1" smtClean="0"/>
               <a:t>pokemon</a:t>
             </a:r>
-            <a:r>
-              <a:rPr lang="en-US" dirty="0" smtClean="0"/>
-              <a:t> has 2 types, the effectiveness of the attack is multiplied across both</a:t>
-            </a:r>
+            <a:endParaRPr lang="en-US" dirty="0" smtClean="0"/>
           </a:p>
           <a:p>
             <a:pPr lvl="1"/>
-            <a:endParaRPr lang="en-US" dirty="0"/>
-          </a:p>
-        </p:txBody>
-      </p:sp>
-      <p:graphicFrame>
-        <p:nvGraphicFramePr>
-          <p:cNvPr id="7" name="Content Placeholder 6"/>
-          <p:cNvGraphicFramePr>
-            <a:graphicFrameLocks noGrp="1"/>
-          </p:cNvGraphicFramePr>
-          <p:nvPr>
-            <p:ph sz="half" idx="2"/>
-            <p:extLst>
-              <p:ext uri="{D42A27DB-BD31-4B8C-83A1-F6EECF244321}">
-                <p14:modId xmlns:p14="http://schemas.microsoft.com/office/powerpoint/2010/main" val="1007582613"/>
-              </p:ext>
-            </p:extLst>
-          </p:nvPr>
-        </p:nvGraphicFramePr>
-        <p:xfrm>
-          <a:off x="6818168" y="1825625"/>
-          <a:ext cx="1371600" cy="4011930"/>
-        </p:xfrm>
-        <a:graphic>
-          <a:graphicData uri="http://schemas.openxmlformats.org/drawingml/2006/table">
-            <a:tbl>
-              <a:tblPr bandRow="1">
-                <a:tableStyleId>{5C22544A-7EE6-4342-B048-85BDC9FD1C3A}</a:tableStyleId>
-              </a:tblPr>
-              <a:tblGrid>
-                <a:gridCol w="1371600">
-                  <a:extLst>
-                    <a:ext uri="{9D8B030D-6E8A-4147-A177-3AD203B41FA5}">
-                      <a16:colId xmlns:a16="http://schemas.microsoft.com/office/drawing/2014/main" val="1508021160"/>
-                    </a:ext>
-                  </a:extLst>
-                </a:gridCol>
-              </a:tblGrid>
-              <a:tr h="182880">
-                <a:tc>
-                  <a:txBody>
-                    <a:bodyPr/>
-                    <a:lstStyle/>
-                    <a:p>
-                      <a:pPr algn="ctr" fontAlgn="b"/>
-                      <a:r>
-                        <a:rPr lang="en-US" sz="1400" b="0" i="0" u="none" strike="noStrike" dirty="0">
-                          <a:solidFill>
-                            <a:srgbClr val="000000"/>
-                          </a:solidFill>
-                          <a:effectLst/>
-                          <a:latin typeface="Calibri" panose="020F0502020204030204" pitchFamily="34" charset="0"/>
-                        </a:rPr>
-                        <a:t>Bug</a:t>
-                      </a:r>
-                    </a:p>
-                  </a:txBody>
-                  <a:tcPr marL="9525" marR="9525" marT="9525" marB="0" anchor="ctr"/>
-                </a:tc>
-                <a:extLst>
-                  <a:ext uri="{0D108BD9-81ED-4DB2-BD59-A6C34878D82A}">
-                    <a16:rowId xmlns:a16="http://schemas.microsoft.com/office/drawing/2014/main" val="902281750"/>
-                  </a:ext>
-                </a:extLst>
-              </a:tr>
-              <a:tr h="182880">
-                <a:tc>
-                  <a:txBody>
-                    <a:bodyPr/>
-                    <a:lstStyle/>
-                    <a:p>
-                      <a:pPr algn="ctr" fontAlgn="b"/>
-                      <a:r>
-                        <a:rPr lang="en-US" sz="1400" b="0" i="0" u="none" strike="noStrike" dirty="0">
-                          <a:solidFill>
-                            <a:srgbClr val="000000"/>
-                          </a:solidFill>
-                          <a:effectLst/>
-                          <a:latin typeface="Calibri" panose="020F0502020204030204" pitchFamily="34" charset="0"/>
-                        </a:rPr>
-                        <a:t>Dark</a:t>
-                      </a:r>
-                    </a:p>
-                  </a:txBody>
-                  <a:tcPr marL="9525" marR="9525" marT="9525" marB="0" anchor="ctr"/>
-                </a:tc>
-                <a:extLst>
-                  <a:ext uri="{0D108BD9-81ED-4DB2-BD59-A6C34878D82A}">
-                    <a16:rowId xmlns:a16="http://schemas.microsoft.com/office/drawing/2014/main" val="1548008188"/>
-                  </a:ext>
-                </a:extLst>
-              </a:tr>
-              <a:tr h="182880">
-                <a:tc>
-                  <a:txBody>
-                    <a:bodyPr/>
-                    <a:lstStyle/>
-                    <a:p>
-                      <a:pPr algn="ctr" fontAlgn="b"/>
-                      <a:r>
-                        <a:rPr lang="en-US" sz="1400" b="0" i="0" u="none" strike="noStrike" dirty="0">
-                          <a:solidFill>
-                            <a:srgbClr val="000000"/>
-                          </a:solidFill>
-                          <a:effectLst/>
-                          <a:latin typeface="Calibri" panose="020F0502020204030204" pitchFamily="34" charset="0"/>
-                        </a:rPr>
-                        <a:t>Dragon</a:t>
-                      </a:r>
-                    </a:p>
-                  </a:txBody>
-                  <a:tcPr marL="9525" marR="9525" marT="9525" marB="0" anchor="ctr"/>
-                </a:tc>
-                <a:extLst>
-                  <a:ext uri="{0D108BD9-81ED-4DB2-BD59-A6C34878D82A}">
-                    <a16:rowId xmlns:a16="http://schemas.microsoft.com/office/drawing/2014/main" val="2013203969"/>
-                  </a:ext>
-                </a:extLst>
-              </a:tr>
-              <a:tr h="182880">
-                <a:tc>
-                  <a:txBody>
-                    <a:bodyPr/>
-                    <a:lstStyle/>
-                    <a:p>
-                      <a:pPr algn="ctr" fontAlgn="b"/>
-                      <a:r>
-                        <a:rPr lang="en-US" sz="1400" b="0" i="0" u="none" strike="noStrike" dirty="0">
-                          <a:solidFill>
-                            <a:srgbClr val="000000"/>
-                          </a:solidFill>
-                          <a:effectLst/>
-                          <a:latin typeface="Calibri" panose="020F0502020204030204" pitchFamily="34" charset="0"/>
-                        </a:rPr>
-                        <a:t>Electric</a:t>
-                      </a:r>
-                    </a:p>
-                  </a:txBody>
-                  <a:tcPr marL="9525" marR="9525" marT="9525" marB="0" anchor="ctr"/>
-                </a:tc>
-                <a:extLst>
-                  <a:ext uri="{0D108BD9-81ED-4DB2-BD59-A6C34878D82A}">
-                    <a16:rowId xmlns:a16="http://schemas.microsoft.com/office/drawing/2014/main" val="592357308"/>
-                  </a:ext>
-                </a:extLst>
-              </a:tr>
-              <a:tr h="182880">
-                <a:tc>
-                  <a:txBody>
-                    <a:bodyPr/>
-                    <a:lstStyle/>
-                    <a:p>
-                      <a:pPr algn="ctr" fontAlgn="b"/>
-                      <a:r>
-                        <a:rPr lang="en-US" sz="1400" b="0" i="0" u="none" strike="noStrike" dirty="0">
-                          <a:solidFill>
-                            <a:srgbClr val="000000"/>
-                          </a:solidFill>
-                          <a:effectLst/>
-                          <a:latin typeface="Calibri" panose="020F0502020204030204" pitchFamily="34" charset="0"/>
-                        </a:rPr>
-                        <a:t>Fairy</a:t>
-                      </a:r>
-                    </a:p>
-                  </a:txBody>
-                  <a:tcPr marL="9525" marR="9525" marT="9525" marB="0" anchor="ctr"/>
-                </a:tc>
-                <a:extLst>
-                  <a:ext uri="{0D108BD9-81ED-4DB2-BD59-A6C34878D82A}">
-                    <a16:rowId xmlns:a16="http://schemas.microsoft.com/office/drawing/2014/main" val="426122790"/>
-                  </a:ext>
-                </a:extLst>
-              </a:tr>
-              <a:tr h="182880">
-                <a:tc>
-                  <a:txBody>
-                    <a:bodyPr/>
-                    <a:lstStyle/>
-                    <a:p>
-                      <a:pPr algn="ctr" fontAlgn="b"/>
-                      <a:r>
-                        <a:rPr lang="en-US" sz="1400" b="0" i="0" u="none" strike="noStrike" dirty="0">
-                          <a:solidFill>
-                            <a:srgbClr val="000000"/>
-                          </a:solidFill>
-                          <a:effectLst/>
-                          <a:latin typeface="Calibri" panose="020F0502020204030204" pitchFamily="34" charset="0"/>
-                        </a:rPr>
-                        <a:t>Fighting</a:t>
-                      </a:r>
-                    </a:p>
-                  </a:txBody>
-                  <a:tcPr marL="9525" marR="9525" marT="9525" marB="0" anchor="ctr"/>
-                </a:tc>
-                <a:extLst>
-                  <a:ext uri="{0D108BD9-81ED-4DB2-BD59-A6C34878D82A}">
-                    <a16:rowId xmlns:a16="http://schemas.microsoft.com/office/drawing/2014/main" val="1692344899"/>
-                  </a:ext>
-                </a:extLst>
-              </a:tr>
-              <a:tr h="182880">
-                <a:tc>
-                  <a:txBody>
-                    <a:bodyPr/>
-                    <a:lstStyle/>
-                    <a:p>
-                      <a:pPr algn="ctr" fontAlgn="b"/>
-                      <a:r>
-                        <a:rPr lang="en-US" sz="1400" b="0" i="0" u="none" strike="noStrike" dirty="0">
-                          <a:solidFill>
-                            <a:srgbClr val="000000"/>
-                          </a:solidFill>
-                          <a:effectLst/>
-                          <a:latin typeface="Calibri" panose="020F0502020204030204" pitchFamily="34" charset="0"/>
-                        </a:rPr>
-                        <a:t>Fire</a:t>
-                      </a:r>
-                    </a:p>
-                  </a:txBody>
-                  <a:tcPr marL="9525" marR="9525" marT="9525" marB="0" anchor="ctr"/>
-                </a:tc>
-                <a:extLst>
-                  <a:ext uri="{0D108BD9-81ED-4DB2-BD59-A6C34878D82A}">
-                    <a16:rowId xmlns:a16="http://schemas.microsoft.com/office/drawing/2014/main" val="1831802884"/>
-                  </a:ext>
-                </a:extLst>
-              </a:tr>
-              <a:tr h="182880">
-                <a:tc>
-                  <a:txBody>
-                    <a:bodyPr/>
-                    <a:lstStyle/>
-                    <a:p>
-                      <a:pPr algn="ctr" fontAlgn="b"/>
-                      <a:r>
-                        <a:rPr lang="en-US" sz="1400" b="0" i="0" u="none" strike="noStrike" dirty="0">
-                          <a:solidFill>
-                            <a:srgbClr val="000000"/>
-                          </a:solidFill>
-                          <a:effectLst/>
-                          <a:latin typeface="Calibri" panose="020F0502020204030204" pitchFamily="34" charset="0"/>
-                        </a:rPr>
-                        <a:t>Flying</a:t>
-                      </a:r>
-                    </a:p>
-                  </a:txBody>
-                  <a:tcPr marL="9525" marR="9525" marT="9525" marB="0" anchor="ctr"/>
-                </a:tc>
-                <a:extLst>
-                  <a:ext uri="{0D108BD9-81ED-4DB2-BD59-A6C34878D82A}">
-                    <a16:rowId xmlns:a16="http://schemas.microsoft.com/office/drawing/2014/main" val="2788080636"/>
-                  </a:ext>
-                </a:extLst>
-              </a:tr>
-              <a:tr h="182880">
-                <a:tc>
-                  <a:txBody>
-                    <a:bodyPr/>
-                    <a:lstStyle/>
-                    <a:p>
-                      <a:pPr algn="ctr" fontAlgn="b"/>
-                      <a:r>
-                        <a:rPr lang="en-US" sz="1400" b="0" i="0" u="none" strike="noStrike" dirty="0">
-                          <a:solidFill>
-                            <a:srgbClr val="000000"/>
-                          </a:solidFill>
-                          <a:effectLst/>
-                          <a:latin typeface="Calibri" panose="020F0502020204030204" pitchFamily="34" charset="0"/>
-                        </a:rPr>
-                        <a:t>Ghost</a:t>
-                      </a:r>
-                    </a:p>
-                  </a:txBody>
-                  <a:tcPr marL="9525" marR="9525" marT="9525" marB="0" anchor="ctr"/>
-                </a:tc>
-                <a:extLst>
-                  <a:ext uri="{0D108BD9-81ED-4DB2-BD59-A6C34878D82A}">
-                    <a16:rowId xmlns:a16="http://schemas.microsoft.com/office/drawing/2014/main" val="2212016039"/>
-                  </a:ext>
-                </a:extLst>
-              </a:tr>
-              <a:tr h="182880">
-                <a:tc>
-                  <a:txBody>
-                    <a:bodyPr/>
-                    <a:lstStyle/>
-                    <a:p>
-                      <a:pPr algn="ctr" fontAlgn="b"/>
-                      <a:r>
-                        <a:rPr lang="en-US" sz="1400" b="0" i="0" u="none" strike="noStrike" dirty="0">
-                          <a:solidFill>
-                            <a:srgbClr val="000000"/>
-                          </a:solidFill>
-                          <a:effectLst/>
-                          <a:latin typeface="Calibri" panose="020F0502020204030204" pitchFamily="34" charset="0"/>
-                        </a:rPr>
-                        <a:t>Grass</a:t>
-                      </a:r>
-                    </a:p>
-                  </a:txBody>
-                  <a:tcPr marL="9525" marR="9525" marT="9525" marB="0" anchor="ctr"/>
-                </a:tc>
-                <a:extLst>
-                  <a:ext uri="{0D108BD9-81ED-4DB2-BD59-A6C34878D82A}">
-                    <a16:rowId xmlns:a16="http://schemas.microsoft.com/office/drawing/2014/main" val="4181232027"/>
-                  </a:ext>
-                </a:extLst>
-              </a:tr>
-              <a:tr h="182880">
-                <a:tc>
-                  <a:txBody>
-                    <a:bodyPr/>
-                    <a:lstStyle/>
-                    <a:p>
-                      <a:pPr algn="ctr" fontAlgn="b"/>
-                      <a:r>
-                        <a:rPr lang="en-US" sz="1400" b="0" i="0" u="none" strike="noStrike" dirty="0">
-                          <a:solidFill>
-                            <a:srgbClr val="000000"/>
-                          </a:solidFill>
-                          <a:effectLst/>
-                          <a:latin typeface="Calibri" panose="020F0502020204030204" pitchFamily="34" charset="0"/>
-                        </a:rPr>
-                        <a:t>Ground</a:t>
-                      </a:r>
-                    </a:p>
-                  </a:txBody>
-                  <a:tcPr marL="9525" marR="9525" marT="9525" marB="0" anchor="ctr"/>
-                </a:tc>
-                <a:extLst>
-                  <a:ext uri="{0D108BD9-81ED-4DB2-BD59-A6C34878D82A}">
-                    <a16:rowId xmlns:a16="http://schemas.microsoft.com/office/drawing/2014/main" val="2665321544"/>
-                  </a:ext>
-                </a:extLst>
-              </a:tr>
-              <a:tr h="182880">
-                <a:tc>
-                  <a:txBody>
-                    <a:bodyPr/>
-                    <a:lstStyle/>
-                    <a:p>
-                      <a:pPr algn="ctr" fontAlgn="b"/>
-                      <a:r>
-                        <a:rPr lang="en-US" sz="1400" b="0" i="0" u="none" strike="noStrike" dirty="0">
-                          <a:solidFill>
-                            <a:srgbClr val="000000"/>
-                          </a:solidFill>
-                          <a:effectLst/>
-                          <a:latin typeface="Calibri" panose="020F0502020204030204" pitchFamily="34" charset="0"/>
-                        </a:rPr>
-                        <a:t>Ice</a:t>
-                      </a:r>
-                    </a:p>
-                  </a:txBody>
-                  <a:tcPr marL="9525" marR="9525" marT="9525" marB="0" anchor="ctr"/>
-                </a:tc>
-                <a:extLst>
-                  <a:ext uri="{0D108BD9-81ED-4DB2-BD59-A6C34878D82A}">
-                    <a16:rowId xmlns:a16="http://schemas.microsoft.com/office/drawing/2014/main" val="1720650760"/>
-                  </a:ext>
-                </a:extLst>
-              </a:tr>
-              <a:tr h="182880">
-                <a:tc>
-                  <a:txBody>
-                    <a:bodyPr/>
-                    <a:lstStyle/>
-                    <a:p>
-                      <a:pPr algn="ctr" fontAlgn="b"/>
-                      <a:r>
-                        <a:rPr lang="en-US" sz="1400" b="0" i="0" u="none" strike="noStrike" dirty="0">
-                          <a:solidFill>
-                            <a:srgbClr val="000000"/>
-                          </a:solidFill>
-                          <a:effectLst/>
-                          <a:latin typeface="Calibri" panose="020F0502020204030204" pitchFamily="34" charset="0"/>
-                        </a:rPr>
-                        <a:t>Normal</a:t>
-                      </a:r>
-                    </a:p>
-                  </a:txBody>
-                  <a:tcPr marL="9525" marR="9525" marT="9525" marB="0" anchor="ctr"/>
-                </a:tc>
-                <a:extLst>
-                  <a:ext uri="{0D108BD9-81ED-4DB2-BD59-A6C34878D82A}">
-                    <a16:rowId xmlns:a16="http://schemas.microsoft.com/office/drawing/2014/main" val="4012861160"/>
-                  </a:ext>
-                </a:extLst>
-              </a:tr>
-              <a:tr h="182880">
-                <a:tc>
-                  <a:txBody>
-                    <a:bodyPr/>
-                    <a:lstStyle/>
-                    <a:p>
-                      <a:pPr algn="ctr" fontAlgn="b"/>
-                      <a:r>
-                        <a:rPr lang="en-US" sz="1400" b="0" i="0" u="none" strike="noStrike" dirty="0">
-                          <a:solidFill>
-                            <a:srgbClr val="000000"/>
-                          </a:solidFill>
-                          <a:effectLst/>
-                          <a:latin typeface="Calibri" panose="020F0502020204030204" pitchFamily="34" charset="0"/>
-                        </a:rPr>
-                        <a:t>Poison</a:t>
-                      </a:r>
-                    </a:p>
-                  </a:txBody>
-                  <a:tcPr marL="9525" marR="9525" marT="9525" marB="0" anchor="ctr"/>
-                </a:tc>
-                <a:extLst>
-                  <a:ext uri="{0D108BD9-81ED-4DB2-BD59-A6C34878D82A}">
-                    <a16:rowId xmlns:a16="http://schemas.microsoft.com/office/drawing/2014/main" val="1621257197"/>
-                  </a:ext>
-                </a:extLst>
-              </a:tr>
-              <a:tr h="182880">
-                <a:tc>
-                  <a:txBody>
-                    <a:bodyPr/>
-                    <a:lstStyle/>
-                    <a:p>
-                      <a:pPr algn="ctr" fontAlgn="b"/>
-                      <a:r>
-                        <a:rPr lang="en-US" sz="1400" b="0" i="0" u="none" strike="noStrike" dirty="0">
-                          <a:solidFill>
-                            <a:srgbClr val="000000"/>
-                          </a:solidFill>
-                          <a:effectLst/>
-                          <a:latin typeface="Calibri" panose="020F0502020204030204" pitchFamily="34" charset="0"/>
-                        </a:rPr>
-                        <a:t>Psychic</a:t>
-                      </a:r>
-                    </a:p>
-                  </a:txBody>
-                  <a:tcPr marL="9525" marR="9525" marT="9525" marB="0" anchor="ctr"/>
-                </a:tc>
-                <a:extLst>
-                  <a:ext uri="{0D108BD9-81ED-4DB2-BD59-A6C34878D82A}">
-                    <a16:rowId xmlns:a16="http://schemas.microsoft.com/office/drawing/2014/main" val="2047264261"/>
-                  </a:ext>
-                </a:extLst>
-              </a:tr>
-              <a:tr h="182880">
-                <a:tc>
-                  <a:txBody>
-                    <a:bodyPr/>
-                    <a:lstStyle/>
-                    <a:p>
-                      <a:pPr algn="ctr" fontAlgn="b"/>
-                      <a:r>
-                        <a:rPr lang="en-US" sz="1400" b="0" i="0" u="none" strike="noStrike" dirty="0">
-                          <a:solidFill>
-                            <a:srgbClr val="000000"/>
-                          </a:solidFill>
-                          <a:effectLst/>
-                          <a:latin typeface="Calibri" panose="020F0502020204030204" pitchFamily="34" charset="0"/>
-                        </a:rPr>
-                        <a:t>Rock</a:t>
-                      </a:r>
-                    </a:p>
-                  </a:txBody>
-                  <a:tcPr marL="9525" marR="9525" marT="9525" marB="0" anchor="ctr"/>
-                </a:tc>
-                <a:extLst>
-                  <a:ext uri="{0D108BD9-81ED-4DB2-BD59-A6C34878D82A}">
-                    <a16:rowId xmlns:a16="http://schemas.microsoft.com/office/drawing/2014/main" val="2549974644"/>
-                  </a:ext>
-                </a:extLst>
-              </a:tr>
-              <a:tr h="182880">
-                <a:tc>
-                  <a:txBody>
-                    <a:bodyPr/>
-                    <a:lstStyle/>
-                    <a:p>
-                      <a:pPr algn="ctr" fontAlgn="b"/>
-                      <a:r>
-                        <a:rPr lang="en-US" sz="1400" b="0" i="0" u="none" strike="noStrike" dirty="0">
-                          <a:solidFill>
-                            <a:srgbClr val="000000"/>
-                          </a:solidFill>
-                          <a:effectLst/>
-                          <a:latin typeface="Calibri" panose="020F0502020204030204" pitchFamily="34" charset="0"/>
-                        </a:rPr>
-                        <a:t>Steel</a:t>
-                      </a:r>
-                    </a:p>
-                  </a:txBody>
-                  <a:tcPr marL="9525" marR="9525" marT="9525" marB="0" anchor="ctr"/>
-                </a:tc>
-                <a:extLst>
-                  <a:ext uri="{0D108BD9-81ED-4DB2-BD59-A6C34878D82A}">
-                    <a16:rowId xmlns:a16="http://schemas.microsoft.com/office/drawing/2014/main" val="190139407"/>
-                  </a:ext>
-                </a:extLst>
-              </a:tr>
-              <a:tr h="182880">
-                <a:tc>
-                  <a:txBody>
-                    <a:bodyPr/>
-                    <a:lstStyle/>
-                    <a:p>
-                      <a:pPr algn="ctr" fontAlgn="b"/>
-                      <a:r>
-                        <a:rPr lang="en-US" sz="1400" b="0" i="0" u="none" strike="noStrike" dirty="0">
-                          <a:solidFill>
-                            <a:srgbClr val="000000"/>
-                          </a:solidFill>
-                          <a:effectLst/>
-                          <a:latin typeface="Calibri" panose="020F0502020204030204" pitchFamily="34" charset="0"/>
-                        </a:rPr>
-                        <a:t>Water</a:t>
-                      </a:r>
-                    </a:p>
-                  </a:txBody>
-                  <a:tcPr marL="9525" marR="9525" marT="9525" marB="0" anchor="ctr"/>
-                </a:tc>
-                <a:extLst>
-                  <a:ext uri="{0D108BD9-81ED-4DB2-BD59-A6C34878D82A}">
-                    <a16:rowId xmlns:a16="http://schemas.microsoft.com/office/drawing/2014/main" val="884092458"/>
-                  </a:ext>
-                </a:extLst>
-              </a:tr>
-            </a:tbl>
-          </a:graphicData>
-        </a:graphic>
-      </p:graphicFrame>
+            <a:r>
+              <a:rPr lang="en-US" dirty="0" smtClean="0"/>
+              <a:t>Can search by ID or by name</a:t>
+            </a:r>
+          </a:p>
+          <a:p>
+            <a:pPr lvl="1"/>
+            <a:r>
+              <a:rPr lang="en-US" dirty="0" smtClean="0"/>
+              <a:t>Button to predict results</a:t>
+            </a:r>
+          </a:p>
+          <a:p>
+            <a:r>
+              <a:rPr lang="en-US" dirty="0" smtClean="0"/>
+              <a:t>Backend is model stored on AWS/Azure as backend (or private server)</a:t>
+            </a:r>
+          </a:p>
+          <a:p>
+            <a:r>
+              <a:rPr lang="en-US" dirty="0" smtClean="0"/>
+              <a:t>Use case:</a:t>
+            </a:r>
+          </a:p>
+          <a:p>
+            <a:pPr lvl="1"/>
+            <a:r>
+              <a:rPr lang="en-US" dirty="0" smtClean="0"/>
+              <a:t>User navigates to site</a:t>
+            </a:r>
+          </a:p>
+          <a:p>
+            <a:pPr lvl="1"/>
+            <a:r>
+              <a:rPr lang="en-US" dirty="0" smtClean="0"/>
+              <a:t>User enters two </a:t>
+            </a:r>
+            <a:r>
+              <a:rPr lang="en-US" dirty="0" err="1" smtClean="0"/>
+              <a:t>pokemon</a:t>
+            </a:r>
+            <a:r>
+              <a:rPr lang="en-US" dirty="0" smtClean="0"/>
+              <a:t>, presses button</a:t>
+            </a:r>
+          </a:p>
+          <a:p>
+            <a:pPr lvl="1"/>
+            <a:r>
+              <a:rPr lang="en-US" dirty="0" smtClean="0"/>
+              <a:t>Predicted winner is shown, along with win confidence</a:t>
+            </a:r>
+          </a:p>
+        </p:txBody>
+      </p:sp>
     </p:spTree>
     <p:extLst>
       <p:ext uri="{BB962C8B-B14F-4D97-AF65-F5344CB8AC3E}">
-        <p14:creationId xmlns:p14="http://schemas.microsoft.com/office/powerpoint/2010/main" val="3554773991"/>
+        <p14:creationId xmlns:p14="http://schemas.microsoft.com/office/powerpoint/2010/main" val="286507498"/>
       </p:ext>
     </p:extLst>
   </p:cSld>
@@ -6904,66 +9618,77 @@
           <a:p>
             <a:r>
               <a:rPr lang="en-US" dirty="0" smtClean="0"/>
-              <a:t>Type information</a:t>
+              <a:t>The Game</a:t>
             </a:r>
             <a:endParaRPr lang="en-US" dirty="0"/>
           </a:p>
         </p:txBody>
       </p:sp>
-      <p:pic>
-        <p:nvPicPr>
-          <p:cNvPr id="6" name="Content Placeholder 5"/>
-          <p:cNvPicPr>
-            <a:picLocks noGrp="1" noChangeAspect="1"/>
-          </p:cNvPicPr>
+      <p:sp>
+        <p:nvSpPr>
+          <p:cNvPr id="3" name="Content Placeholder 2"/>
+          <p:cNvSpPr>
+            <a:spLocks noGrp="1"/>
+          </p:cNvSpPr>
           <p:nvPr>
             <p:ph idx="1"/>
           </p:nvPr>
-        </p:nvPicPr>
-        <p:blipFill>
-          <a:blip r:embed="rId2">
-            <a:extLst>
-              <a:ext uri="{28A0092B-C50C-407E-A947-70E740481C1C}">
-                <a14:useLocalDpi xmlns:a14="http://schemas.microsoft.com/office/drawing/2010/main" val="0"/>
-              </a:ext>
-            </a:extLst>
-          </a:blip>
-          <a:stretch>
-            <a:fillRect/>
-          </a:stretch>
-        </p:blipFill>
-        <p:spPr>
-          <a:xfrm>
-            <a:off x="1453096" y="1825625"/>
-            <a:ext cx="6237807" cy="4351338"/>
-          </a:xfrm>
-        </p:spPr>
-      </p:pic>
-      <p:sp>
-        <p:nvSpPr>
-          <p:cNvPr id="7" name="TextBox 6"/>
-          <p:cNvSpPr txBox="1"/>
-          <p:nvPr/>
-        </p:nvSpPr>
-        <p:spPr>
-          <a:xfrm>
-            <a:off x="0" y="6488668"/>
-            <a:ext cx="4923977" cy="369332"/>
-          </a:xfrm>
-          <a:prstGeom prst="rect">
-            <a:avLst/>
-          </a:prstGeom>
-          <a:noFill/>
-        </p:spPr>
-        <p:txBody>
-          <a:bodyPr wrap="none" rtlCol="0">
-            <a:spAutoFit/>
+        </p:nvSpPr>
+        <p:spPr/>
+        <p:txBody>
+          <a:bodyPr>
+            <a:normAutofit/>
           </a:bodyPr>
           <a:lstStyle/>
           <a:p>
             <a:r>
+              <a:rPr lang="en-US" dirty="0" smtClean="0"/>
+              <a:t>Central game mechanic: </a:t>
+            </a:r>
+            <a:r>
+              <a:rPr lang="en-US" dirty="0" err="1" smtClean="0"/>
+              <a:t>pokemon</a:t>
+            </a:r>
+            <a:r>
+              <a:rPr lang="en-US" dirty="0" smtClean="0"/>
+              <a:t> v </a:t>
+            </a:r>
+            <a:r>
+              <a:rPr lang="en-US" dirty="0" err="1" smtClean="0"/>
+              <a:t>pokemon</a:t>
+            </a:r>
+            <a:r>
+              <a:rPr lang="en-US" dirty="0" smtClean="0"/>
+              <a:t> battles</a:t>
+            </a:r>
+          </a:p>
+          <a:p>
+            <a:r>
+              <a:rPr lang="en-US" dirty="0" smtClean="0"/>
+              <a:t>A </a:t>
+            </a:r>
+            <a:r>
               <a:rPr lang="en-US" dirty="0"/>
-              <a:t>c/o https://bulbapedia.bulbagarden.net/wiki/Type</a:t>
+              <a:t>battle is won by one side when the opposing side has no usable </a:t>
+            </a:r>
+            <a:r>
+              <a:rPr lang="en-US" dirty="0" err="1" smtClean="0"/>
+              <a:t>pokemon</a:t>
+            </a:r>
+            <a:endParaRPr lang="en-US" dirty="0" smtClean="0"/>
+          </a:p>
+          <a:p>
+            <a:r>
+              <a:rPr lang="en-US" dirty="0" smtClean="0"/>
+              <a:t>Achieved by reducing all opposing </a:t>
+            </a:r>
+            <a:r>
+              <a:rPr lang="en-US" dirty="0" err="1" smtClean="0"/>
+              <a:t>pokemon</a:t>
+            </a:r>
+            <a:r>
+              <a:rPr lang="en-US" dirty="0" smtClean="0"/>
+              <a:t> to 0 HP by attacking</a:t>
             </a:r>
           </a:p>
         </p:txBody>
@@ -6971,7 +9696,7 @@
     </p:spTree>
     <p:extLst>
       <p:ext uri="{BB962C8B-B14F-4D97-AF65-F5344CB8AC3E}">
-        <p14:creationId xmlns:p14="http://schemas.microsoft.com/office/powerpoint/2010/main" val="695503338"/>
+        <p14:creationId xmlns:p14="http://schemas.microsoft.com/office/powerpoint/2010/main" val="311246722"/>
       </p:ext>
     </p:extLst>
   </p:cSld>
@@ -7015,983 +9740,123 @@
           <a:p>
             <a:r>
               <a:rPr lang="en-US" dirty="0" smtClean="0"/>
-              <a:t>Type information</a:t>
+              <a:t>The Game</a:t>
             </a:r>
             <a:endParaRPr lang="en-US" dirty="0"/>
           </a:p>
         </p:txBody>
       </p:sp>
-      <p:graphicFrame>
-        <p:nvGraphicFramePr>
-          <p:cNvPr id="14" name="Content Placeholder 13"/>
-          <p:cNvGraphicFramePr>
-            <a:graphicFrameLocks noGrp="1"/>
-          </p:cNvGraphicFramePr>
-          <p:nvPr>
-            <p:ph sz="half" idx="1"/>
-            <p:extLst>
-              <p:ext uri="{D42A27DB-BD31-4B8C-83A1-F6EECF244321}">
-                <p14:modId xmlns:p14="http://schemas.microsoft.com/office/powerpoint/2010/main" val="1225719557"/>
-              </p:ext>
-            </p:extLst>
-          </p:nvPr>
-        </p:nvGraphicFramePr>
-        <p:xfrm>
-          <a:off x="628650" y="1690689"/>
-          <a:ext cx="2194560" cy="4234815"/>
-        </p:xfrm>
-        <a:graphic>
-          <a:graphicData uri="http://schemas.openxmlformats.org/drawingml/2006/table">
-            <a:tbl>
-              <a:tblPr firstRow="1" bandRow="1">
-                <a:tableStyleId>{5C22544A-7EE6-4342-B048-85BDC9FD1C3A}</a:tableStyleId>
-              </a:tblPr>
-              <a:tblGrid>
-                <a:gridCol w="1097280">
-                  <a:extLst>
-                    <a:ext uri="{9D8B030D-6E8A-4147-A177-3AD203B41FA5}">
-                      <a16:colId xmlns:a16="http://schemas.microsoft.com/office/drawing/2014/main" val="803408358"/>
-                    </a:ext>
-                  </a:extLst>
-                </a:gridCol>
-                <a:gridCol w="1097280">
-                  <a:extLst>
-                    <a:ext uri="{9D8B030D-6E8A-4147-A177-3AD203B41FA5}">
-                      <a16:colId xmlns:a16="http://schemas.microsoft.com/office/drawing/2014/main" val="3273575326"/>
-                    </a:ext>
-                  </a:extLst>
-                </a:gridCol>
-              </a:tblGrid>
-              <a:tr h="182880">
-                <a:tc>
-                  <a:txBody>
-                    <a:bodyPr/>
-                    <a:lstStyle/>
-                    <a:p>
-                      <a:pPr algn="ctr" fontAlgn="b"/>
-                      <a:r>
-                        <a:rPr lang="en-US" sz="1400" b="0" i="0" u="none" strike="noStrike" dirty="0">
-                          <a:solidFill>
-                            <a:srgbClr val="000000"/>
-                          </a:solidFill>
-                          <a:effectLst/>
-                          <a:latin typeface="Calibri" panose="020F0502020204030204" pitchFamily="34" charset="0"/>
-                        </a:rPr>
-                        <a:t>type.1</a:t>
-                      </a:r>
-                    </a:p>
-                  </a:txBody>
-                  <a:tcPr marL="9525" marR="9525" marT="9525" marB="0" anchor="ctr"/>
-                </a:tc>
-                <a:tc>
-                  <a:txBody>
-                    <a:bodyPr/>
-                    <a:lstStyle/>
-                    <a:p>
-                      <a:pPr algn="ctr" fontAlgn="b"/>
-                      <a:r>
-                        <a:rPr lang="en-US" sz="1400" b="0" i="0" u="none" strike="noStrike">
-                          <a:solidFill>
-                            <a:srgbClr val="000000"/>
-                          </a:solidFill>
-                          <a:effectLst/>
-                          <a:latin typeface="Calibri" panose="020F0502020204030204" pitchFamily="34" charset="0"/>
-                        </a:rPr>
-                        <a:t>count</a:t>
-                      </a:r>
-                    </a:p>
-                  </a:txBody>
-                  <a:tcPr marL="9525" marR="9525" marT="9525" marB="0" anchor="ctr"/>
-                </a:tc>
-                <a:extLst>
-                  <a:ext uri="{0D108BD9-81ED-4DB2-BD59-A6C34878D82A}">
-                    <a16:rowId xmlns:a16="http://schemas.microsoft.com/office/drawing/2014/main" val="1031262285"/>
-                  </a:ext>
-                </a:extLst>
-              </a:tr>
-              <a:tr h="182880">
-                <a:tc>
-                  <a:txBody>
-                    <a:bodyPr/>
-                    <a:lstStyle/>
-                    <a:p>
-                      <a:pPr algn="ctr" fontAlgn="b"/>
-                      <a:r>
-                        <a:rPr lang="en-US" sz="1400" b="0" i="0" u="none" strike="noStrike" dirty="0">
-                          <a:solidFill>
-                            <a:srgbClr val="000000"/>
-                          </a:solidFill>
-                          <a:effectLst/>
-                          <a:latin typeface="Calibri" panose="020F0502020204030204" pitchFamily="34" charset="0"/>
-                        </a:rPr>
-                        <a:t>Bug</a:t>
-                      </a:r>
-                    </a:p>
-                  </a:txBody>
-                  <a:tcPr marL="9525" marR="9525" marT="9525" marB="0" anchor="ctr"/>
-                </a:tc>
-                <a:tc>
-                  <a:txBody>
-                    <a:bodyPr/>
-                    <a:lstStyle/>
-                    <a:p>
-                      <a:pPr algn="ctr" fontAlgn="b"/>
-                      <a:r>
-                        <a:rPr lang="en-US" sz="1400" b="0" i="0" u="none" strike="noStrike" dirty="0">
-                          <a:solidFill>
-                            <a:srgbClr val="000000"/>
-                          </a:solidFill>
-                          <a:effectLst/>
-                          <a:latin typeface="Calibri" panose="020F0502020204030204" pitchFamily="34" charset="0"/>
-                        </a:rPr>
-                        <a:t>69</a:t>
-                      </a:r>
-                    </a:p>
-                  </a:txBody>
-                  <a:tcPr marL="9525" marR="9525" marT="9525" marB="0" anchor="ctr"/>
-                </a:tc>
-                <a:extLst>
-                  <a:ext uri="{0D108BD9-81ED-4DB2-BD59-A6C34878D82A}">
-                    <a16:rowId xmlns:a16="http://schemas.microsoft.com/office/drawing/2014/main" val="1837629789"/>
-                  </a:ext>
-                </a:extLst>
-              </a:tr>
-              <a:tr h="182880">
-                <a:tc>
-                  <a:txBody>
-                    <a:bodyPr/>
-                    <a:lstStyle/>
-                    <a:p>
-                      <a:pPr algn="ctr" fontAlgn="b"/>
-                      <a:r>
-                        <a:rPr lang="en-US" sz="1400" b="0" i="0" u="none" strike="noStrike" dirty="0">
-                          <a:solidFill>
-                            <a:srgbClr val="000000"/>
-                          </a:solidFill>
-                          <a:effectLst/>
-                          <a:latin typeface="Calibri" panose="020F0502020204030204" pitchFamily="34" charset="0"/>
-                        </a:rPr>
-                        <a:t>Dark</a:t>
-                      </a:r>
-                    </a:p>
-                  </a:txBody>
-                  <a:tcPr marL="9525" marR="9525" marT="9525" marB="0" anchor="ctr"/>
-                </a:tc>
-                <a:tc>
-                  <a:txBody>
-                    <a:bodyPr/>
-                    <a:lstStyle/>
-                    <a:p>
-                      <a:pPr algn="ctr" fontAlgn="b"/>
-                      <a:r>
-                        <a:rPr lang="en-US" sz="1400" b="0" i="0" u="none" strike="noStrike">
-                          <a:solidFill>
-                            <a:srgbClr val="000000"/>
-                          </a:solidFill>
-                          <a:effectLst/>
-                          <a:latin typeface="Calibri" panose="020F0502020204030204" pitchFamily="34" charset="0"/>
-                        </a:rPr>
-                        <a:t>31</a:t>
-                      </a:r>
-                    </a:p>
-                  </a:txBody>
-                  <a:tcPr marL="9525" marR="9525" marT="9525" marB="0" anchor="ctr"/>
-                </a:tc>
-                <a:extLst>
-                  <a:ext uri="{0D108BD9-81ED-4DB2-BD59-A6C34878D82A}">
-                    <a16:rowId xmlns:a16="http://schemas.microsoft.com/office/drawing/2014/main" val="2815517078"/>
-                  </a:ext>
-                </a:extLst>
-              </a:tr>
-              <a:tr h="182880">
-                <a:tc>
-                  <a:txBody>
-                    <a:bodyPr/>
-                    <a:lstStyle/>
-                    <a:p>
-                      <a:pPr algn="ctr" fontAlgn="b"/>
-                      <a:r>
-                        <a:rPr lang="en-US" sz="1400" b="0" i="0" u="none" strike="noStrike" dirty="0">
-                          <a:solidFill>
-                            <a:srgbClr val="000000"/>
-                          </a:solidFill>
-                          <a:effectLst/>
-                          <a:latin typeface="Calibri" panose="020F0502020204030204" pitchFamily="34" charset="0"/>
-                        </a:rPr>
-                        <a:t>Dragon</a:t>
-                      </a:r>
-                    </a:p>
-                  </a:txBody>
-                  <a:tcPr marL="9525" marR="9525" marT="9525" marB="0" anchor="ctr"/>
-                </a:tc>
-                <a:tc>
-                  <a:txBody>
-                    <a:bodyPr/>
-                    <a:lstStyle/>
-                    <a:p>
-                      <a:pPr algn="ctr" fontAlgn="b"/>
-                      <a:r>
-                        <a:rPr lang="en-US" sz="1400" b="0" i="0" u="none" strike="noStrike">
-                          <a:solidFill>
-                            <a:srgbClr val="000000"/>
-                          </a:solidFill>
-                          <a:effectLst/>
-                          <a:latin typeface="Calibri" panose="020F0502020204030204" pitchFamily="34" charset="0"/>
-                        </a:rPr>
-                        <a:t>32</a:t>
-                      </a:r>
-                    </a:p>
-                  </a:txBody>
-                  <a:tcPr marL="9525" marR="9525" marT="9525" marB="0" anchor="ctr"/>
-                </a:tc>
-                <a:extLst>
-                  <a:ext uri="{0D108BD9-81ED-4DB2-BD59-A6C34878D82A}">
-                    <a16:rowId xmlns:a16="http://schemas.microsoft.com/office/drawing/2014/main" val="3611934528"/>
-                  </a:ext>
-                </a:extLst>
-              </a:tr>
-              <a:tr h="182880">
-                <a:tc>
-                  <a:txBody>
-                    <a:bodyPr/>
-                    <a:lstStyle/>
-                    <a:p>
-                      <a:pPr algn="ctr" fontAlgn="b"/>
-                      <a:r>
-                        <a:rPr lang="en-US" sz="1400" b="0" i="0" u="none" strike="noStrike" dirty="0">
-                          <a:solidFill>
-                            <a:srgbClr val="000000"/>
-                          </a:solidFill>
-                          <a:effectLst/>
-                          <a:latin typeface="Calibri" panose="020F0502020204030204" pitchFamily="34" charset="0"/>
-                        </a:rPr>
-                        <a:t>Electric</a:t>
-                      </a:r>
-                    </a:p>
-                  </a:txBody>
-                  <a:tcPr marL="9525" marR="9525" marT="9525" marB="0" anchor="ctr"/>
-                </a:tc>
-                <a:tc>
-                  <a:txBody>
-                    <a:bodyPr/>
-                    <a:lstStyle/>
-                    <a:p>
-                      <a:pPr algn="ctr" fontAlgn="b"/>
-                      <a:r>
-                        <a:rPr lang="en-US" sz="1400" b="0" i="0" u="none" strike="noStrike">
-                          <a:solidFill>
-                            <a:srgbClr val="000000"/>
-                          </a:solidFill>
-                          <a:effectLst/>
-                          <a:latin typeface="Calibri" panose="020F0502020204030204" pitchFamily="34" charset="0"/>
-                        </a:rPr>
-                        <a:t>44</a:t>
-                      </a:r>
-                    </a:p>
-                  </a:txBody>
-                  <a:tcPr marL="9525" marR="9525" marT="9525" marB="0" anchor="ctr"/>
-                </a:tc>
-                <a:extLst>
-                  <a:ext uri="{0D108BD9-81ED-4DB2-BD59-A6C34878D82A}">
-                    <a16:rowId xmlns:a16="http://schemas.microsoft.com/office/drawing/2014/main" val="2266220768"/>
-                  </a:ext>
-                </a:extLst>
-              </a:tr>
-              <a:tr h="182880">
-                <a:tc>
-                  <a:txBody>
-                    <a:bodyPr/>
-                    <a:lstStyle/>
-                    <a:p>
-                      <a:pPr algn="ctr" fontAlgn="b"/>
-                      <a:r>
-                        <a:rPr lang="en-US" sz="1400" b="0" i="0" u="none" strike="noStrike" dirty="0">
-                          <a:solidFill>
-                            <a:srgbClr val="000000"/>
-                          </a:solidFill>
-                          <a:effectLst/>
-                          <a:latin typeface="Calibri" panose="020F0502020204030204" pitchFamily="34" charset="0"/>
-                        </a:rPr>
-                        <a:t>Fairy</a:t>
-                      </a:r>
-                    </a:p>
-                  </a:txBody>
-                  <a:tcPr marL="9525" marR="9525" marT="9525" marB="0" anchor="ctr"/>
-                </a:tc>
-                <a:tc>
-                  <a:txBody>
-                    <a:bodyPr/>
-                    <a:lstStyle/>
-                    <a:p>
-                      <a:pPr algn="ctr" fontAlgn="b"/>
-                      <a:r>
-                        <a:rPr lang="en-US" sz="1400" b="0" i="0" u="none" strike="noStrike">
-                          <a:solidFill>
-                            <a:srgbClr val="000000"/>
-                          </a:solidFill>
-                          <a:effectLst/>
-                          <a:latin typeface="Calibri" panose="020F0502020204030204" pitchFamily="34" charset="0"/>
-                        </a:rPr>
-                        <a:t>17</a:t>
-                      </a:r>
-                    </a:p>
-                  </a:txBody>
-                  <a:tcPr marL="9525" marR="9525" marT="9525" marB="0" anchor="ctr"/>
-                </a:tc>
-                <a:extLst>
-                  <a:ext uri="{0D108BD9-81ED-4DB2-BD59-A6C34878D82A}">
-                    <a16:rowId xmlns:a16="http://schemas.microsoft.com/office/drawing/2014/main" val="1305622023"/>
-                  </a:ext>
-                </a:extLst>
-              </a:tr>
-              <a:tr h="182880">
-                <a:tc>
-                  <a:txBody>
-                    <a:bodyPr/>
-                    <a:lstStyle/>
-                    <a:p>
-                      <a:pPr algn="ctr" fontAlgn="b"/>
-                      <a:r>
-                        <a:rPr lang="en-US" sz="1400" b="0" i="0" u="none" strike="noStrike" dirty="0">
-                          <a:solidFill>
-                            <a:srgbClr val="000000"/>
-                          </a:solidFill>
-                          <a:effectLst/>
-                          <a:latin typeface="Calibri" panose="020F0502020204030204" pitchFamily="34" charset="0"/>
-                        </a:rPr>
-                        <a:t>Fighting</a:t>
-                      </a:r>
-                    </a:p>
-                  </a:txBody>
-                  <a:tcPr marL="9525" marR="9525" marT="9525" marB="0" anchor="ctr"/>
-                </a:tc>
-                <a:tc>
-                  <a:txBody>
-                    <a:bodyPr/>
-                    <a:lstStyle/>
-                    <a:p>
-                      <a:pPr algn="ctr" fontAlgn="b"/>
-                      <a:r>
-                        <a:rPr lang="en-US" sz="1400" b="0" i="0" u="none" strike="noStrike">
-                          <a:solidFill>
-                            <a:srgbClr val="000000"/>
-                          </a:solidFill>
-                          <a:effectLst/>
-                          <a:latin typeface="Calibri" panose="020F0502020204030204" pitchFamily="34" charset="0"/>
-                        </a:rPr>
-                        <a:t>27</a:t>
-                      </a:r>
-                    </a:p>
-                  </a:txBody>
-                  <a:tcPr marL="9525" marR="9525" marT="9525" marB="0" anchor="ctr"/>
-                </a:tc>
-                <a:extLst>
-                  <a:ext uri="{0D108BD9-81ED-4DB2-BD59-A6C34878D82A}">
-                    <a16:rowId xmlns:a16="http://schemas.microsoft.com/office/drawing/2014/main" val="1549384170"/>
-                  </a:ext>
-                </a:extLst>
-              </a:tr>
-              <a:tr h="182880">
-                <a:tc>
-                  <a:txBody>
-                    <a:bodyPr/>
-                    <a:lstStyle/>
-                    <a:p>
-                      <a:pPr algn="ctr" fontAlgn="b"/>
-                      <a:r>
-                        <a:rPr lang="en-US" sz="1400" b="0" i="0" u="none" strike="noStrike" dirty="0">
-                          <a:solidFill>
-                            <a:srgbClr val="000000"/>
-                          </a:solidFill>
-                          <a:effectLst/>
-                          <a:latin typeface="Calibri" panose="020F0502020204030204" pitchFamily="34" charset="0"/>
-                        </a:rPr>
-                        <a:t>Fire</a:t>
-                      </a:r>
-                    </a:p>
-                  </a:txBody>
-                  <a:tcPr marL="9525" marR="9525" marT="9525" marB="0" anchor="ctr"/>
-                </a:tc>
-                <a:tc>
-                  <a:txBody>
-                    <a:bodyPr/>
-                    <a:lstStyle/>
-                    <a:p>
-                      <a:pPr algn="ctr" fontAlgn="b"/>
-                      <a:r>
-                        <a:rPr lang="en-US" sz="1400" b="0" i="0" u="none" strike="noStrike">
-                          <a:solidFill>
-                            <a:srgbClr val="000000"/>
-                          </a:solidFill>
-                          <a:effectLst/>
-                          <a:latin typeface="Calibri" panose="020F0502020204030204" pitchFamily="34" charset="0"/>
-                        </a:rPr>
-                        <a:t>52</a:t>
-                      </a:r>
-                    </a:p>
-                  </a:txBody>
-                  <a:tcPr marL="9525" marR="9525" marT="9525" marB="0" anchor="ctr"/>
-                </a:tc>
-                <a:extLst>
-                  <a:ext uri="{0D108BD9-81ED-4DB2-BD59-A6C34878D82A}">
-                    <a16:rowId xmlns:a16="http://schemas.microsoft.com/office/drawing/2014/main" val="1029309394"/>
-                  </a:ext>
-                </a:extLst>
-              </a:tr>
-              <a:tr h="182880">
-                <a:tc>
-                  <a:txBody>
-                    <a:bodyPr/>
-                    <a:lstStyle/>
-                    <a:p>
-                      <a:pPr algn="ctr" fontAlgn="b"/>
-                      <a:r>
-                        <a:rPr lang="en-US" sz="1400" b="0" i="0" u="none" strike="noStrike" dirty="0">
-                          <a:solidFill>
-                            <a:srgbClr val="000000"/>
-                          </a:solidFill>
-                          <a:effectLst/>
-                          <a:latin typeface="Calibri" panose="020F0502020204030204" pitchFamily="34" charset="0"/>
-                        </a:rPr>
-                        <a:t>Flying</a:t>
-                      </a:r>
-                    </a:p>
-                  </a:txBody>
-                  <a:tcPr marL="9525" marR="9525" marT="9525" marB="0" anchor="ctr"/>
-                </a:tc>
-                <a:tc>
-                  <a:txBody>
-                    <a:bodyPr/>
-                    <a:lstStyle/>
-                    <a:p>
-                      <a:pPr algn="ctr" fontAlgn="b"/>
-                      <a:r>
-                        <a:rPr lang="en-US" sz="1400" b="0" i="0" u="none" strike="noStrike">
-                          <a:solidFill>
-                            <a:srgbClr val="000000"/>
-                          </a:solidFill>
-                          <a:effectLst/>
-                          <a:latin typeface="Calibri" panose="020F0502020204030204" pitchFamily="34" charset="0"/>
-                        </a:rPr>
-                        <a:t>4</a:t>
-                      </a:r>
-                    </a:p>
-                  </a:txBody>
-                  <a:tcPr marL="9525" marR="9525" marT="9525" marB="0" anchor="ctr"/>
-                </a:tc>
-                <a:extLst>
-                  <a:ext uri="{0D108BD9-81ED-4DB2-BD59-A6C34878D82A}">
-                    <a16:rowId xmlns:a16="http://schemas.microsoft.com/office/drawing/2014/main" val="1542993848"/>
-                  </a:ext>
-                </a:extLst>
-              </a:tr>
-              <a:tr h="182880">
-                <a:tc>
-                  <a:txBody>
-                    <a:bodyPr/>
-                    <a:lstStyle/>
-                    <a:p>
-                      <a:pPr algn="ctr" fontAlgn="b"/>
-                      <a:r>
-                        <a:rPr lang="en-US" sz="1400" b="0" i="0" u="none" strike="noStrike" dirty="0">
-                          <a:solidFill>
-                            <a:srgbClr val="000000"/>
-                          </a:solidFill>
-                          <a:effectLst/>
-                          <a:latin typeface="Calibri" panose="020F0502020204030204" pitchFamily="34" charset="0"/>
-                        </a:rPr>
-                        <a:t>Ghost</a:t>
-                      </a:r>
-                    </a:p>
-                  </a:txBody>
-                  <a:tcPr marL="9525" marR="9525" marT="9525" marB="0" anchor="ctr"/>
-                </a:tc>
-                <a:tc>
-                  <a:txBody>
-                    <a:bodyPr/>
-                    <a:lstStyle/>
-                    <a:p>
-                      <a:pPr algn="ctr" fontAlgn="b"/>
-                      <a:r>
-                        <a:rPr lang="en-US" sz="1400" b="0" i="0" u="none" strike="noStrike">
-                          <a:solidFill>
-                            <a:srgbClr val="000000"/>
-                          </a:solidFill>
-                          <a:effectLst/>
-                          <a:latin typeface="Calibri" panose="020F0502020204030204" pitchFamily="34" charset="0"/>
-                        </a:rPr>
-                        <a:t>32</a:t>
-                      </a:r>
-                    </a:p>
-                  </a:txBody>
-                  <a:tcPr marL="9525" marR="9525" marT="9525" marB="0" anchor="ctr"/>
-                </a:tc>
-                <a:extLst>
-                  <a:ext uri="{0D108BD9-81ED-4DB2-BD59-A6C34878D82A}">
-                    <a16:rowId xmlns:a16="http://schemas.microsoft.com/office/drawing/2014/main" val="1425281418"/>
-                  </a:ext>
-                </a:extLst>
-              </a:tr>
-              <a:tr h="182880">
-                <a:tc>
-                  <a:txBody>
-                    <a:bodyPr/>
-                    <a:lstStyle/>
-                    <a:p>
-                      <a:pPr algn="ctr" fontAlgn="b"/>
-                      <a:r>
-                        <a:rPr lang="en-US" sz="1400" b="0" i="0" u="none" strike="noStrike" dirty="0">
-                          <a:solidFill>
-                            <a:srgbClr val="000000"/>
-                          </a:solidFill>
-                          <a:effectLst/>
-                          <a:latin typeface="Calibri" panose="020F0502020204030204" pitchFamily="34" charset="0"/>
-                        </a:rPr>
-                        <a:t>Grass</a:t>
-                      </a:r>
-                    </a:p>
-                  </a:txBody>
-                  <a:tcPr marL="9525" marR="9525" marT="9525" marB="0" anchor="ctr"/>
-                </a:tc>
-                <a:tc>
-                  <a:txBody>
-                    <a:bodyPr/>
-                    <a:lstStyle/>
-                    <a:p>
-                      <a:pPr algn="ctr" fontAlgn="b"/>
-                      <a:r>
-                        <a:rPr lang="en-US" sz="1400" b="0" i="0" u="none" strike="noStrike">
-                          <a:solidFill>
-                            <a:srgbClr val="000000"/>
-                          </a:solidFill>
-                          <a:effectLst/>
-                          <a:latin typeface="Calibri" panose="020F0502020204030204" pitchFamily="34" charset="0"/>
-                        </a:rPr>
-                        <a:t>70</a:t>
-                      </a:r>
-                    </a:p>
-                  </a:txBody>
-                  <a:tcPr marL="9525" marR="9525" marT="9525" marB="0" anchor="ctr"/>
-                </a:tc>
-                <a:extLst>
-                  <a:ext uri="{0D108BD9-81ED-4DB2-BD59-A6C34878D82A}">
-                    <a16:rowId xmlns:a16="http://schemas.microsoft.com/office/drawing/2014/main" val="134762643"/>
-                  </a:ext>
-                </a:extLst>
-              </a:tr>
-              <a:tr h="182880">
-                <a:tc>
-                  <a:txBody>
-                    <a:bodyPr/>
-                    <a:lstStyle/>
-                    <a:p>
-                      <a:pPr algn="ctr" fontAlgn="b"/>
-                      <a:r>
-                        <a:rPr lang="en-US" sz="1400" b="0" i="0" u="none" strike="noStrike" dirty="0">
-                          <a:solidFill>
-                            <a:srgbClr val="000000"/>
-                          </a:solidFill>
-                          <a:effectLst/>
-                          <a:latin typeface="Calibri" panose="020F0502020204030204" pitchFamily="34" charset="0"/>
-                        </a:rPr>
-                        <a:t>Ground</a:t>
-                      </a:r>
-                    </a:p>
-                  </a:txBody>
-                  <a:tcPr marL="9525" marR="9525" marT="9525" marB="0" anchor="ctr"/>
-                </a:tc>
-                <a:tc>
-                  <a:txBody>
-                    <a:bodyPr/>
-                    <a:lstStyle/>
-                    <a:p>
-                      <a:pPr algn="ctr" fontAlgn="b"/>
-                      <a:r>
-                        <a:rPr lang="en-US" sz="1400" b="0" i="0" u="none" strike="noStrike">
-                          <a:solidFill>
-                            <a:srgbClr val="000000"/>
-                          </a:solidFill>
-                          <a:effectLst/>
-                          <a:latin typeface="Calibri" panose="020F0502020204030204" pitchFamily="34" charset="0"/>
-                        </a:rPr>
-                        <a:t>32</a:t>
-                      </a:r>
-                    </a:p>
-                  </a:txBody>
-                  <a:tcPr marL="9525" marR="9525" marT="9525" marB="0" anchor="ctr"/>
-                </a:tc>
-                <a:extLst>
-                  <a:ext uri="{0D108BD9-81ED-4DB2-BD59-A6C34878D82A}">
-                    <a16:rowId xmlns:a16="http://schemas.microsoft.com/office/drawing/2014/main" val="1611391232"/>
-                  </a:ext>
-                </a:extLst>
-              </a:tr>
-              <a:tr h="182880">
-                <a:tc>
-                  <a:txBody>
-                    <a:bodyPr/>
-                    <a:lstStyle/>
-                    <a:p>
-                      <a:pPr algn="ctr" fontAlgn="b"/>
-                      <a:r>
-                        <a:rPr lang="en-US" sz="1400" b="0" i="0" u="none" strike="noStrike" dirty="0">
-                          <a:solidFill>
-                            <a:srgbClr val="000000"/>
-                          </a:solidFill>
-                          <a:effectLst/>
-                          <a:latin typeface="Calibri" panose="020F0502020204030204" pitchFamily="34" charset="0"/>
-                        </a:rPr>
-                        <a:t>Ice</a:t>
-                      </a:r>
-                    </a:p>
-                  </a:txBody>
-                  <a:tcPr marL="9525" marR="9525" marT="9525" marB="0" anchor="ctr"/>
-                </a:tc>
-                <a:tc>
-                  <a:txBody>
-                    <a:bodyPr/>
-                    <a:lstStyle/>
-                    <a:p>
-                      <a:pPr algn="ctr" fontAlgn="b"/>
-                      <a:r>
-                        <a:rPr lang="en-US" sz="1400" b="0" i="0" u="none" strike="noStrike">
-                          <a:solidFill>
-                            <a:srgbClr val="000000"/>
-                          </a:solidFill>
-                          <a:effectLst/>
-                          <a:latin typeface="Calibri" panose="020F0502020204030204" pitchFamily="34" charset="0"/>
-                        </a:rPr>
-                        <a:t>24</a:t>
-                      </a:r>
-                    </a:p>
-                  </a:txBody>
-                  <a:tcPr marL="9525" marR="9525" marT="9525" marB="0" anchor="ctr"/>
-                </a:tc>
-                <a:extLst>
-                  <a:ext uri="{0D108BD9-81ED-4DB2-BD59-A6C34878D82A}">
-                    <a16:rowId xmlns:a16="http://schemas.microsoft.com/office/drawing/2014/main" val="2650669794"/>
-                  </a:ext>
-                </a:extLst>
-              </a:tr>
-              <a:tr h="182880">
-                <a:tc>
-                  <a:txBody>
-                    <a:bodyPr/>
-                    <a:lstStyle/>
-                    <a:p>
-                      <a:pPr algn="ctr" fontAlgn="b"/>
-                      <a:r>
-                        <a:rPr lang="en-US" sz="1400" b="0" i="0" u="none" strike="noStrike" dirty="0">
-                          <a:solidFill>
-                            <a:srgbClr val="000000"/>
-                          </a:solidFill>
-                          <a:effectLst/>
-                          <a:latin typeface="Calibri" panose="020F0502020204030204" pitchFamily="34" charset="0"/>
-                        </a:rPr>
-                        <a:t>Normal</a:t>
-                      </a:r>
-                    </a:p>
-                  </a:txBody>
-                  <a:tcPr marL="9525" marR="9525" marT="9525" marB="0" anchor="ctr"/>
-                </a:tc>
-                <a:tc>
-                  <a:txBody>
-                    <a:bodyPr/>
-                    <a:lstStyle/>
-                    <a:p>
-                      <a:pPr algn="ctr" fontAlgn="b"/>
-                      <a:r>
-                        <a:rPr lang="en-US" sz="1400" b="0" i="0" u="none" strike="noStrike">
-                          <a:solidFill>
-                            <a:srgbClr val="000000"/>
-                          </a:solidFill>
-                          <a:effectLst/>
-                          <a:latin typeface="Calibri" panose="020F0502020204030204" pitchFamily="34" charset="0"/>
-                        </a:rPr>
-                        <a:t>98</a:t>
-                      </a:r>
-                    </a:p>
-                  </a:txBody>
-                  <a:tcPr marL="9525" marR="9525" marT="9525" marB="0" anchor="ctr"/>
-                </a:tc>
-                <a:extLst>
-                  <a:ext uri="{0D108BD9-81ED-4DB2-BD59-A6C34878D82A}">
-                    <a16:rowId xmlns:a16="http://schemas.microsoft.com/office/drawing/2014/main" val="2085404576"/>
-                  </a:ext>
-                </a:extLst>
-              </a:tr>
-              <a:tr h="182880">
-                <a:tc>
-                  <a:txBody>
-                    <a:bodyPr/>
-                    <a:lstStyle/>
-                    <a:p>
-                      <a:pPr algn="ctr" fontAlgn="b"/>
-                      <a:r>
-                        <a:rPr lang="en-US" sz="1400" b="0" i="0" u="none" strike="noStrike" dirty="0">
-                          <a:solidFill>
-                            <a:srgbClr val="000000"/>
-                          </a:solidFill>
-                          <a:effectLst/>
-                          <a:latin typeface="Calibri" panose="020F0502020204030204" pitchFamily="34" charset="0"/>
-                        </a:rPr>
-                        <a:t>Poison</a:t>
-                      </a:r>
-                    </a:p>
-                  </a:txBody>
-                  <a:tcPr marL="9525" marR="9525" marT="9525" marB="0" anchor="ctr"/>
-                </a:tc>
-                <a:tc>
-                  <a:txBody>
-                    <a:bodyPr/>
-                    <a:lstStyle/>
-                    <a:p>
-                      <a:pPr algn="ctr" fontAlgn="b"/>
-                      <a:r>
-                        <a:rPr lang="en-US" sz="1400" b="0" i="0" u="none" strike="noStrike">
-                          <a:solidFill>
-                            <a:srgbClr val="000000"/>
-                          </a:solidFill>
-                          <a:effectLst/>
-                          <a:latin typeface="Calibri" panose="020F0502020204030204" pitchFamily="34" charset="0"/>
-                        </a:rPr>
-                        <a:t>28</a:t>
-                      </a:r>
-                    </a:p>
-                  </a:txBody>
-                  <a:tcPr marL="9525" marR="9525" marT="9525" marB="0" anchor="ctr"/>
-                </a:tc>
-                <a:extLst>
-                  <a:ext uri="{0D108BD9-81ED-4DB2-BD59-A6C34878D82A}">
-                    <a16:rowId xmlns:a16="http://schemas.microsoft.com/office/drawing/2014/main" val="1352126703"/>
-                  </a:ext>
-                </a:extLst>
-              </a:tr>
-              <a:tr h="182880">
-                <a:tc>
-                  <a:txBody>
-                    <a:bodyPr/>
-                    <a:lstStyle/>
-                    <a:p>
-                      <a:pPr algn="ctr" fontAlgn="b"/>
-                      <a:r>
-                        <a:rPr lang="en-US" sz="1400" b="0" i="0" u="none" strike="noStrike" dirty="0">
-                          <a:solidFill>
-                            <a:srgbClr val="000000"/>
-                          </a:solidFill>
-                          <a:effectLst/>
-                          <a:latin typeface="Calibri" panose="020F0502020204030204" pitchFamily="34" charset="0"/>
-                        </a:rPr>
-                        <a:t>Psychic</a:t>
-                      </a:r>
-                    </a:p>
-                  </a:txBody>
-                  <a:tcPr marL="9525" marR="9525" marT="9525" marB="0" anchor="ctr"/>
-                </a:tc>
-                <a:tc>
-                  <a:txBody>
-                    <a:bodyPr/>
-                    <a:lstStyle/>
-                    <a:p>
-                      <a:pPr algn="ctr" fontAlgn="b"/>
-                      <a:r>
-                        <a:rPr lang="en-US" sz="1400" b="0" i="0" u="none" strike="noStrike">
-                          <a:solidFill>
-                            <a:srgbClr val="000000"/>
-                          </a:solidFill>
-                          <a:effectLst/>
-                          <a:latin typeface="Calibri" panose="020F0502020204030204" pitchFamily="34" charset="0"/>
-                        </a:rPr>
-                        <a:t>57</a:t>
-                      </a:r>
-                    </a:p>
-                  </a:txBody>
-                  <a:tcPr marL="9525" marR="9525" marT="9525" marB="0" anchor="ctr"/>
-                </a:tc>
-                <a:extLst>
-                  <a:ext uri="{0D108BD9-81ED-4DB2-BD59-A6C34878D82A}">
-                    <a16:rowId xmlns:a16="http://schemas.microsoft.com/office/drawing/2014/main" val="967716806"/>
-                  </a:ext>
-                </a:extLst>
-              </a:tr>
-              <a:tr h="182880">
-                <a:tc>
-                  <a:txBody>
-                    <a:bodyPr/>
-                    <a:lstStyle/>
-                    <a:p>
-                      <a:pPr algn="ctr" fontAlgn="b"/>
-                      <a:r>
-                        <a:rPr lang="en-US" sz="1400" b="0" i="0" u="none" strike="noStrike" dirty="0">
-                          <a:solidFill>
-                            <a:srgbClr val="000000"/>
-                          </a:solidFill>
-                          <a:effectLst/>
-                          <a:latin typeface="Calibri" panose="020F0502020204030204" pitchFamily="34" charset="0"/>
-                        </a:rPr>
-                        <a:t>Rock</a:t>
-                      </a:r>
-                    </a:p>
-                  </a:txBody>
-                  <a:tcPr marL="9525" marR="9525" marT="9525" marB="0" anchor="ctr"/>
-                </a:tc>
-                <a:tc>
-                  <a:txBody>
-                    <a:bodyPr/>
-                    <a:lstStyle/>
-                    <a:p>
-                      <a:pPr algn="ctr" fontAlgn="b"/>
-                      <a:r>
-                        <a:rPr lang="en-US" sz="1400" b="0" i="0" u="none" strike="noStrike">
-                          <a:solidFill>
-                            <a:srgbClr val="000000"/>
-                          </a:solidFill>
-                          <a:effectLst/>
-                          <a:latin typeface="Calibri" panose="020F0502020204030204" pitchFamily="34" charset="0"/>
-                        </a:rPr>
-                        <a:t>44</a:t>
-                      </a:r>
-                    </a:p>
-                  </a:txBody>
-                  <a:tcPr marL="9525" marR="9525" marT="9525" marB="0" anchor="ctr"/>
-                </a:tc>
-                <a:extLst>
-                  <a:ext uri="{0D108BD9-81ED-4DB2-BD59-A6C34878D82A}">
-                    <a16:rowId xmlns:a16="http://schemas.microsoft.com/office/drawing/2014/main" val="1997638661"/>
-                  </a:ext>
-                </a:extLst>
-              </a:tr>
-              <a:tr h="182880">
-                <a:tc>
-                  <a:txBody>
-                    <a:bodyPr/>
-                    <a:lstStyle/>
-                    <a:p>
-                      <a:pPr algn="ctr" fontAlgn="b"/>
-                      <a:r>
-                        <a:rPr lang="en-US" sz="1400" b="0" i="0" u="none" strike="noStrike" dirty="0">
-                          <a:solidFill>
-                            <a:srgbClr val="000000"/>
-                          </a:solidFill>
-                          <a:effectLst/>
-                          <a:latin typeface="Calibri" panose="020F0502020204030204" pitchFamily="34" charset="0"/>
-                        </a:rPr>
-                        <a:t>Steel</a:t>
-                      </a:r>
-                    </a:p>
-                  </a:txBody>
-                  <a:tcPr marL="9525" marR="9525" marT="9525" marB="0" anchor="ctr"/>
-                </a:tc>
-                <a:tc>
-                  <a:txBody>
-                    <a:bodyPr/>
-                    <a:lstStyle/>
-                    <a:p>
-                      <a:pPr algn="ctr" fontAlgn="b"/>
-                      <a:r>
-                        <a:rPr lang="en-US" sz="1400" b="0" i="0" u="none" strike="noStrike">
-                          <a:solidFill>
-                            <a:srgbClr val="000000"/>
-                          </a:solidFill>
-                          <a:effectLst/>
-                          <a:latin typeface="Calibri" panose="020F0502020204030204" pitchFamily="34" charset="0"/>
-                        </a:rPr>
-                        <a:t>27</a:t>
-                      </a:r>
-                    </a:p>
-                  </a:txBody>
-                  <a:tcPr marL="9525" marR="9525" marT="9525" marB="0" anchor="ctr"/>
-                </a:tc>
-                <a:extLst>
-                  <a:ext uri="{0D108BD9-81ED-4DB2-BD59-A6C34878D82A}">
-                    <a16:rowId xmlns:a16="http://schemas.microsoft.com/office/drawing/2014/main" val="1191128257"/>
-                  </a:ext>
-                </a:extLst>
-              </a:tr>
-              <a:tr h="182880">
-                <a:tc>
-                  <a:txBody>
-                    <a:bodyPr/>
-                    <a:lstStyle/>
-                    <a:p>
-                      <a:pPr algn="ctr" fontAlgn="b"/>
-                      <a:r>
-                        <a:rPr lang="en-US" sz="1400" b="0" i="0" u="none" strike="noStrike" dirty="0">
-                          <a:solidFill>
-                            <a:srgbClr val="000000"/>
-                          </a:solidFill>
-                          <a:effectLst/>
-                          <a:latin typeface="Calibri" panose="020F0502020204030204" pitchFamily="34" charset="0"/>
-                        </a:rPr>
-                        <a:t>Water</a:t>
-                      </a:r>
-                    </a:p>
-                  </a:txBody>
-                  <a:tcPr marL="9525" marR="9525" marT="9525" marB="0" anchor="ctr"/>
-                </a:tc>
-                <a:tc>
-                  <a:txBody>
-                    <a:bodyPr/>
-                    <a:lstStyle/>
-                    <a:p>
-                      <a:pPr algn="ctr" fontAlgn="b"/>
-                      <a:r>
-                        <a:rPr lang="en-US" sz="1400" b="0" i="0" u="none" strike="noStrike" dirty="0">
-                          <a:solidFill>
-                            <a:srgbClr val="000000"/>
-                          </a:solidFill>
-                          <a:effectLst/>
-                          <a:latin typeface="Calibri" panose="020F0502020204030204" pitchFamily="34" charset="0"/>
-                        </a:rPr>
-                        <a:t>112</a:t>
-                      </a:r>
-                    </a:p>
-                  </a:txBody>
-                  <a:tcPr marL="9525" marR="9525" marT="9525" marB="0" anchor="ctr"/>
-                </a:tc>
-                <a:extLst>
-                  <a:ext uri="{0D108BD9-81ED-4DB2-BD59-A6C34878D82A}">
-                    <a16:rowId xmlns:a16="http://schemas.microsoft.com/office/drawing/2014/main" val="1211812197"/>
-                  </a:ext>
-                </a:extLst>
-              </a:tr>
-            </a:tbl>
-          </a:graphicData>
-        </a:graphic>
-      </p:graphicFrame>
-      <p:pic>
-        <p:nvPicPr>
+      <p:sp>
+        <p:nvSpPr>
           <p:cNvPr id="3" name="Content Placeholder 2"/>
-          <p:cNvPicPr>
-            <a:picLocks noGrp="1" noChangeAspect="1"/>
-          </p:cNvPicPr>
-          <p:nvPr>
-            <p:ph sz="half" idx="2"/>
-          </p:nvPr>
-        </p:nvPicPr>
-        <p:blipFill>
-          <a:blip r:embed="rId2" cstate="print">
-            <a:extLst>
-              <a:ext uri="{28A0092B-C50C-407E-A947-70E740481C1C}">
-                <a14:useLocalDpi xmlns:a14="http://schemas.microsoft.com/office/drawing/2010/main" val="0"/>
-              </a:ext>
-            </a:extLst>
-          </a:blip>
-          <a:stretch>
-            <a:fillRect/>
-          </a:stretch>
-        </p:blipFill>
-        <p:spPr>
-          <a:xfrm>
-            <a:off x="3001963" y="1958796"/>
-            <a:ext cx="5513387" cy="4084996"/>
-          </a:xfrm>
-        </p:spPr>
-      </p:pic>
+          <p:cNvSpPr>
+            <a:spLocks noGrp="1"/>
+          </p:cNvSpPr>
+          <p:nvPr>
+            <p:ph idx="1"/>
+          </p:nvPr>
+        </p:nvSpPr>
+        <p:spPr/>
+        <p:txBody>
+          <a:bodyPr>
+            <a:normAutofit lnSpcReduction="10000"/>
+          </a:bodyPr>
+          <a:lstStyle/>
+          <a:p>
+            <a:r>
+              <a:rPr lang="en-US" dirty="0" smtClean="0"/>
+              <a:t>Battles </a:t>
+            </a:r>
+            <a:r>
+              <a:rPr lang="en-US" dirty="0"/>
+              <a:t>are turn-based</a:t>
+            </a:r>
+          </a:p>
+          <a:p>
+            <a:r>
+              <a:rPr lang="en-US" dirty="0" smtClean="0"/>
+              <a:t>At </a:t>
+            </a:r>
+            <a:r>
+              <a:rPr lang="en-US" dirty="0"/>
+              <a:t>the start of each turn, both sides choose an action</a:t>
+            </a:r>
+          </a:p>
+          <a:p>
+            <a:r>
+              <a:rPr lang="en-US" dirty="0"/>
+              <a:t>Action can be one of</a:t>
+            </a:r>
+          </a:p>
+          <a:p>
+            <a:pPr lvl="1"/>
+            <a:r>
+              <a:rPr lang="en-US" dirty="0"/>
+              <a:t>Fight – select one of four moves the </a:t>
+            </a:r>
+            <a:r>
+              <a:rPr lang="en-US" dirty="0" err="1"/>
+              <a:t>pokemon</a:t>
+            </a:r>
+            <a:r>
+              <a:rPr lang="en-US" dirty="0"/>
+              <a:t> will attempt to use when its turn comes</a:t>
+            </a:r>
+          </a:p>
+          <a:p>
+            <a:pPr lvl="1"/>
+            <a:r>
+              <a:rPr lang="en-US" dirty="0"/>
+              <a:t>Bag – use an item from the trainers bag</a:t>
+            </a:r>
+          </a:p>
+          <a:p>
+            <a:pPr lvl="1"/>
+            <a:r>
+              <a:rPr lang="en-US" dirty="0" err="1"/>
+              <a:t>Pokemon</a:t>
+            </a:r>
+            <a:r>
+              <a:rPr lang="en-US" dirty="0"/>
+              <a:t> – select a different </a:t>
+            </a:r>
+            <a:r>
+              <a:rPr lang="en-US" dirty="0" err="1"/>
+              <a:t>pokemon</a:t>
+            </a:r>
+            <a:r>
+              <a:rPr lang="en-US" dirty="0"/>
+              <a:t> to switch to</a:t>
+            </a:r>
+          </a:p>
+          <a:p>
+            <a:pPr lvl="1"/>
+            <a:r>
+              <a:rPr lang="en-US" dirty="0"/>
+              <a:t>Run – run away from the fight</a:t>
+            </a:r>
+          </a:p>
+          <a:p>
+            <a:r>
+              <a:rPr lang="en-US" dirty="0" smtClean="0"/>
+              <a:t>Most </a:t>
+            </a:r>
+            <a:r>
+              <a:rPr lang="en-US" dirty="0"/>
+              <a:t>interested in the fight </a:t>
+            </a:r>
+            <a:r>
+              <a:rPr lang="en-US" dirty="0" smtClean="0"/>
+              <a:t>action, since most damage is dealt that way</a:t>
+            </a:r>
+            <a:endParaRPr lang="en-US" dirty="0"/>
+          </a:p>
+        </p:txBody>
+      </p:sp>
     </p:spTree>
     <p:extLst>
       <p:ext uri="{BB962C8B-B14F-4D97-AF65-F5344CB8AC3E}">
-        <p14:creationId xmlns:p14="http://schemas.microsoft.com/office/powerpoint/2010/main" val="2538410738"/>
+        <p14:creationId xmlns:p14="http://schemas.microsoft.com/office/powerpoint/2010/main" val="1116531108"/>
       </p:ext>
     </p:extLst>
   </p:cSld>
@@ -8035,49 +9900,185 @@
           <a:p>
             <a:r>
               <a:rPr lang="en-US" dirty="0" smtClean="0"/>
-              <a:t>Type information</a:t>
-            </a:r>
+              <a:t>The Game</a:t>
+            </a:r>
+            <a:endParaRPr lang="en-US" dirty="0"/>
+          </a:p>
+        </p:txBody>
+      </p:sp>
+      <p:sp>
+        <p:nvSpPr>
+          <p:cNvPr id="5" name="Content Placeholder 4"/>
+          <p:cNvSpPr>
+            <a:spLocks noGrp="1"/>
+          </p:cNvSpPr>
+          <p:nvPr>
+            <p:ph sz="half" idx="1"/>
+          </p:nvPr>
+        </p:nvSpPr>
+        <p:spPr>
+          <a:xfrm>
+            <a:off x="628650" y="1825625"/>
+            <a:ext cx="5919932" cy="4351338"/>
+          </a:xfrm>
+        </p:spPr>
+        <p:txBody>
+          <a:bodyPr>
+            <a:normAutofit fontScale="92500" lnSpcReduction="20000"/>
+          </a:bodyPr>
+          <a:lstStyle/>
+          <a:p>
+            <a:r>
+              <a:rPr lang="en-US" dirty="0" smtClean="0"/>
+              <a:t>Types affect damage </a:t>
+            </a:r>
+            <a:r>
+              <a:rPr lang="en-US" dirty="0" err="1" smtClean="0"/>
+              <a:t>dealth</a:t>
+            </a:r>
+            <a:endParaRPr lang="en-US" dirty="0" smtClean="0"/>
+          </a:p>
+          <a:p>
+            <a:r>
+              <a:rPr lang="en-US" dirty="0" smtClean="0"/>
+              <a:t>There </a:t>
+            </a:r>
+            <a:r>
+              <a:rPr lang="en-US" dirty="0" smtClean="0"/>
+              <a:t>are 18 types, shown at right</a:t>
+            </a:r>
+          </a:p>
+          <a:p>
+            <a:r>
+              <a:rPr lang="en-US" dirty="0" err="1" smtClean="0"/>
+              <a:t>Pokemon</a:t>
+            </a:r>
+            <a:r>
+              <a:rPr lang="en-US" dirty="0" smtClean="0"/>
+              <a:t> have 1 or 2 types</a:t>
+            </a:r>
+          </a:p>
+          <a:p>
+            <a:r>
+              <a:rPr lang="en-US" dirty="0" smtClean="0"/>
+              <a:t>Attacks have 1 type</a:t>
+            </a:r>
+          </a:p>
+          <a:p>
+            <a:r>
+              <a:rPr lang="en-US" dirty="0" smtClean="0"/>
+              <a:t>An attack may be (damage </a:t>
+            </a:r>
+            <a:r>
+              <a:rPr lang="en-US" dirty="0" err="1" smtClean="0"/>
+              <a:t>mult</a:t>
+            </a:r>
+            <a:r>
+              <a:rPr lang="en-US" dirty="0" smtClean="0"/>
+              <a:t>.):</a:t>
+            </a:r>
+          </a:p>
+          <a:p>
+            <a:pPr lvl="1"/>
+            <a:r>
+              <a:rPr lang="en-US" dirty="0" smtClean="0"/>
+              <a:t>super effective (2x</a:t>
+            </a:r>
+            <a:r>
+              <a:rPr lang="en-US" dirty="0" smtClean="0"/>
+              <a:t>),</a:t>
+            </a:r>
+            <a:endParaRPr lang="en-US" dirty="0"/>
+          </a:p>
+          <a:p>
+            <a:pPr lvl="1"/>
+            <a:r>
+              <a:rPr lang="en-US" dirty="0"/>
+              <a:t>normal (1x</a:t>
+            </a:r>
+            <a:r>
+              <a:rPr lang="en-US" dirty="0" smtClean="0"/>
+              <a:t>)</a:t>
+            </a:r>
+            <a:endParaRPr lang="en-US" dirty="0" smtClean="0"/>
+          </a:p>
+          <a:p>
+            <a:pPr lvl="1"/>
+            <a:r>
+              <a:rPr lang="en-US" dirty="0" smtClean="0"/>
+              <a:t>not-very effective (0.5x),</a:t>
+            </a:r>
+          </a:p>
+          <a:p>
+            <a:pPr lvl="1"/>
+            <a:r>
+              <a:rPr lang="en-US" dirty="0" smtClean="0"/>
+              <a:t>ineffective (0x</a:t>
+            </a:r>
+            <a:r>
+              <a:rPr lang="en-US" dirty="0" smtClean="0"/>
+              <a:t>),</a:t>
+            </a:r>
+          </a:p>
+          <a:p>
+            <a:r>
+              <a:rPr lang="en-US" dirty="0" smtClean="0"/>
+              <a:t>If </a:t>
+            </a:r>
+            <a:r>
+              <a:rPr lang="en-US" dirty="0" smtClean="0"/>
+              <a:t>a </a:t>
+            </a:r>
+            <a:r>
+              <a:rPr lang="en-US" dirty="0" err="1" smtClean="0"/>
+              <a:t>pokemon</a:t>
+            </a:r>
+            <a:r>
+              <a:rPr lang="en-US" dirty="0" smtClean="0"/>
+              <a:t> has 2 types, the </a:t>
+            </a:r>
+            <a:r>
+              <a:rPr lang="en-US" dirty="0" smtClean="0"/>
+              <a:t>overall effectiveness is the product of each individual effectiveness rating</a:t>
+            </a:r>
+            <a:endParaRPr lang="en-US" dirty="0" smtClean="0"/>
+          </a:p>
+          <a:p>
+            <a:pPr lvl="1"/>
             <a:endParaRPr lang="en-US" dirty="0"/>
           </a:p>
         </p:txBody>
       </p:sp>
       <p:graphicFrame>
         <p:nvGraphicFramePr>
-          <p:cNvPr id="14" name="Content Placeholder 13"/>
+          <p:cNvPr id="7" name="Content Placeholder 6"/>
           <p:cNvGraphicFramePr>
             <a:graphicFrameLocks noGrp="1"/>
           </p:cNvGraphicFramePr>
           <p:nvPr>
-            <p:ph sz="half" idx="1"/>
+            <p:ph sz="half" idx="2"/>
             <p:extLst>
               <p:ext uri="{D42A27DB-BD31-4B8C-83A1-F6EECF244321}">
-                <p14:modId xmlns:p14="http://schemas.microsoft.com/office/powerpoint/2010/main" val="1363110372"/>
+                <p14:modId xmlns:p14="http://schemas.microsoft.com/office/powerpoint/2010/main" val="1007582613"/>
               </p:ext>
             </p:extLst>
           </p:nvPr>
         </p:nvGraphicFramePr>
         <p:xfrm>
-          <a:off x="628650" y="1690689"/>
-          <a:ext cx="2194560" cy="4457700"/>
+          <a:off x="6818168" y="1825625"/>
+          <a:ext cx="1371600" cy="4011930"/>
         </p:xfrm>
         <a:graphic>
           <a:graphicData uri="http://schemas.openxmlformats.org/drawingml/2006/table">
             <a:tbl>
-              <a:tblPr firstRow="1" bandRow="1">
+              <a:tblPr bandRow="1">
                 <a:tableStyleId>{5C22544A-7EE6-4342-B048-85BDC9FD1C3A}</a:tableStyleId>
               </a:tblPr>
               <a:tblGrid>
-                <a:gridCol w="1097280">
+                <a:gridCol w="1371600">
                   <a:extLst>
                     <a:ext uri="{9D8B030D-6E8A-4147-A177-3AD203B41FA5}">
-                      <a16:colId xmlns:a16="http://schemas.microsoft.com/office/drawing/2014/main" val="803408358"/>
-                    </a:ext>
-                  </a:extLst>
-                </a:gridCol>
-                <a:gridCol w="1097280">
-                  <a:extLst>
-                    <a:ext uri="{9D8B030D-6E8A-4147-A177-3AD203B41FA5}">
-                      <a16:colId xmlns:a16="http://schemas.microsoft.com/office/drawing/2014/main" val="3273575326"/>
+                      <a16:colId xmlns:a16="http://schemas.microsoft.com/office/drawing/2014/main" xmlns="" val="1508021160"/>
                     </a:ext>
                   </a:extLst>
                 </a:gridCol>
@@ -8097,27 +10098,7 @@
                           <a:effectLst/>
                           <a:latin typeface="Calibri" panose="020F0502020204030204" pitchFamily="34" charset="0"/>
                         </a:rPr>
-                        <a:t>type.2</a:t>
-                      </a:r>
-                    </a:p>
-                  </a:txBody>
-                  <a:tcPr marL="9525" marR="9525" marT="9525" marB="0" anchor="ctr"/>
-                </a:tc>
-                <a:tc>
-                  <a:txBody>
-                    <a:bodyPr/>
-                    <a:lstStyle/>
-                    <a:p>
-                      <a:pPr algn="ctr" fontAlgn="b"/>
-                      <a:r>
-                        <a:rPr lang="en-US" sz="1400" b="0" i="0" u="none" strike="noStrike">
-                          <a:solidFill>
-                            <a:srgbClr val="000000"/>
-                          </a:solidFill>
-                          <a:effectLst/>
-                          <a:latin typeface="Calibri" panose="020F0502020204030204" pitchFamily="34" charset="0"/>
-                        </a:rPr>
-                        <a:t>count</a:t>
+                        <a:t>Bug</a:t>
                       </a:r>
                     </a:p>
                   </a:txBody>
@@ -8125,7 +10106,7 @@
                 </a:tc>
                 <a:extLst>
                   <a:ext uri="{0D108BD9-81ED-4DB2-BD59-A6C34878D82A}">
-                    <a16:rowId xmlns:a16="http://schemas.microsoft.com/office/drawing/2014/main" val="1031262285"/>
+                    <a16:rowId xmlns:a16="http://schemas.microsoft.com/office/drawing/2014/main" xmlns="" val="902281750"/>
                   </a:ext>
                 </a:extLst>
               </a:tr>
@@ -8136,99 +10117,8 @@
                     <a:lstStyle/>
                     <a:p>
                       <a:pPr algn="ctr" fontAlgn="b"/>
-                      <a:endParaRPr lang="en-US" sz="1400" b="0" i="0" u="none" strike="noStrike" dirty="0">
-                        <a:solidFill>
-                          <a:srgbClr val="000000"/>
-                        </a:solidFill>
-                        <a:effectLst/>
-                        <a:latin typeface="Calibri" panose="020F0502020204030204" pitchFamily="34" charset="0"/>
-                      </a:endParaRPr>
-                    </a:p>
-                  </a:txBody>
-                  <a:tcPr marL="9525" marR="9525" marT="9525" marB="0" anchor="ctr"/>
-                </a:tc>
-                <a:tc>
-                  <a:txBody>
-                    <a:bodyPr/>
-                    <a:lstStyle/>
-                    <a:p>
-                      <a:pPr algn="ctr" fontAlgn="b"/>
-                      <a:r>
-                        <a:rPr lang="en-US" sz="1400" b="0" i="0" u="none" strike="noStrike">
-                          <a:solidFill>
-                            <a:srgbClr val="000000"/>
-                          </a:solidFill>
-                          <a:effectLst/>
-                          <a:latin typeface="Calibri" panose="020F0502020204030204" pitchFamily="34" charset="0"/>
-                        </a:rPr>
-                        <a:t>386</a:t>
-                      </a:r>
-                    </a:p>
-                  </a:txBody>
-                  <a:tcPr marL="9525" marR="9525" marT="9525" marB="0" anchor="ctr"/>
-                </a:tc>
-                <a:extLst>
-                  <a:ext uri="{0D108BD9-81ED-4DB2-BD59-A6C34878D82A}">
-                    <a16:rowId xmlns:a16="http://schemas.microsoft.com/office/drawing/2014/main" val="1837629789"/>
-                  </a:ext>
-                </a:extLst>
-              </a:tr>
-              <a:tr h="182880">
-                <a:tc>
-                  <a:txBody>
-                    <a:bodyPr/>
-                    <a:lstStyle/>
-                    <a:p>
-                      <a:pPr algn="ctr" fontAlgn="b"/>
-                      <a:r>
-                        <a:rPr lang="en-US" sz="1400" b="0" i="0" u="none" strike="noStrike">
-                          <a:solidFill>
-                            <a:srgbClr val="000000"/>
-                          </a:solidFill>
-                          <a:effectLst/>
-                          <a:latin typeface="Calibri" panose="020F0502020204030204" pitchFamily="34" charset="0"/>
-                        </a:rPr>
-                        <a:t>Bug</a:t>
-                      </a:r>
-                    </a:p>
-                  </a:txBody>
-                  <a:tcPr marL="9525" marR="9525" marT="9525" marB="0" anchor="ctr"/>
-                </a:tc>
-                <a:tc>
-                  <a:txBody>
-                    <a:bodyPr/>
-                    <a:lstStyle/>
-                    <a:p>
-                      <a:pPr algn="ctr" fontAlgn="b"/>
-                      <a:r>
-                        <a:rPr lang="en-US" sz="1400" b="0" i="0" u="none" strike="noStrike">
-                          <a:solidFill>
-                            <a:srgbClr val="000000"/>
-                          </a:solidFill>
-                          <a:effectLst/>
-                          <a:latin typeface="Calibri" panose="020F0502020204030204" pitchFamily="34" charset="0"/>
-                        </a:rPr>
-                        <a:t>3</a:t>
-                      </a:r>
-                    </a:p>
-                  </a:txBody>
-                  <a:tcPr marL="9525" marR="9525" marT="9525" marB="0" anchor="ctr"/>
-                </a:tc>
-                <a:extLst>
-                  <a:ext uri="{0D108BD9-81ED-4DB2-BD59-A6C34878D82A}">
-                    <a16:rowId xmlns:a16="http://schemas.microsoft.com/office/drawing/2014/main" val="2815517078"/>
-                  </a:ext>
-                </a:extLst>
-              </a:tr>
-              <a:tr h="182880">
-                <a:tc>
-                  <a:txBody>
-                    <a:bodyPr/>
-                    <a:lstStyle/>
-                    <a:p>
-                      <a:pPr algn="ctr" fontAlgn="b"/>
-                      <a:r>
-                        <a:rPr lang="en-US" sz="1400" b="0" i="0" u="none" strike="noStrike">
+                      <a:r>
+                        <a:rPr lang="en-US" sz="1400" b="0" i="0" u="none" strike="noStrike" dirty="0">
                           <a:solidFill>
                             <a:srgbClr val="000000"/>
                           </a:solidFill>
@@ -8241,29 +10131,9 @@
                   </a:txBody>
                   <a:tcPr marL="9525" marR="9525" marT="9525" marB="0" anchor="ctr"/>
                 </a:tc>
-                <a:tc>
-                  <a:txBody>
-                    <a:bodyPr/>
-                    <a:lstStyle/>
-                    <a:p>
-                      <a:pPr algn="ctr" fontAlgn="b"/>
-                      <a:r>
-                        <a:rPr lang="en-US" sz="1400" b="0" i="0" u="none" strike="noStrike">
-                          <a:solidFill>
-                            <a:srgbClr val="000000"/>
-                          </a:solidFill>
-                          <a:effectLst/>
-                          <a:latin typeface="Calibri" panose="020F0502020204030204" pitchFamily="34" charset="0"/>
-                        </a:rPr>
-                        <a:t>20</a:t>
-                      </a:r>
-                    </a:p>
-                  </a:txBody>
-                  <a:tcPr marL="9525" marR="9525" marT="9525" marB="0" anchor="ctr"/>
-                </a:tc>
                 <a:extLst>
                   <a:ext uri="{0D108BD9-81ED-4DB2-BD59-A6C34878D82A}">
-                    <a16:rowId xmlns:a16="http://schemas.microsoft.com/office/drawing/2014/main" val="3611934528"/>
+                    <a16:rowId xmlns:a16="http://schemas.microsoft.com/office/drawing/2014/main" xmlns="" val="1548008188"/>
                   </a:ext>
                 </a:extLst>
               </a:tr>
@@ -8288,29 +10158,9 @@
                   </a:txBody>
                   <a:tcPr marL="9525" marR="9525" marT="9525" marB="0" anchor="ctr"/>
                 </a:tc>
-                <a:tc>
-                  <a:txBody>
-                    <a:bodyPr/>
-                    <a:lstStyle/>
-                    <a:p>
-                      <a:pPr algn="ctr" fontAlgn="b"/>
-                      <a:r>
-                        <a:rPr lang="en-US" sz="1400" b="0" i="0" u="none" strike="noStrike">
-                          <a:solidFill>
-                            <a:srgbClr val="000000"/>
-                          </a:solidFill>
-                          <a:effectLst/>
-                          <a:latin typeface="Calibri" panose="020F0502020204030204" pitchFamily="34" charset="0"/>
-                        </a:rPr>
-                        <a:t>18</a:t>
-                      </a:r>
-                    </a:p>
-                  </a:txBody>
-                  <a:tcPr marL="9525" marR="9525" marT="9525" marB="0" anchor="ctr"/>
-                </a:tc>
                 <a:extLst>
                   <a:ext uri="{0D108BD9-81ED-4DB2-BD59-A6C34878D82A}">
-                    <a16:rowId xmlns:a16="http://schemas.microsoft.com/office/drawing/2014/main" val="2266220768"/>
+                    <a16:rowId xmlns:a16="http://schemas.microsoft.com/office/drawing/2014/main" xmlns="" val="2013203969"/>
                   </a:ext>
                 </a:extLst>
               </a:tr>
@@ -8322,7 +10172,7 @@
                     <a:p>
                       <a:pPr algn="ctr" fontAlgn="b"/>
                       <a:r>
-                        <a:rPr lang="en-US" sz="1400" b="0" i="0" u="none" strike="noStrike">
+                        <a:rPr lang="en-US" sz="1400" b="0" i="0" u="none" strike="noStrike" dirty="0">
                           <a:solidFill>
                             <a:srgbClr val="000000"/>
                           </a:solidFill>
@@ -8335,29 +10185,9 @@
                   </a:txBody>
                   <a:tcPr marL="9525" marR="9525" marT="9525" marB="0" anchor="ctr"/>
                 </a:tc>
-                <a:tc>
-                  <a:txBody>
-                    <a:bodyPr/>
-                    <a:lstStyle/>
-                    <a:p>
-                      <a:pPr algn="ctr" fontAlgn="b"/>
-                      <a:r>
-                        <a:rPr lang="en-US" sz="1400" b="0" i="0" u="none" strike="noStrike">
-                          <a:solidFill>
-                            <a:srgbClr val="000000"/>
-                          </a:solidFill>
-                          <a:effectLst/>
-                          <a:latin typeface="Calibri" panose="020F0502020204030204" pitchFamily="34" charset="0"/>
-                        </a:rPr>
-                        <a:t>6</a:t>
-                      </a:r>
-                    </a:p>
-                  </a:txBody>
-                  <a:tcPr marL="9525" marR="9525" marT="9525" marB="0" anchor="ctr"/>
-                </a:tc>
                 <a:extLst>
                   <a:ext uri="{0D108BD9-81ED-4DB2-BD59-A6C34878D82A}">
-                    <a16:rowId xmlns:a16="http://schemas.microsoft.com/office/drawing/2014/main" val="1305622023"/>
+                    <a16:rowId xmlns:a16="http://schemas.microsoft.com/office/drawing/2014/main" xmlns="" val="592357308"/>
                   </a:ext>
                 </a:extLst>
               </a:tr>
@@ -8369,7 +10199,7 @@
                     <a:p>
                       <a:pPr algn="ctr" fontAlgn="b"/>
                       <a:r>
-                        <a:rPr lang="en-US" sz="1400" b="0" i="0" u="none" strike="noStrike">
+                        <a:rPr lang="en-US" sz="1400" b="0" i="0" u="none" strike="noStrike" dirty="0">
                           <a:solidFill>
                             <a:srgbClr val="000000"/>
                           </a:solidFill>
@@ -8382,29 +10212,9 @@
                   </a:txBody>
                   <a:tcPr marL="9525" marR="9525" marT="9525" marB="0" anchor="ctr"/>
                 </a:tc>
-                <a:tc>
-                  <a:txBody>
-                    <a:bodyPr/>
-                    <a:lstStyle/>
-                    <a:p>
-                      <a:pPr algn="ctr" fontAlgn="b"/>
-                      <a:r>
-                        <a:rPr lang="en-US" sz="1400" b="0" i="0" u="none" strike="noStrike">
-                          <a:solidFill>
-                            <a:srgbClr val="000000"/>
-                          </a:solidFill>
-                          <a:effectLst/>
-                          <a:latin typeface="Calibri" panose="020F0502020204030204" pitchFamily="34" charset="0"/>
-                        </a:rPr>
-                        <a:t>23</a:t>
-                      </a:r>
-                    </a:p>
-                  </a:txBody>
-                  <a:tcPr marL="9525" marR="9525" marT="9525" marB="0" anchor="ctr"/>
-                </a:tc>
                 <a:extLst>
                   <a:ext uri="{0D108BD9-81ED-4DB2-BD59-A6C34878D82A}">
-                    <a16:rowId xmlns:a16="http://schemas.microsoft.com/office/drawing/2014/main" val="1549384170"/>
+                    <a16:rowId xmlns:a16="http://schemas.microsoft.com/office/drawing/2014/main" xmlns="" val="426122790"/>
                   </a:ext>
                 </a:extLst>
               </a:tr>
@@ -8416,7 +10226,7 @@
                     <a:p>
                       <a:pPr algn="ctr" fontAlgn="b"/>
                       <a:r>
-                        <a:rPr lang="en-US" sz="1400" b="0" i="0" u="none" strike="noStrike">
+                        <a:rPr lang="en-US" sz="1400" b="0" i="0" u="none" strike="noStrike" dirty="0">
                           <a:solidFill>
                             <a:srgbClr val="000000"/>
                           </a:solidFill>
@@ -8429,29 +10239,9 @@
                   </a:txBody>
                   <a:tcPr marL="9525" marR="9525" marT="9525" marB="0" anchor="ctr"/>
                 </a:tc>
-                <a:tc>
-                  <a:txBody>
-                    <a:bodyPr/>
-                    <a:lstStyle/>
-                    <a:p>
-                      <a:pPr algn="ctr" fontAlgn="b"/>
-                      <a:r>
-                        <a:rPr lang="en-US" sz="1400" b="0" i="0" u="none" strike="noStrike">
-                          <a:solidFill>
-                            <a:srgbClr val="000000"/>
-                          </a:solidFill>
-                          <a:effectLst/>
-                          <a:latin typeface="Calibri" panose="020F0502020204030204" pitchFamily="34" charset="0"/>
-                        </a:rPr>
-                        <a:t>26</a:t>
-                      </a:r>
-                    </a:p>
-                  </a:txBody>
-                  <a:tcPr marL="9525" marR="9525" marT="9525" marB="0" anchor="ctr"/>
-                </a:tc>
                 <a:extLst>
                   <a:ext uri="{0D108BD9-81ED-4DB2-BD59-A6C34878D82A}">
-                    <a16:rowId xmlns:a16="http://schemas.microsoft.com/office/drawing/2014/main" val="1029309394"/>
+                    <a16:rowId xmlns:a16="http://schemas.microsoft.com/office/drawing/2014/main" xmlns="" val="1692344899"/>
                   </a:ext>
                 </a:extLst>
               </a:tr>
@@ -8463,7 +10253,7 @@
                     <a:p>
                       <a:pPr algn="ctr" fontAlgn="b"/>
                       <a:r>
-                        <a:rPr lang="en-US" sz="1400" b="0" i="0" u="none" strike="noStrike">
+                        <a:rPr lang="en-US" sz="1400" b="0" i="0" u="none" strike="noStrike" dirty="0">
                           <a:solidFill>
                             <a:srgbClr val="000000"/>
                           </a:solidFill>
@@ -8476,29 +10266,9 @@
                   </a:txBody>
                   <a:tcPr marL="9525" marR="9525" marT="9525" marB="0" anchor="ctr"/>
                 </a:tc>
-                <a:tc>
-                  <a:txBody>
-                    <a:bodyPr/>
-                    <a:lstStyle/>
-                    <a:p>
-                      <a:pPr algn="ctr" fontAlgn="b"/>
-                      <a:r>
-                        <a:rPr lang="en-US" sz="1400" b="0" i="0" u="none" strike="noStrike">
-                          <a:solidFill>
-                            <a:srgbClr val="000000"/>
-                          </a:solidFill>
-                          <a:effectLst/>
-                          <a:latin typeface="Calibri" panose="020F0502020204030204" pitchFamily="34" charset="0"/>
-                        </a:rPr>
-                        <a:t>12</a:t>
-                      </a:r>
-                    </a:p>
-                  </a:txBody>
-                  <a:tcPr marL="9525" marR="9525" marT="9525" marB="0" anchor="ctr"/>
-                </a:tc>
                 <a:extLst>
                   <a:ext uri="{0D108BD9-81ED-4DB2-BD59-A6C34878D82A}">
-                    <a16:rowId xmlns:a16="http://schemas.microsoft.com/office/drawing/2014/main" val="1542993848"/>
+                    <a16:rowId xmlns:a16="http://schemas.microsoft.com/office/drawing/2014/main" xmlns="" val="1831802884"/>
                   </a:ext>
                 </a:extLst>
               </a:tr>
@@ -8510,7 +10280,7 @@
                     <a:p>
                       <a:pPr algn="ctr" fontAlgn="b"/>
                       <a:r>
-                        <a:rPr lang="en-US" sz="1400" b="0" i="0" u="none" strike="noStrike">
+                        <a:rPr lang="en-US" sz="1400" b="0" i="0" u="none" strike="noStrike" dirty="0">
                           <a:solidFill>
                             <a:srgbClr val="000000"/>
                           </a:solidFill>
@@ -8523,29 +10293,9 @@
                   </a:txBody>
                   <a:tcPr marL="9525" marR="9525" marT="9525" marB="0" anchor="ctr"/>
                 </a:tc>
-                <a:tc>
-                  <a:txBody>
-                    <a:bodyPr/>
-                    <a:lstStyle/>
-                    <a:p>
-                      <a:pPr algn="ctr" fontAlgn="b"/>
-                      <a:r>
-                        <a:rPr lang="en-US" sz="1400" b="0" i="0" u="none" strike="noStrike">
-                          <a:solidFill>
-                            <a:srgbClr val="000000"/>
-                          </a:solidFill>
-                          <a:effectLst/>
-                          <a:latin typeface="Calibri" panose="020F0502020204030204" pitchFamily="34" charset="0"/>
-                        </a:rPr>
-                        <a:t>97</a:t>
-                      </a:r>
-                    </a:p>
-                  </a:txBody>
-                  <a:tcPr marL="9525" marR="9525" marT="9525" marB="0" anchor="ctr"/>
-                </a:tc>
                 <a:extLst>
                   <a:ext uri="{0D108BD9-81ED-4DB2-BD59-A6C34878D82A}">
-                    <a16:rowId xmlns:a16="http://schemas.microsoft.com/office/drawing/2014/main" val="1425281418"/>
+                    <a16:rowId xmlns:a16="http://schemas.microsoft.com/office/drawing/2014/main" xmlns="" val="2788080636"/>
                   </a:ext>
                 </a:extLst>
               </a:tr>
@@ -8557,7 +10307,7 @@
                     <a:p>
                       <a:pPr algn="ctr" fontAlgn="b"/>
                       <a:r>
-                        <a:rPr lang="en-US" sz="1400" b="0" i="0" u="none" strike="noStrike">
+                        <a:rPr lang="en-US" sz="1400" b="0" i="0" u="none" strike="noStrike" dirty="0">
                           <a:solidFill>
                             <a:srgbClr val="000000"/>
                           </a:solidFill>
@@ -8570,29 +10320,9 @@
                   </a:txBody>
                   <a:tcPr marL="9525" marR="9525" marT="9525" marB="0" anchor="ctr"/>
                 </a:tc>
-                <a:tc>
-                  <a:txBody>
-                    <a:bodyPr/>
-                    <a:lstStyle/>
-                    <a:p>
-                      <a:pPr algn="ctr" fontAlgn="b"/>
-                      <a:r>
-                        <a:rPr lang="en-US" sz="1400" b="0" i="0" u="none" strike="noStrike">
-                          <a:solidFill>
-                            <a:srgbClr val="000000"/>
-                          </a:solidFill>
-                          <a:effectLst/>
-                          <a:latin typeface="Calibri" panose="020F0502020204030204" pitchFamily="34" charset="0"/>
-                        </a:rPr>
-                        <a:t>14</a:t>
-                      </a:r>
-                    </a:p>
-                  </a:txBody>
-                  <a:tcPr marL="9525" marR="9525" marT="9525" marB="0" anchor="ctr"/>
-                </a:tc>
                 <a:extLst>
                   <a:ext uri="{0D108BD9-81ED-4DB2-BD59-A6C34878D82A}">
-                    <a16:rowId xmlns:a16="http://schemas.microsoft.com/office/drawing/2014/main" val="134762643"/>
+                    <a16:rowId xmlns:a16="http://schemas.microsoft.com/office/drawing/2014/main" xmlns="" val="2212016039"/>
                   </a:ext>
                 </a:extLst>
               </a:tr>
@@ -8604,7 +10334,7 @@
                     <a:p>
                       <a:pPr algn="ctr" fontAlgn="b"/>
                       <a:r>
-                        <a:rPr lang="en-US" sz="1400" b="0" i="0" u="none" strike="noStrike">
+                        <a:rPr lang="en-US" sz="1400" b="0" i="0" u="none" strike="noStrike" dirty="0">
                           <a:solidFill>
                             <a:srgbClr val="000000"/>
                           </a:solidFill>
@@ -8617,29 +10347,9 @@
                   </a:txBody>
                   <a:tcPr marL="9525" marR="9525" marT="9525" marB="0" anchor="ctr"/>
                 </a:tc>
-                <a:tc>
-                  <a:txBody>
-                    <a:bodyPr/>
-                    <a:lstStyle/>
-                    <a:p>
-                      <a:pPr algn="ctr" fontAlgn="b"/>
-                      <a:r>
-                        <a:rPr lang="en-US" sz="1400" b="0" i="0" u="none" strike="noStrike">
-                          <a:solidFill>
-                            <a:srgbClr val="000000"/>
-                          </a:solidFill>
-                          <a:effectLst/>
-                          <a:latin typeface="Calibri" panose="020F0502020204030204" pitchFamily="34" charset="0"/>
-                        </a:rPr>
-                        <a:t>25</a:t>
-                      </a:r>
-                    </a:p>
-                  </a:txBody>
-                  <a:tcPr marL="9525" marR="9525" marT="9525" marB="0" anchor="ctr"/>
-                </a:tc>
                 <a:extLst>
                   <a:ext uri="{0D108BD9-81ED-4DB2-BD59-A6C34878D82A}">
-                    <a16:rowId xmlns:a16="http://schemas.microsoft.com/office/drawing/2014/main" val="3335363034"/>
+                    <a16:rowId xmlns:a16="http://schemas.microsoft.com/office/drawing/2014/main" xmlns="" val="4181232027"/>
                   </a:ext>
                 </a:extLst>
               </a:tr>
@@ -8651,7 +10361,7 @@
                     <a:p>
                       <a:pPr algn="ctr" fontAlgn="b"/>
                       <a:r>
-                        <a:rPr lang="en-US" sz="1400" b="0" i="0" u="none" strike="noStrike">
+                        <a:rPr lang="en-US" sz="1400" b="0" i="0" u="none" strike="noStrike" dirty="0">
                           <a:solidFill>
                             <a:srgbClr val="000000"/>
                           </a:solidFill>
@@ -8664,29 +10374,9 @@
                   </a:txBody>
                   <a:tcPr marL="9525" marR="9525" marT="9525" marB="0" anchor="ctr"/>
                 </a:tc>
-                <a:tc>
-                  <a:txBody>
-                    <a:bodyPr/>
-                    <a:lstStyle/>
-                    <a:p>
-                      <a:pPr algn="ctr" fontAlgn="b"/>
-                      <a:r>
-                        <a:rPr lang="en-US" sz="1400" b="0" i="0" u="none" strike="noStrike">
-                          <a:solidFill>
-                            <a:srgbClr val="000000"/>
-                          </a:solidFill>
-                          <a:effectLst/>
-                          <a:latin typeface="Calibri" panose="020F0502020204030204" pitchFamily="34" charset="0"/>
-                        </a:rPr>
-                        <a:t>35</a:t>
-                      </a:r>
-                    </a:p>
-                  </a:txBody>
-                  <a:tcPr marL="9525" marR="9525" marT="9525" marB="0" anchor="ctr"/>
-                </a:tc>
                 <a:extLst>
                   <a:ext uri="{0D108BD9-81ED-4DB2-BD59-A6C34878D82A}">
-                    <a16:rowId xmlns:a16="http://schemas.microsoft.com/office/drawing/2014/main" val="1611391232"/>
+                    <a16:rowId xmlns:a16="http://schemas.microsoft.com/office/drawing/2014/main" xmlns="" val="2665321544"/>
                   </a:ext>
                 </a:extLst>
               </a:tr>
@@ -8698,7 +10388,7 @@
                     <a:p>
                       <a:pPr algn="ctr" fontAlgn="b"/>
                       <a:r>
-                        <a:rPr lang="en-US" sz="1400" b="0" i="0" u="none" strike="noStrike">
+                        <a:rPr lang="en-US" sz="1400" b="0" i="0" u="none" strike="noStrike" dirty="0">
                           <a:solidFill>
                             <a:srgbClr val="000000"/>
                           </a:solidFill>
@@ -8711,29 +10401,9 @@
                   </a:txBody>
                   <a:tcPr marL="9525" marR="9525" marT="9525" marB="0" anchor="ctr"/>
                 </a:tc>
-                <a:tc>
-                  <a:txBody>
-                    <a:bodyPr/>
-                    <a:lstStyle/>
-                    <a:p>
-                      <a:pPr algn="ctr" fontAlgn="b"/>
-                      <a:r>
-                        <a:rPr lang="en-US" sz="1400" b="0" i="0" u="none" strike="noStrike">
-                          <a:solidFill>
-                            <a:srgbClr val="000000"/>
-                          </a:solidFill>
-                          <a:effectLst/>
-                          <a:latin typeface="Calibri" panose="020F0502020204030204" pitchFamily="34" charset="0"/>
-                        </a:rPr>
-                        <a:t>14</a:t>
-                      </a:r>
-                    </a:p>
-                  </a:txBody>
-                  <a:tcPr marL="9525" marR="9525" marT="9525" marB="0" anchor="ctr"/>
-                </a:tc>
                 <a:extLst>
                   <a:ext uri="{0D108BD9-81ED-4DB2-BD59-A6C34878D82A}">
-                    <a16:rowId xmlns:a16="http://schemas.microsoft.com/office/drawing/2014/main" val="2650669794"/>
+                    <a16:rowId xmlns:a16="http://schemas.microsoft.com/office/drawing/2014/main" xmlns="" val="1720650760"/>
                   </a:ext>
                 </a:extLst>
               </a:tr>
@@ -8745,7 +10415,7 @@
                     <a:p>
                       <a:pPr algn="ctr" fontAlgn="b"/>
                       <a:r>
-                        <a:rPr lang="en-US" sz="1400" b="0" i="0" u="none" strike="noStrike">
+                        <a:rPr lang="en-US" sz="1400" b="0" i="0" u="none" strike="noStrike" dirty="0">
                           <a:solidFill>
                             <a:srgbClr val="000000"/>
                           </a:solidFill>
@@ -8758,29 +10428,9 @@
                   </a:txBody>
                   <a:tcPr marL="9525" marR="9525" marT="9525" marB="0" anchor="ctr"/>
                 </a:tc>
-                <a:tc>
-                  <a:txBody>
-                    <a:bodyPr/>
-                    <a:lstStyle/>
-                    <a:p>
-                      <a:pPr algn="ctr" fontAlgn="b"/>
-                      <a:r>
-                        <a:rPr lang="en-US" sz="1400" b="0" i="0" u="none" strike="noStrike">
-                          <a:solidFill>
-                            <a:srgbClr val="000000"/>
-                          </a:solidFill>
-                          <a:effectLst/>
-                          <a:latin typeface="Calibri" panose="020F0502020204030204" pitchFamily="34" charset="0"/>
-                        </a:rPr>
-                        <a:t>4</a:t>
-                      </a:r>
-                    </a:p>
-                  </a:txBody>
-                  <a:tcPr marL="9525" marR="9525" marT="9525" marB="0" anchor="ctr"/>
-                </a:tc>
                 <a:extLst>
                   <a:ext uri="{0D108BD9-81ED-4DB2-BD59-A6C34878D82A}">
-                    <a16:rowId xmlns:a16="http://schemas.microsoft.com/office/drawing/2014/main" val="2085404576"/>
+                    <a16:rowId xmlns:a16="http://schemas.microsoft.com/office/drawing/2014/main" xmlns="" val="4012861160"/>
                   </a:ext>
                 </a:extLst>
               </a:tr>
@@ -8792,7 +10442,7 @@
                     <a:p>
                       <a:pPr algn="ctr" fontAlgn="b"/>
                       <a:r>
-                        <a:rPr lang="en-US" sz="1400" b="0" i="0" u="none" strike="noStrike">
+                        <a:rPr lang="en-US" sz="1400" b="0" i="0" u="none" strike="noStrike" dirty="0">
                           <a:solidFill>
                             <a:srgbClr val="000000"/>
                           </a:solidFill>
@@ -8805,29 +10455,9 @@
                   </a:txBody>
                   <a:tcPr marL="9525" marR="9525" marT="9525" marB="0" anchor="ctr"/>
                 </a:tc>
-                <a:tc>
-                  <a:txBody>
-                    <a:bodyPr/>
-                    <a:lstStyle/>
-                    <a:p>
-                      <a:pPr algn="ctr" fontAlgn="b"/>
-                      <a:r>
-                        <a:rPr lang="en-US" sz="1400" b="0" i="0" u="none" strike="noStrike">
-                          <a:solidFill>
-                            <a:srgbClr val="000000"/>
-                          </a:solidFill>
-                          <a:effectLst/>
-                          <a:latin typeface="Calibri" panose="020F0502020204030204" pitchFamily="34" charset="0"/>
-                        </a:rPr>
-                        <a:t>34</a:t>
-                      </a:r>
-                    </a:p>
-                  </a:txBody>
-                  <a:tcPr marL="9525" marR="9525" marT="9525" marB="0" anchor="ctr"/>
-                </a:tc>
                 <a:extLst>
                   <a:ext uri="{0D108BD9-81ED-4DB2-BD59-A6C34878D82A}">
-                    <a16:rowId xmlns:a16="http://schemas.microsoft.com/office/drawing/2014/main" val="1352126703"/>
+                    <a16:rowId xmlns:a16="http://schemas.microsoft.com/office/drawing/2014/main" xmlns="" val="1621257197"/>
                   </a:ext>
                 </a:extLst>
               </a:tr>
@@ -8839,7 +10469,7 @@
                     <a:p>
                       <a:pPr algn="ctr" fontAlgn="b"/>
                       <a:r>
-                        <a:rPr lang="en-US" sz="1400" b="0" i="0" u="none" strike="noStrike">
+                        <a:rPr lang="en-US" sz="1400" b="0" i="0" u="none" strike="noStrike" dirty="0">
                           <a:solidFill>
                             <a:srgbClr val="000000"/>
                           </a:solidFill>
@@ -8852,29 +10482,9 @@
                   </a:txBody>
                   <a:tcPr marL="9525" marR="9525" marT="9525" marB="0" anchor="ctr"/>
                 </a:tc>
-                <a:tc>
-                  <a:txBody>
-                    <a:bodyPr/>
-                    <a:lstStyle/>
-                    <a:p>
-                      <a:pPr algn="ctr" fontAlgn="b"/>
-                      <a:r>
-                        <a:rPr lang="en-US" sz="1400" b="0" i="0" u="none" strike="noStrike">
-                          <a:solidFill>
-                            <a:srgbClr val="000000"/>
-                          </a:solidFill>
-                          <a:effectLst/>
-                          <a:latin typeface="Calibri" panose="020F0502020204030204" pitchFamily="34" charset="0"/>
-                        </a:rPr>
-                        <a:t>33</a:t>
-                      </a:r>
-                    </a:p>
-                  </a:txBody>
-                  <a:tcPr marL="9525" marR="9525" marT="9525" marB="0" anchor="ctr"/>
-                </a:tc>
                 <a:extLst>
                   <a:ext uri="{0D108BD9-81ED-4DB2-BD59-A6C34878D82A}">
-                    <a16:rowId xmlns:a16="http://schemas.microsoft.com/office/drawing/2014/main" val="967716806"/>
+                    <a16:rowId xmlns:a16="http://schemas.microsoft.com/office/drawing/2014/main" xmlns="" val="2047264261"/>
                   </a:ext>
                 </a:extLst>
               </a:tr>
@@ -8886,7 +10496,7 @@
                     <a:p>
                       <a:pPr algn="ctr" fontAlgn="b"/>
                       <a:r>
-                        <a:rPr lang="en-US" sz="1400" b="0" i="0" u="none" strike="noStrike">
+                        <a:rPr lang="en-US" sz="1400" b="0" i="0" u="none" strike="noStrike" dirty="0">
                           <a:solidFill>
                             <a:srgbClr val="000000"/>
                           </a:solidFill>
@@ -8899,29 +10509,9 @@
                   </a:txBody>
                   <a:tcPr marL="9525" marR="9525" marT="9525" marB="0" anchor="ctr"/>
                 </a:tc>
-                <a:tc>
-                  <a:txBody>
-                    <a:bodyPr/>
-                    <a:lstStyle/>
-                    <a:p>
-                      <a:pPr algn="ctr" fontAlgn="b"/>
-                      <a:r>
-                        <a:rPr lang="en-US" sz="1400" b="0" i="0" u="none" strike="noStrike">
-                          <a:solidFill>
-                            <a:srgbClr val="000000"/>
-                          </a:solidFill>
-                          <a:effectLst/>
-                          <a:latin typeface="Calibri" panose="020F0502020204030204" pitchFamily="34" charset="0"/>
-                        </a:rPr>
-                        <a:t>14</a:t>
-                      </a:r>
-                    </a:p>
-                  </a:txBody>
-                  <a:tcPr marL="9525" marR="9525" marT="9525" marB="0" anchor="ctr"/>
-                </a:tc>
                 <a:extLst>
                   <a:ext uri="{0D108BD9-81ED-4DB2-BD59-A6C34878D82A}">
-                    <a16:rowId xmlns:a16="http://schemas.microsoft.com/office/drawing/2014/main" val="1997638661"/>
+                    <a16:rowId xmlns:a16="http://schemas.microsoft.com/office/drawing/2014/main" xmlns="" val="2549974644"/>
                   </a:ext>
                 </a:extLst>
               </a:tr>
@@ -8933,7 +10523,7 @@
                     <a:p>
                       <a:pPr algn="ctr" fontAlgn="b"/>
                       <a:r>
-                        <a:rPr lang="en-US" sz="1400" b="0" i="0" u="none" strike="noStrike">
+                        <a:rPr lang="en-US" sz="1400" b="0" i="0" u="none" strike="noStrike" dirty="0">
                           <a:solidFill>
                             <a:srgbClr val="000000"/>
                           </a:solidFill>
@@ -8946,29 +10536,9 @@
                   </a:txBody>
                   <a:tcPr marL="9525" marR="9525" marT="9525" marB="0" anchor="ctr"/>
                 </a:tc>
-                <a:tc>
-                  <a:txBody>
-                    <a:bodyPr/>
-                    <a:lstStyle/>
-                    <a:p>
-                      <a:pPr algn="ctr" fontAlgn="b"/>
-                      <a:r>
-                        <a:rPr lang="en-US" sz="1400" b="0" i="0" u="none" strike="noStrike">
-                          <a:solidFill>
-                            <a:srgbClr val="000000"/>
-                          </a:solidFill>
-                          <a:effectLst/>
-                          <a:latin typeface="Calibri" panose="020F0502020204030204" pitchFamily="34" charset="0"/>
-                        </a:rPr>
-                        <a:t>22</a:t>
-                      </a:r>
-                    </a:p>
-                  </a:txBody>
-                  <a:tcPr marL="9525" marR="9525" marT="9525" marB="0" anchor="ctr"/>
-                </a:tc>
                 <a:extLst>
                   <a:ext uri="{0D108BD9-81ED-4DB2-BD59-A6C34878D82A}">
-                    <a16:rowId xmlns:a16="http://schemas.microsoft.com/office/drawing/2014/main" val="1191128257"/>
+                    <a16:rowId xmlns:a16="http://schemas.microsoft.com/office/drawing/2014/main" xmlns="" val="190139407"/>
                   </a:ext>
                 </a:extLst>
               </a:tr>
@@ -8980,7 +10550,7 @@
                     <a:p>
                       <a:pPr algn="ctr" fontAlgn="b"/>
                       <a:r>
-                        <a:rPr lang="en-US" sz="1400" b="0" i="0" u="none" strike="noStrike">
+                        <a:rPr lang="en-US" sz="1400" b="0" i="0" u="none" strike="noStrike" dirty="0">
                           <a:solidFill>
                             <a:srgbClr val="000000"/>
                           </a:solidFill>
@@ -8993,29 +10563,9 @@
                   </a:txBody>
                   <a:tcPr marL="9525" marR="9525" marT="9525" marB="0" anchor="ctr"/>
                 </a:tc>
-                <a:tc>
-                  <a:txBody>
-                    <a:bodyPr/>
-                    <a:lstStyle/>
-                    <a:p>
-                      <a:pPr algn="ctr" fontAlgn="b"/>
-                      <a:r>
-                        <a:rPr lang="en-US" sz="1400" b="0" i="0" u="none" strike="noStrike" dirty="0">
-                          <a:solidFill>
-                            <a:srgbClr val="000000"/>
-                          </a:solidFill>
-                          <a:effectLst/>
-                          <a:latin typeface="Calibri" panose="020F0502020204030204" pitchFamily="34" charset="0"/>
-                        </a:rPr>
-                        <a:t>14</a:t>
-                      </a:r>
-                    </a:p>
-                  </a:txBody>
-                  <a:tcPr marL="9525" marR="9525" marT="9525" marB="0" anchor="ctr"/>
-                </a:tc>
                 <a:extLst>
                   <a:ext uri="{0D108BD9-81ED-4DB2-BD59-A6C34878D82A}">
-                    <a16:rowId xmlns:a16="http://schemas.microsoft.com/office/drawing/2014/main" val="1211812197"/>
+                    <a16:rowId xmlns:a16="http://schemas.microsoft.com/office/drawing/2014/main" xmlns="" val="884092458"/>
                   </a:ext>
                 </a:extLst>
               </a:tr>
@@ -9023,69 +10573,10 @@
           </a:graphicData>
         </a:graphic>
       </p:graphicFrame>
-      <p:pic>
-        <p:nvPicPr>
-          <p:cNvPr id="15" name="Content Placeholder 14"/>
-          <p:cNvPicPr>
-            <a:picLocks noGrp="1" noChangeAspect="1"/>
-          </p:cNvPicPr>
-          <p:nvPr>
-            <p:ph sz="half" idx="2"/>
-          </p:nvPr>
-        </p:nvPicPr>
-        <p:blipFill>
-          <a:blip r:embed="rId2" cstate="print">
-            <a:extLst>
-              <a:ext uri="{28A0092B-C50C-407E-A947-70E740481C1C}">
-                <a14:useLocalDpi xmlns:a14="http://schemas.microsoft.com/office/drawing/2010/main" val="0"/>
-              </a:ext>
-            </a:extLst>
-          </a:blip>
-          <a:stretch>
-            <a:fillRect/>
-          </a:stretch>
-        </p:blipFill>
-        <p:spPr>
-          <a:xfrm>
-            <a:off x="3001963" y="1958796"/>
-            <a:ext cx="5513387" cy="4084996"/>
-          </a:xfrm>
-        </p:spPr>
-      </p:pic>
-      <p:sp>
-        <p:nvSpPr>
-          <p:cNvPr id="16" name="TextBox 15"/>
-          <p:cNvSpPr txBox="1"/>
-          <p:nvPr/>
-        </p:nvSpPr>
-        <p:spPr>
-          <a:xfrm>
-            <a:off x="3287033" y="1543717"/>
-            <a:ext cx="2569934" cy="369332"/>
-          </a:xfrm>
-          <a:prstGeom prst="rect">
-            <a:avLst/>
-          </a:prstGeom>
-          <a:noFill/>
-        </p:spPr>
-        <p:txBody>
-          <a:bodyPr wrap="none" rtlCol="0">
-            <a:spAutoFit/>
-          </a:bodyPr>
-          <a:lstStyle/>
-          <a:p>
-            <a:r>
-              <a:rPr lang="en-US" dirty="0" smtClean="0"/>
-              <a:t>48% have no second type</a:t>
-            </a:r>
-            <a:endParaRPr lang="en-US" dirty="0"/>
-          </a:p>
-        </p:txBody>
-      </p:sp>
     </p:spTree>
     <p:extLst>
       <p:ext uri="{BB962C8B-B14F-4D97-AF65-F5344CB8AC3E}">
-        <p14:creationId xmlns:p14="http://schemas.microsoft.com/office/powerpoint/2010/main" val="3997298214"/>
+        <p14:creationId xmlns:p14="http://schemas.microsoft.com/office/powerpoint/2010/main" val="3554773991"/>
       </p:ext>
     </p:extLst>
   </p:cSld>
@@ -9129,7 +10620,7 @@
           <a:p>
             <a:r>
               <a:rPr lang="en-US" dirty="0" smtClean="0"/>
-              <a:t>Type information</a:t>
+              <a:t>The Game</a:t>
             </a:r>
             <a:endParaRPr lang="en-US" dirty="0"/>
           </a:p>
@@ -9146,7 +10637,7 @@
           </p:nvPr>
         </p:nvPicPr>
         <p:blipFill>
-          <a:blip r:embed="rId2" cstate="print">
+          <a:blip r:embed="rId2">
             <a:extLst>
               <a:ext uri="{28A0092B-C50C-407E-A947-70E740481C1C}">
                 <a14:useLocalDpi xmlns:a14="http://schemas.microsoft.com/office/drawing/2010/main" val="0"/>
@@ -9159,8 +10650,8 @@
         </p:blipFill>
         <p:spPr>
           <a:xfrm>
-            <a:off x="1635571" y="1825625"/>
-            <a:ext cx="5872858" cy="4351338"/>
+            <a:off x="1453096" y="1825625"/>
+            <a:ext cx="6237807" cy="4351338"/>
           </a:xfrm>
         </p:spPr>
       </p:pic>
@@ -9172,8 +10663,8 @@
         </p:nvSpPr>
         <p:spPr>
           <a:xfrm>
-            <a:off x="628650" y="1456293"/>
-            <a:ext cx="5662832" cy="369332"/>
+            <a:off x="0" y="6488668"/>
+            <a:ext cx="4923977" cy="369332"/>
           </a:xfrm>
           <a:prstGeom prst="rect">
             <a:avLst/>
@@ -9187,21 +10678,16 @@
           <a:lstStyle/>
           <a:p>
             <a:r>
-              <a:rPr lang="en-US" dirty="0" smtClean="0"/>
-              <a:t>Distribution of types, bottom row is single-typed </a:t>
-            </a:r>
-            <a:r>
-              <a:rPr lang="en-US" dirty="0" err="1" smtClean="0"/>
-              <a:t>pokemon</a:t>
-            </a:r>
-            <a:endParaRPr lang="en-US" dirty="0"/>
+              <a:rPr lang="en-US" dirty="0"/>
+              <a:t>c/o https://bulbapedia.bulbagarden.net/wiki/Type</a:t>
+            </a:r>
           </a:p>
         </p:txBody>
       </p:sp>
     </p:spTree>
     <p:extLst>
       <p:ext uri="{BB962C8B-B14F-4D97-AF65-F5344CB8AC3E}">
-        <p14:creationId xmlns:p14="http://schemas.microsoft.com/office/powerpoint/2010/main" val="501240277"/>
+        <p14:creationId xmlns:p14="http://schemas.microsoft.com/office/powerpoint/2010/main" val="695503338"/>
       </p:ext>
     </p:extLst>
   </p:cSld>
@@ -9245,75 +10731,109 @@
           <a:p>
             <a:r>
               <a:rPr lang="en-US" dirty="0" smtClean="0"/>
-              <a:t>Type information</a:t>
+              <a:t>Stat information</a:t>
             </a:r>
             <a:endParaRPr lang="en-US" dirty="0"/>
           </a:p>
         </p:txBody>
       </p:sp>
-      <p:pic>
-        <p:nvPicPr>
-          <p:cNvPr id="7" name="Content Placeholder 4"/>
-          <p:cNvPicPr>
-            <a:picLocks noGrp="1" noChangeAspect="1"/>
-          </p:cNvPicPr>
+      <p:sp>
+        <p:nvSpPr>
+          <p:cNvPr id="3" name="Content Placeholder 2"/>
+          <p:cNvSpPr>
+            <a:spLocks noGrp="1"/>
+          </p:cNvSpPr>
           <p:nvPr>
             <p:ph idx="1"/>
           </p:nvPr>
-        </p:nvPicPr>
-        <p:blipFill>
-          <a:blip r:embed="rId2" cstate="print">
-            <a:extLst>
-              <a:ext uri="{28A0092B-C50C-407E-A947-70E740481C1C}">
-                <a14:useLocalDpi xmlns:a14="http://schemas.microsoft.com/office/drawing/2010/main" val="0"/>
-              </a:ext>
-            </a:extLst>
-          </a:blip>
-          <a:stretch>
-            <a:fillRect/>
-          </a:stretch>
-        </p:blipFill>
-        <p:spPr>
-          <a:xfrm>
-            <a:off x="1635571" y="1825625"/>
-            <a:ext cx="5872858" cy="4351338"/>
-          </a:xfrm>
-        </p:spPr>
-      </p:pic>
-      <p:sp>
-        <p:nvSpPr>
-          <p:cNvPr id="8" name="TextBox 7"/>
-          <p:cNvSpPr txBox="1"/>
-          <p:nvPr/>
-        </p:nvSpPr>
-        <p:spPr>
-          <a:xfrm>
-            <a:off x="628650" y="1456293"/>
-            <a:ext cx="1981055" cy="369332"/>
-          </a:xfrm>
-          <a:prstGeom prst="rect">
-            <a:avLst/>
-          </a:prstGeom>
-          <a:noFill/>
-        </p:spPr>
-        <p:txBody>
-          <a:bodyPr wrap="none" rtlCol="0">
-            <a:spAutoFit/>
-          </a:bodyPr>
-          <a:lstStyle/>
-          <a:p>
-            <a:r>
-              <a:rPr lang="en-US" dirty="0" smtClean="0"/>
-              <a:t>8.1% are legendary</a:t>
+        </p:nvSpPr>
+        <p:spPr/>
+        <p:txBody>
+          <a:bodyPr/>
+          <a:lstStyle/>
+          <a:p>
+            <a:r>
+              <a:rPr lang="en-US" dirty="0" smtClean="0"/>
+              <a:t>Statistics also affect damage</a:t>
+            </a:r>
+          </a:p>
+          <a:p>
+            <a:r>
+              <a:rPr lang="en-US" dirty="0" err="1" smtClean="0"/>
+              <a:t>Pokemon</a:t>
+            </a:r>
+            <a:r>
+              <a:rPr lang="en-US" dirty="0" smtClean="0"/>
+              <a:t> have 6 statistics (stats):</a:t>
             </a:r>
             <a:endParaRPr lang="en-US" dirty="0"/>
+          </a:p>
+          <a:p>
+            <a:pPr lvl="1"/>
+            <a:r>
+              <a:rPr lang="en-US" dirty="0"/>
+              <a:t>HP – how much damage </a:t>
+            </a:r>
+            <a:r>
+              <a:rPr lang="en-US" dirty="0" smtClean="0"/>
+              <a:t>can be taken before </a:t>
+            </a:r>
+            <a:r>
+              <a:rPr lang="en-US" dirty="0"/>
+              <a:t>fainting</a:t>
+            </a:r>
+          </a:p>
+          <a:p>
+            <a:pPr lvl="1"/>
+            <a:r>
+              <a:rPr lang="en-US" dirty="0"/>
+              <a:t>Attack – proportional to outgoing damage with non-special attacks</a:t>
+            </a:r>
+          </a:p>
+          <a:p>
+            <a:pPr lvl="1"/>
+            <a:r>
+              <a:rPr lang="en-US" dirty="0">
+                <a:sym typeface="Wingdings" panose="05000000000000000000" pitchFamily="2" charset="2"/>
+              </a:rPr>
+              <a:t>Defense – inversely proportional to incoming damage with non-special attacks</a:t>
+            </a:r>
+          </a:p>
+          <a:p>
+            <a:pPr lvl="1"/>
+            <a:r>
+              <a:rPr lang="en-US" dirty="0" err="1"/>
+              <a:t>Sp</a:t>
+            </a:r>
+            <a:r>
+              <a:rPr lang="en-US" dirty="0"/>
+              <a:t> Attack v. </a:t>
+            </a:r>
+            <a:r>
+              <a:rPr lang="en-US" dirty="0" err="1"/>
+              <a:t>Sp</a:t>
+            </a:r>
+            <a:r>
+              <a:rPr lang="en-US" dirty="0"/>
+              <a:t> Defense – same as attack/defense, but for special attacks</a:t>
+            </a:r>
+          </a:p>
+          <a:p>
+            <a:pPr lvl="1"/>
+            <a:r>
+              <a:rPr lang="en-US" dirty="0"/>
+              <a:t>Speed – proportional to likelihood of acting first in combat</a:t>
+            </a:r>
+          </a:p>
+          <a:p>
+            <a:endParaRPr lang="en-US" dirty="0" smtClean="0"/>
           </a:p>
         </p:txBody>
       </p:sp>
     </p:spTree>
     <p:extLst>
       <p:ext uri="{BB962C8B-B14F-4D97-AF65-F5344CB8AC3E}">
-        <p14:creationId xmlns:p14="http://schemas.microsoft.com/office/powerpoint/2010/main" val="1964976735"/>
+        <p14:creationId xmlns:p14="http://schemas.microsoft.com/office/powerpoint/2010/main" val="4031687443"/>
       </p:ext>
     </p:extLst>
   </p:cSld>
@@ -9357,7 +10877,7 @@
           <a:p>
             <a:r>
               <a:rPr lang="en-US" dirty="0" smtClean="0"/>
-              <a:t>Stat information</a:t>
+              <a:t>The Game</a:t>
             </a:r>
             <a:endParaRPr lang="en-US" dirty="0"/>
           </a:p>
@@ -9375,65 +10895,40 @@
         </p:nvSpPr>
         <p:spPr/>
         <p:txBody>
-          <a:bodyPr/>
-          <a:lstStyle/>
-          <a:p>
-            <a:r>
-              <a:rPr lang="en-US" dirty="0" smtClean="0"/>
-              <a:t>There are 6 statistics:</a:t>
-            </a:r>
-          </a:p>
-          <a:p>
-            <a:pPr lvl="1"/>
-            <a:r>
-              <a:rPr lang="en-US" dirty="0" smtClean="0"/>
-              <a:t>HP – how much damage before fainting</a:t>
-            </a:r>
-          </a:p>
-          <a:p>
-            <a:pPr lvl="1"/>
-            <a:r>
-              <a:rPr lang="en-US" dirty="0" smtClean="0"/>
-              <a:t>Attack – proportional to outgoing damage with non-special attacks</a:t>
-            </a:r>
-          </a:p>
-          <a:p>
-            <a:pPr lvl="1"/>
-            <a:r>
-              <a:rPr lang="en-US" dirty="0" smtClean="0">
-                <a:sym typeface="Wingdings" panose="05000000000000000000" pitchFamily="2" charset="2"/>
-              </a:rPr>
-              <a:t>Defense – inversely proportional to incoming damage with non-special attacks</a:t>
-            </a:r>
-          </a:p>
-          <a:p>
-            <a:pPr lvl="1"/>
+          <a:bodyPr>
+            <a:normAutofit/>
+          </a:bodyPr>
+          <a:lstStyle/>
+          <a:p>
+            <a:r>
+              <a:rPr lang="en-US" dirty="0" smtClean="0"/>
+              <a:t>Fight moves may cause only damage, may cause only a status effect, or both, depending on the move selected</a:t>
+            </a:r>
+          </a:p>
+          <a:p>
+            <a:r>
+              <a:rPr lang="en-US" dirty="0" smtClean="0"/>
+              <a:t>Assume both sides choose fight, and select a damage-only move</a:t>
+            </a:r>
+          </a:p>
+          <a:p>
+            <a:r>
+              <a:rPr lang="en-US" dirty="0" smtClean="0"/>
+              <a:t>The </a:t>
+            </a:r>
             <a:r>
               <a:rPr lang="en-US" dirty="0" err="1" smtClean="0"/>
-              <a:t>Sp</a:t>
-            </a:r>
-            <a:r>
-              <a:rPr lang="en-US" dirty="0" smtClean="0"/>
-              <a:t> Attack v. </a:t>
-            </a:r>
-            <a:r>
-              <a:rPr lang="en-US" dirty="0" err="1" smtClean="0"/>
-              <a:t>Sp</a:t>
-            </a:r>
-            <a:r>
-              <a:rPr lang="en-US" dirty="0"/>
-              <a:t> </a:t>
-            </a:r>
-            <a:r>
-              <a:rPr lang="en-US" dirty="0" smtClean="0"/>
-              <a:t>Defense – same as attack/defense, but for special attacks</a:t>
-            </a:r>
-          </a:p>
-          <a:p>
-            <a:pPr lvl="1"/>
-            <a:r>
-              <a:rPr lang="en-US" dirty="0" smtClean="0"/>
-              <a:t>Speed – proportional to likelihood of acting first in combat</a:t>
+              <a:t>pokemon</a:t>
+            </a:r>
+            <a:r>
+              <a:rPr lang="en-US" dirty="0" smtClean="0"/>
+              <a:t> with higher speed goes first</a:t>
+            </a:r>
+          </a:p>
+          <a:p>
+            <a:r>
+              <a:rPr lang="en-US" dirty="0" smtClean="0"/>
+              <a:t>If equal, order is decided randomly (50/50)</a:t>
             </a:r>
           </a:p>
         </p:txBody>
@@ -9441,7 +10936,7 @@
     </p:spTree>
     <p:extLst>
       <p:ext uri="{BB962C8B-B14F-4D97-AF65-F5344CB8AC3E}">
-        <p14:creationId xmlns:p14="http://schemas.microsoft.com/office/powerpoint/2010/main" val="4031687443"/>
+        <p14:creationId xmlns:p14="http://schemas.microsoft.com/office/powerpoint/2010/main" val="4147260700"/>
       </p:ext>
     </p:extLst>
   </p:cSld>
